--- a/documents/Slide.pptx
+++ b/documents/Slide.pptx
@@ -5,7 +5,7 @@
     <p:sldMasterId id="2147483648" r:id="rId1"/>
   </p:sldMasterIdLst>
   <p:handoutMasterIdLst>
-    <p:handoutMasterId r:id="rId21"/>
+    <p:handoutMasterId r:id="rId17"/>
   </p:handoutMasterIdLst>
   <p:sldIdLst>
     <p:sldId id="256" r:id="rId2"/>
@@ -13,20 +13,16 @@
     <p:sldId id="259" r:id="rId4"/>
     <p:sldId id="570" r:id="rId5"/>
     <p:sldId id="260" r:id="rId6"/>
-    <p:sldId id="268" r:id="rId7"/>
-    <p:sldId id="583" r:id="rId8"/>
-    <p:sldId id="571" r:id="rId9"/>
-    <p:sldId id="572" r:id="rId10"/>
-    <p:sldId id="573" r:id="rId11"/>
-    <p:sldId id="574" r:id="rId12"/>
-    <p:sldId id="576" r:id="rId13"/>
-    <p:sldId id="577" r:id="rId14"/>
-    <p:sldId id="578" r:id="rId15"/>
-    <p:sldId id="579" r:id="rId16"/>
-    <p:sldId id="580" r:id="rId17"/>
-    <p:sldId id="581" r:id="rId18"/>
-    <p:sldId id="582" r:id="rId19"/>
-    <p:sldId id="275" r:id="rId20"/>
+    <p:sldId id="584" r:id="rId7"/>
+    <p:sldId id="585" r:id="rId8"/>
+    <p:sldId id="268" r:id="rId9"/>
+    <p:sldId id="586" r:id="rId10"/>
+    <p:sldId id="576" r:id="rId11"/>
+    <p:sldId id="577" r:id="rId12"/>
+    <p:sldId id="579" r:id="rId13"/>
+    <p:sldId id="581" r:id="rId14"/>
+    <p:sldId id="582" r:id="rId15"/>
+    <p:sldId id="275" r:id="rId16"/>
   </p:sldIdLst>
   <p:sldSz cx="12192000" cy="6858000"/>
   <p:notesSz cx="6858000" cy="9144000"/>
@@ -1741,7 +1737,7 @@
           <a:p>
             <a:fld id="{0D880871-A491-4E0D-B27E-69CC2687082F}" type="datetimeFigureOut">
               <a:rPr lang="en-US" smtClean="0"/>
-              <a:t>1/30/2024</a:t>
+              <a:t>1/31/2024</a:t>
             </a:fld>
             <a:endParaRPr lang="en-US"/>
           </a:p>
@@ -1983,7 +1979,7 @@
           <a:p>
             <a:fld id="{4791294E-E5A8-4AC0-BC36-C2BA5440625C}" type="datetimeFigureOut">
               <a:rPr lang="en-US" smtClean="0"/>
-              <a:t>1/30/2024</a:t>
+              <a:t>1/31/2024</a:t>
             </a:fld>
             <a:endParaRPr lang="en-US"/>
           </a:p>
@@ -2193,7 +2189,7 @@
           <a:p>
             <a:fld id="{4791294E-E5A8-4AC0-BC36-C2BA5440625C}" type="datetimeFigureOut">
               <a:rPr lang="en-US" smtClean="0"/>
-              <a:t>1/30/2024</a:t>
+              <a:t>1/31/2024</a:t>
             </a:fld>
             <a:endParaRPr lang="en-US"/>
           </a:p>
@@ -2413,7 +2409,7 @@
           <a:p>
             <a:fld id="{4791294E-E5A8-4AC0-BC36-C2BA5440625C}" type="datetimeFigureOut">
               <a:rPr lang="en-US" smtClean="0"/>
-              <a:t>1/30/2024</a:t>
+              <a:t>1/31/2024</a:t>
             </a:fld>
             <a:endParaRPr lang="en-US"/>
           </a:p>
@@ -2623,7 +2619,7 @@
           <a:p>
             <a:fld id="{4791294E-E5A8-4AC0-BC36-C2BA5440625C}" type="datetimeFigureOut">
               <a:rPr lang="en-US" smtClean="0"/>
-              <a:t>1/30/2024</a:t>
+              <a:t>1/31/2024</a:t>
             </a:fld>
             <a:endParaRPr lang="en-US"/>
           </a:p>
@@ -2910,7 +2906,7 @@
           <a:p>
             <a:fld id="{4791294E-E5A8-4AC0-BC36-C2BA5440625C}" type="datetimeFigureOut">
               <a:rPr lang="en-US" smtClean="0"/>
-              <a:t>1/30/2024</a:t>
+              <a:t>1/31/2024</a:t>
             </a:fld>
             <a:endParaRPr lang="en-US"/>
           </a:p>
@@ -3187,7 +3183,7 @@
           <a:p>
             <a:fld id="{4791294E-E5A8-4AC0-BC36-C2BA5440625C}" type="datetimeFigureOut">
               <a:rPr lang="en-US" smtClean="0"/>
-              <a:t>1/30/2024</a:t>
+              <a:t>1/31/2024</a:t>
             </a:fld>
             <a:endParaRPr lang="en-US"/>
           </a:p>
@@ -3611,7 +3607,7 @@
           <a:p>
             <a:fld id="{4791294E-E5A8-4AC0-BC36-C2BA5440625C}" type="datetimeFigureOut">
               <a:rPr lang="en-US" smtClean="0"/>
-              <a:t>1/30/2024</a:t>
+              <a:t>1/31/2024</a:t>
             </a:fld>
             <a:endParaRPr lang="en-US"/>
           </a:p>
@@ -3764,7 +3760,7 @@
           <a:p>
             <a:fld id="{4791294E-E5A8-4AC0-BC36-C2BA5440625C}" type="datetimeFigureOut">
               <a:rPr lang="en-US" smtClean="0"/>
-              <a:t>1/30/2024</a:t>
+              <a:t>1/31/2024</a:t>
             </a:fld>
             <a:endParaRPr lang="en-US"/>
           </a:p>
@@ -3889,7 +3885,7 @@
           <a:p>
             <a:fld id="{4791294E-E5A8-4AC0-BC36-C2BA5440625C}" type="datetimeFigureOut">
               <a:rPr lang="en-US" smtClean="0"/>
-              <a:t>1/30/2024</a:t>
+              <a:t>1/31/2024</a:t>
             </a:fld>
             <a:endParaRPr lang="en-US"/>
           </a:p>
@@ -4530,7 +4526,7 @@
           <a:p>
             <a:fld id="{4791294E-E5A8-4AC0-BC36-C2BA5440625C}" type="datetimeFigureOut">
               <a:rPr lang="en-US" smtClean="0"/>
-              <a:t>1/30/2024</a:t>
+              <a:t>1/31/2024</a:t>
             </a:fld>
             <a:endParaRPr lang="en-US"/>
           </a:p>
@@ -4722,7 +4718,7 @@
           <a:p>
             <a:fld id="{4791294E-E5A8-4AC0-BC36-C2BA5440625C}" type="datetimeFigureOut">
               <a:rPr lang="en-US" smtClean="0"/>
-              <a:t>1/30/2024</a:t>
+              <a:t>1/31/2024</a:t>
             </a:fld>
             <a:endParaRPr lang="en-US"/>
           </a:p>
@@ -4975,7 +4971,7 @@
           <a:p>
             <a:fld id="{4791294E-E5A8-4AC0-BC36-C2BA5440625C}" type="datetimeFigureOut">
               <a:rPr lang="en-US" smtClean="0"/>
-              <a:t>1/30/2024</a:t>
+              <a:t>1/31/2024</a:t>
             </a:fld>
             <a:endParaRPr lang="en-US"/>
           </a:p>
@@ -5480,7 +5476,10 @@
           <a:bodyPr rtlCol="0" anchor="ctr"/>
           <a:lstStyle/>
           <a:p>
-            <a:endParaRPr lang="en-US"/>
+            <a:r>
+              <a:rPr lang="en-US" dirty="0"/>
+              <a:t>f</a:t>
+            </a:r>
           </a:p>
         </p:txBody>
       </p:sp>
@@ -6380,2128 +6379,6 @@
 </file>
 
 <file path=ppt/slides/slide10.xml><?xml version="1.0" encoding="utf-8"?>
-<p:sld xmlns:a="http://schemas.openxmlformats.org/drawingml/2006/main" xmlns:r="http://schemas.openxmlformats.org/officeDocument/2006/relationships" xmlns:p="http://schemas.openxmlformats.org/presentationml/2006/main">
-  <p:cSld>
-    <p:spTree>
-      <p:nvGrpSpPr>
-        <p:cNvPr id="1" name=""/>
-        <p:cNvGrpSpPr/>
-        <p:nvPr/>
-      </p:nvGrpSpPr>
-      <p:grpSpPr>
-        <a:xfrm>
-          <a:off x="0" y="0"/>
-          <a:ext cx="0" cy="0"/>
-          <a:chOff x="0" y="0"/>
-          <a:chExt cx="0" cy="0"/>
-        </a:xfrm>
-      </p:grpSpPr>
-      <p:sp>
-        <p:nvSpPr>
-          <p:cNvPr id="4" name="Freeform: Shape 3">
-            <a:extLst>
-              <a:ext uri="{FF2B5EF4-FFF2-40B4-BE49-F238E27FC236}">
-                <a16:creationId xmlns:a16="http://schemas.microsoft.com/office/drawing/2014/main" id="{7BD3447E-8CAF-43CA-A07C-CB6BC59AA802}"/>
-              </a:ext>
-            </a:extLst>
-          </p:cNvPr>
-          <p:cNvSpPr/>
-          <p:nvPr/>
-        </p:nvSpPr>
-        <p:spPr>
-          <a:xfrm>
-            <a:off x="2757487" y="842867"/>
-            <a:ext cx="228600" cy="228600"/>
-          </a:xfrm>
-          <a:custGeom>
-            <a:avLst/>
-            <a:gdLst>
-              <a:gd name="connsiteX0" fmla="*/ 222218 w 228600"/>
-              <a:gd name="connsiteY0" fmla="*/ 114681 h 228600"/>
-              <a:gd name="connsiteX1" fmla="*/ 114681 w 228600"/>
-              <a:gd name="connsiteY1" fmla="*/ 222218 h 228600"/>
-              <a:gd name="connsiteX2" fmla="*/ 7144 w 228600"/>
-              <a:gd name="connsiteY2" fmla="*/ 114681 h 228600"/>
-              <a:gd name="connsiteX3" fmla="*/ 114681 w 228600"/>
-              <a:gd name="connsiteY3" fmla="*/ 7144 h 228600"/>
-              <a:gd name="connsiteX4" fmla="*/ 222218 w 228600"/>
-              <a:gd name="connsiteY4" fmla="*/ 114681 h 228600"/>
-            </a:gdLst>
-            <a:ahLst/>
-            <a:cxnLst>
-              <a:cxn ang="0">
-                <a:pos x="connsiteX0" y="connsiteY0"/>
-              </a:cxn>
-              <a:cxn ang="0">
-                <a:pos x="connsiteX1" y="connsiteY1"/>
-              </a:cxn>
-              <a:cxn ang="0">
-                <a:pos x="connsiteX2" y="connsiteY2"/>
-              </a:cxn>
-              <a:cxn ang="0">
-                <a:pos x="connsiteX3" y="connsiteY3"/>
-              </a:cxn>
-              <a:cxn ang="0">
-                <a:pos x="connsiteX4" y="connsiteY4"/>
-              </a:cxn>
-            </a:cxnLst>
-            <a:rect l="l" t="t" r="r" b="b"/>
-            <a:pathLst>
-              <a:path w="228600" h="228600">
-                <a:moveTo>
-                  <a:pt x="222218" y="114681"/>
-                </a:moveTo>
-                <a:cubicBezTo>
-                  <a:pt x="222218" y="174072"/>
-                  <a:pt x="174072" y="222218"/>
-                  <a:pt x="114681" y="222218"/>
-                </a:cubicBezTo>
-                <a:cubicBezTo>
-                  <a:pt x="55290" y="222218"/>
-                  <a:pt x="7144" y="174072"/>
-                  <a:pt x="7144" y="114681"/>
-                </a:cubicBezTo>
-                <a:cubicBezTo>
-                  <a:pt x="7144" y="55290"/>
-                  <a:pt x="55290" y="7144"/>
-                  <a:pt x="114681" y="7144"/>
-                </a:cubicBezTo>
-                <a:cubicBezTo>
-                  <a:pt x="174072" y="7144"/>
-                  <a:pt x="222218" y="55290"/>
-                  <a:pt x="222218" y="114681"/>
-                </a:cubicBezTo>
-                <a:close/>
-              </a:path>
-            </a:pathLst>
-          </a:custGeom>
-          <a:solidFill>
-            <a:srgbClr val="FFC947"/>
-          </a:solidFill>
-          <a:ln w="9525" cap="flat">
-            <a:noFill/>
-            <a:prstDash val="solid"/>
-            <a:miter/>
-          </a:ln>
-        </p:spPr>
-        <p:txBody>
-          <a:bodyPr rtlCol="0" anchor="ctr"/>
-          <a:lstStyle/>
-          <a:p>
-            <a:endParaRPr lang="en-US"/>
-          </a:p>
-        </p:txBody>
-      </p:sp>
-      <p:sp>
-        <p:nvSpPr>
-          <p:cNvPr id="5" name="Freeform: Shape 4">
-            <a:extLst>
-              <a:ext uri="{FF2B5EF4-FFF2-40B4-BE49-F238E27FC236}">
-                <a16:creationId xmlns:a16="http://schemas.microsoft.com/office/drawing/2014/main" id="{B5E4CB26-9BF5-4819-A991-22068C3A2B14}"/>
-              </a:ext>
-            </a:extLst>
-          </p:cNvPr>
-          <p:cNvSpPr/>
-          <p:nvPr/>
-        </p:nvSpPr>
-        <p:spPr>
-          <a:xfrm>
-            <a:off x="646557" y="1324737"/>
-            <a:ext cx="228600" cy="228600"/>
-          </a:xfrm>
-          <a:custGeom>
-            <a:avLst/>
-            <a:gdLst>
-              <a:gd name="connsiteX0" fmla="*/ 222218 w 228600"/>
-              <a:gd name="connsiteY0" fmla="*/ 114681 h 228600"/>
-              <a:gd name="connsiteX1" fmla="*/ 114681 w 228600"/>
-              <a:gd name="connsiteY1" fmla="*/ 222218 h 228600"/>
-              <a:gd name="connsiteX2" fmla="*/ 7144 w 228600"/>
-              <a:gd name="connsiteY2" fmla="*/ 114681 h 228600"/>
-              <a:gd name="connsiteX3" fmla="*/ 114681 w 228600"/>
-              <a:gd name="connsiteY3" fmla="*/ 7144 h 228600"/>
-              <a:gd name="connsiteX4" fmla="*/ 222218 w 228600"/>
-              <a:gd name="connsiteY4" fmla="*/ 114681 h 228600"/>
-            </a:gdLst>
-            <a:ahLst/>
-            <a:cxnLst>
-              <a:cxn ang="0">
-                <a:pos x="connsiteX0" y="connsiteY0"/>
-              </a:cxn>
-              <a:cxn ang="0">
-                <a:pos x="connsiteX1" y="connsiteY1"/>
-              </a:cxn>
-              <a:cxn ang="0">
-                <a:pos x="connsiteX2" y="connsiteY2"/>
-              </a:cxn>
-              <a:cxn ang="0">
-                <a:pos x="connsiteX3" y="connsiteY3"/>
-              </a:cxn>
-              <a:cxn ang="0">
-                <a:pos x="connsiteX4" y="connsiteY4"/>
-              </a:cxn>
-            </a:cxnLst>
-            <a:rect l="l" t="t" r="r" b="b"/>
-            <a:pathLst>
-              <a:path w="228600" h="228600">
-                <a:moveTo>
-                  <a:pt x="222218" y="114681"/>
-                </a:moveTo>
-                <a:cubicBezTo>
-                  <a:pt x="222218" y="174072"/>
-                  <a:pt x="174072" y="222218"/>
-                  <a:pt x="114681" y="222218"/>
-                </a:cubicBezTo>
-                <a:cubicBezTo>
-                  <a:pt x="55290" y="222218"/>
-                  <a:pt x="7144" y="174072"/>
-                  <a:pt x="7144" y="114681"/>
-                </a:cubicBezTo>
-                <a:cubicBezTo>
-                  <a:pt x="7144" y="55290"/>
-                  <a:pt x="55290" y="7144"/>
-                  <a:pt x="114681" y="7144"/>
-                </a:cubicBezTo>
-                <a:cubicBezTo>
-                  <a:pt x="174072" y="7144"/>
-                  <a:pt x="222218" y="55290"/>
-                  <a:pt x="222218" y="114681"/>
-                </a:cubicBezTo>
-                <a:close/>
-              </a:path>
-            </a:pathLst>
-          </a:custGeom>
-          <a:solidFill>
-            <a:srgbClr val="FFC947"/>
-          </a:solidFill>
-          <a:ln w="9525" cap="flat">
-            <a:noFill/>
-            <a:prstDash val="solid"/>
-            <a:miter/>
-          </a:ln>
-        </p:spPr>
-        <p:txBody>
-          <a:bodyPr rtlCol="0" anchor="ctr"/>
-          <a:lstStyle/>
-          <a:p>
-            <a:endParaRPr lang="en-US"/>
-          </a:p>
-        </p:txBody>
-      </p:sp>
-      <p:sp>
-        <p:nvSpPr>
-          <p:cNvPr id="6" name="Freeform: Shape 5">
-            <a:extLst>
-              <a:ext uri="{FF2B5EF4-FFF2-40B4-BE49-F238E27FC236}">
-                <a16:creationId xmlns:a16="http://schemas.microsoft.com/office/drawing/2014/main" id="{407BB61C-22CA-4824-9E49-9F3B1B7F3780}"/>
-              </a:ext>
-            </a:extLst>
-          </p:cNvPr>
-          <p:cNvSpPr/>
-          <p:nvPr/>
-        </p:nvSpPr>
-        <p:spPr>
-          <a:xfrm>
-            <a:off x="607218" y="2850737"/>
-            <a:ext cx="228600" cy="228600"/>
-          </a:xfrm>
-          <a:custGeom>
-            <a:avLst/>
-            <a:gdLst>
-              <a:gd name="connsiteX0" fmla="*/ 222218 w 228600"/>
-              <a:gd name="connsiteY0" fmla="*/ 114681 h 228600"/>
-              <a:gd name="connsiteX1" fmla="*/ 114681 w 228600"/>
-              <a:gd name="connsiteY1" fmla="*/ 222218 h 228600"/>
-              <a:gd name="connsiteX2" fmla="*/ 7144 w 228600"/>
-              <a:gd name="connsiteY2" fmla="*/ 114681 h 228600"/>
-              <a:gd name="connsiteX3" fmla="*/ 114681 w 228600"/>
-              <a:gd name="connsiteY3" fmla="*/ 7144 h 228600"/>
-              <a:gd name="connsiteX4" fmla="*/ 222218 w 228600"/>
-              <a:gd name="connsiteY4" fmla="*/ 114681 h 228600"/>
-            </a:gdLst>
-            <a:ahLst/>
-            <a:cxnLst>
-              <a:cxn ang="0">
-                <a:pos x="connsiteX0" y="connsiteY0"/>
-              </a:cxn>
-              <a:cxn ang="0">
-                <a:pos x="connsiteX1" y="connsiteY1"/>
-              </a:cxn>
-              <a:cxn ang="0">
-                <a:pos x="connsiteX2" y="connsiteY2"/>
-              </a:cxn>
-              <a:cxn ang="0">
-                <a:pos x="connsiteX3" y="connsiteY3"/>
-              </a:cxn>
-              <a:cxn ang="0">
-                <a:pos x="connsiteX4" y="connsiteY4"/>
-              </a:cxn>
-            </a:cxnLst>
-            <a:rect l="l" t="t" r="r" b="b"/>
-            <a:pathLst>
-              <a:path w="228600" h="228600">
-                <a:moveTo>
-                  <a:pt x="222218" y="114681"/>
-                </a:moveTo>
-                <a:cubicBezTo>
-                  <a:pt x="222218" y="174072"/>
-                  <a:pt x="174072" y="222218"/>
-                  <a:pt x="114681" y="222218"/>
-                </a:cubicBezTo>
-                <a:cubicBezTo>
-                  <a:pt x="55290" y="222218"/>
-                  <a:pt x="7144" y="174072"/>
-                  <a:pt x="7144" y="114681"/>
-                </a:cubicBezTo>
-                <a:cubicBezTo>
-                  <a:pt x="7144" y="55290"/>
-                  <a:pt x="55290" y="7144"/>
-                  <a:pt x="114681" y="7144"/>
-                </a:cubicBezTo>
-                <a:cubicBezTo>
-                  <a:pt x="174072" y="7144"/>
-                  <a:pt x="222218" y="55290"/>
-                  <a:pt x="222218" y="114681"/>
-                </a:cubicBezTo>
-                <a:close/>
-              </a:path>
-            </a:pathLst>
-          </a:custGeom>
-          <a:solidFill>
-            <a:srgbClr val="FFC947"/>
-          </a:solidFill>
-          <a:ln w="9525" cap="flat">
-            <a:noFill/>
-            <a:prstDash val="solid"/>
-            <a:miter/>
-          </a:ln>
-        </p:spPr>
-        <p:txBody>
-          <a:bodyPr rtlCol="0" anchor="ctr"/>
-          <a:lstStyle/>
-          <a:p>
-            <a:endParaRPr lang="en-US"/>
-          </a:p>
-        </p:txBody>
-      </p:sp>
-      <p:sp>
-        <p:nvSpPr>
-          <p:cNvPr id="7" name="Freeform: Shape 6">
-            <a:extLst>
-              <a:ext uri="{FF2B5EF4-FFF2-40B4-BE49-F238E27FC236}">
-                <a16:creationId xmlns:a16="http://schemas.microsoft.com/office/drawing/2014/main" id="{EDA546CF-914A-4426-B11D-3919F41A59EA}"/>
-              </a:ext>
-            </a:extLst>
-          </p:cNvPr>
-          <p:cNvSpPr/>
-          <p:nvPr/>
-        </p:nvSpPr>
-        <p:spPr>
-          <a:xfrm>
-            <a:off x="8958453" y="378618"/>
-            <a:ext cx="228600" cy="228600"/>
-          </a:xfrm>
-          <a:custGeom>
-            <a:avLst/>
-            <a:gdLst>
-              <a:gd name="connsiteX0" fmla="*/ 222218 w 228600"/>
-              <a:gd name="connsiteY0" fmla="*/ 114681 h 228600"/>
-              <a:gd name="connsiteX1" fmla="*/ 114681 w 228600"/>
-              <a:gd name="connsiteY1" fmla="*/ 222218 h 228600"/>
-              <a:gd name="connsiteX2" fmla="*/ 7144 w 228600"/>
-              <a:gd name="connsiteY2" fmla="*/ 114681 h 228600"/>
-              <a:gd name="connsiteX3" fmla="*/ 114681 w 228600"/>
-              <a:gd name="connsiteY3" fmla="*/ 7144 h 228600"/>
-              <a:gd name="connsiteX4" fmla="*/ 222218 w 228600"/>
-              <a:gd name="connsiteY4" fmla="*/ 114681 h 228600"/>
-            </a:gdLst>
-            <a:ahLst/>
-            <a:cxnLst>
-              <a:cxn ang="0">
-                <a:pos x="connsiteX0" y="connsiteY0"/>
-              </a:cxn>
-              <a:cxn ang="0">
-                <a:pos x="connsiteX1" y="connsiteY1"/>
-              </a:cxn>
-              <a:cxn ang="0">
-                <a:pos x="connsiteX2" y="connsiteY2"/>
-              </a:cxn>
-              <a:cxn ang="0">
-                <a:pos x="connsiteX3" y="connsiteY3"/>
-              </a:cxn>
-              <a:cxn ang="0">
-                <a:pos x="connsiteX4" y="connsiteY4"/>
-              </a:cxn>
-            </a:cxnLst>
-            <a:rect l="l" t="t" r="r" b="b"/>
-            <a:pathLst>
-              <a:path w="228600" h="228600">
-                <a:moveTo>
-                  <a:pt x="222218" y="114681"/>
-                </a:moveTo>
-                <a:cubicBezTo>
-                  <a:pt x="222218" y="174072"/>
-                  <a:pt x="174072" y="222218"/>
-                  <a:pt x="114681" y="222218"/>
-                </a:cubicBezTo>
-                <a:cubicBezTo>
-                  <a:pt x="55290" y="222218"/>
-                  <a:pt x="7144" y="174072"/>
-                  <a:pt x="7144" y="114681"/>
-                </a:cubicBezTo>
-                <a:cubicBezTo>
-                  <a:pt x="7144" y="55290"/>
-                  <a:pt x="55290" y="7144"/>
-                  <a:pt x="114681" y="7144"/>
-                </a:cubicBezTo>
-                <a:cubicBezTo>
-                  <a:pt x="174072" y="7144"/>
-                  <a:pt x="222218" y="55290"/>
-                  <a:pt x="222218" y="114681"/>
-                </a:cubicBezTo>
-                <a:close/>
-              </a:path>
-            </a:pathLst>
-          </a:custGeom>
-          <a:solidFill>
-            <a:srgbClr val="FFC947"/>
-          </a:solidFill>
-          <a:ln w="9525" cap="flat">
-            <a:noFill/>
-            <a:prstDash val="solid"/>
-            <a:miter/>
-          </a:ln>
-        </p:spPr>
-        <p:txBody>
-          <a:bodyPr rtlCol="0" anchor="ctr"/>
-          <a:lstStyle/>
-          <a:p>
-            <a:endParaRPr lang="en-US"/>
-          </a:p>
-        </p:txBody>
-      </p:sp>
-      <p:sp>
-        <p:nvSpPr>
-          <p:cNvPr id="8" name="Freeform: Shape 7">
-            <a:extLst>
-              <a:ext uri="{FF2B5EF4-FFF2-40B4-BE49-F238E27FC236}">
-                <a16:creationId xmlns:a16="http://schemas.microsoft.com/office/drawing/2014/main" id="{1FCD6B85-82E9-410C-8E59-64B9481EDCF1}"/>
-              </a:ext>
-            </a:extLst>
-          </p:cNvPr>
-          <p:cNvSpPr/>
-          <p:nvPr/>
-        </p:nvSpPr>
-        <p:spPr>
-          <a:xfrm>
-            <a:off x="11210829" y="2655760"/>
-            <a:ext cx="228600" cy="228600"/>
-          </a:xfrm>
-          <a:custGeom>
-            <a:avLst/>
-            <a:gdLst>
-              <a:gd name="connsiteX0" fmla="*/ 222218 w 228600"/>
-              <a:gd name="connsiteY0" fmla="*/ 114681 h 228600"/>
-              <a:gd name="connsiteX1" fmla="*/ 114680 w 228600"/>
-              <a:gd name="connsiteY1" fmla="*/ 222218 h 228600"/>
-              <a:gd name="connsiteX2" fmla="*/ 7142 w 228600"/>
-              <a:gd name="connsiteY2" fmla="*/ 114681 h 228600"/>
-              <a:gd name="connsiteX3" fmla="*/ 114680 w 228600"/>
-              <a:gd name="connsiteY3" fmla="*/ 7144 h 228600"/>
-              <a:gd name="connsiteX4" fmla="*/ 222218 w 228600"/>
-              <a:gd name="connsiteY4" fmla="*/ 114681 h 228600"/>
-            </a:gdLst>
-            <a:ahLst/>
-            <a:cxnLst>
-              <a:cxn ang="0">
-                <a:pos x="connsiteX0" y="connsiteY0"/>
-              </a:cxn>
-              <a:cxn ang="0">
-                <a:pos x="connsiteX1" y="connsiteY1"/>
-              </a:cxn>
-              <a:cxn ang="0">
-                <a:pos x="connsiteX2" y="connsiteY2"/>
-              </a:cxn>
-              <a:cxn ang="0">
-                <a:pos x="connsiteX3" y="connsiteY3"/>
-              </a:cxn>
-              <a:cxn ang="0">
-                <a:pos x="connsiteX4" y="connsiteY4"/>
-              </a:cxn>
-            </a:cxnLst>
-            <a:rect l="l" t="t" r="r" b="b"/>
-            <a:pathLst>
-              <a:path w="228600" h="228600">
-                <a:moveTo>
-                  <a:pt x="222218" y="114681"/>
-                </a:moveTo>
-                <a:cubicBezTo>
-                  <a:pt x="222218" y="174072"/>
-                  <a:pt x="174072" y="222218"/>
-                  <a:pt x="114680" y="222218"/>
-                </a:cubicBezTo>
-                <a:cubicBezTo>
-                  <a:pt x="55288" y="222218"/>
-                  <a:pt x="7142" y="174072"/>
-                  <a:pt x="7142" y="114681"/>
-                </a:cubicBezTo>
-                <a:cubicBezTo>
-                  <a:pt x="7142" y="55290"/>
-                  <a:pt x="55288" y="7144"/>
-                  <a:pt x="114680" y="7144"/>
-                </a:cubicBezTo>
-                <a:cubicBezTo>
-                  <a:pt x="174072" y="7144"/>
-                  <a:pt x="222218" y="55290"/>
-                  <a:pt x="222218" y="114681"/>
-                </a:cubicBezTo>
-                <a:close/>
-              </a:path>
-            </a:pathLst>
-          </a:custGeom>
-          <a:solidFill>
-            <a:srgbClr val="FFC947"/>
-          </a:solidFill>
-          <a:ln w="9525" cap="flat">
-            <a:noFill/>
-            <a:prstDash val="solid"/>
-            <a:miter/>
-          </a:ln>
-        </p:spPr>
-        <p:txBody>
-          <a:bodyPr rtlCol="0" anchor="ctr"/>
-          <a:lstStyle/>
-          <a:p>
-            <a:endParaRPr lang="en-US"/>
-          </a:p>
-        </p:txBody>
-      </p:sp>
-      <p:sp>
-        <p:nvSpPr>
-          <p:cNvPr id="9" name="Freeform: Shape 8">
-            <a:extLst>
-              <a:ext uri="{FF2B5EF4-FFF2-40B4-BE49-F238E27FC236}">
-                <a16:creationId xmlns:a16="http://schemas.microsoft.com/office/drawing/2014/main" id="{E3E8262C-BC44-4675-B7C1-A150CE5D2971}"/>
-              </a:ext>
-            </a:extLst>
-          </p:cNvPr>
-          <p:cNvSpPr/>
-          <p:nvPr/>
-        </p:nvSpPr>
-        <p:spPr>
-          <a:xfrm>
-            <a:off x="11357514" y="593788"/>
-            <a:ext cx="228600" cy="228600"/>
-          </a:xfrm>
-          <a:custGeom>
-            <a:avLst/>
-            <a:gdLst>
-              <a:gd name="connsiteX0" fmla="*/ 222218 w 228600"/>
-              <a:gd name="connsiteY0" fmla="*/ 114681 h 228600"/>
-              <a:gd name="connsiteX1" fmla="*/ 114680 w 228600"/>
-              <a:gd name="connsiteY1" fmla="*/ 222218 h 228600"/>
-              <a:gd name="connsiteX2" fmla="*/ 7143 w 228600"/>
-              <a:gd name="connsiteY2" fmla="*/ 114681 h 228600"/>
-              <a:gd name="connsiteX3" fmla="*/ 114680 w 228600"/>
-              <a:gd name="connsiteY3" fmla="*/ 7144 h 228600"/>
-              <a:gd name="connsiteX4" fmla="*/ 222218 w 228600"/>
-              <a:gd name="connsiteY4" fmla="*/ 114681 h 228600"/>
-            </a:gdLst>
-            <a:ahLst/>
-            <a:cxnLst>
-              <a:cxn ang="0">
-                <a:pos x="connsiteX0" y="connsiteY0"/>
-              </a:cxn>
-              <a:cxn ang="0">
-                <a:pos x="connsiteX1" y="connsiteY1"/>
-              </a:cxn>
-              <a:cxn ang="0">
-                <a:pos x="connsiteX2" y="connsiteY2"/>
-              </a:cxn>
-              <a:cxn ang="0">
-                <a:pos x="connsiteX3" y="connsiteY3"/>
-              </a:cxn>
-              <a:cxn ang="0">
-                <a:pos x="connsiteX4" y="connsiteY4"/>
-              </a:cxn>
-            </a:cxnLst>
-            <a:rect l="l" t="t" r="r" b="b"/>
-            <a:pathLst>
-              <a:path w="228600" h="228600">
-                <a:moveTo>
-                  <a:pt x="222218" y="114681"/>
-                </a:moveTo>
-                <a:cubicBezTo>
-                  <a:pt x="222218" y="174072"/>
-                  <a:pt x="174072" y="222218"/>
-                  <a:pt x="114680" y="222218"/>
-                </a:cubicBezTo>
-                <a:cubicBezTo>
-                  <a:pt x="55289" y="222218"/>
-                  <a:pt x="7143" y="174072"/>
-                  <a:pt x="7143" y="114681"/>
-                </a:cubicBezTo>
-                <a:cubicBezTo>
-                  <a:pt x="7143" y="55290"/>
-                  <a:pt x="55289" y="7144"/>
-                  <a:pt x="114680" y="7144"/>
-                </a:cubicBezTo>
-                <a:cubicBezTo>
-                  <a:pt x="174072" y="7144"/>
-                  <a:pt x="222218" y="55290"/>
-                  <a:pt x="222218" y="114681"/>
-                </a:cubicBezTo>
-                <a:close/>
-              </a:path>
-            </a:pathLst>
-          </a:custGeom>
-          <a:solidFill>
-            <a:srgbClr val="FFC947"/>
-          </a:solidFill>
-          <a:ln w="9525" cap="flat">
-            <a:noFill/>
-            <a:prstDash val="solid"/>
-            <a:miter/>
-          </a:ln>
-        </p:spPr>
-        <p:txBody>
-          <a:bodyPr rtlCol="0" anchor="ctr"/>
-          <a:lstStyle/>
-          <a:p>
-            <a:endParaRPr lang="en-US"/>
-          </a:p>
-        </p:txBody>
-      </p:sp>
-      <p:sp>
-        <p:nvSpPr>
-          <p:cNvPr id="10" name="Freeform: Shape 9">
-            <a:extLst>
-              <a:ext uri="{FF2B5EF4-FFF2-40B4-BE49-F238E27FC236}">
-                <a16:creationId xmlns:a16="http://schemas.microsoft.com/office/drawing/2014/main" id="{3D22F762-F471-4FEB-B5A0-651DE466D74A}"/>
-              </a:ext>
-            </a:extLst>
-          </p:cNvPr>
-          <p:cNvSpPr/>
-          <p:nvPr/>
-        </p:nvSpPr>
-        <p:spPr>
-          <a:xfrm>
-            <a:off x="6815137" y="6248114"/>
-            <a:ext cx="228600" cy="228600"/>
-          </a:xfrm>
-          <a:custGeom>
-            <a:avLst/>
-            <a:gdLst>
-              <a:gd name="connsiteX0" fmla="*/ 222218 w 228600"/>
-              <a:gd name="connsiteY0" fmla="*/ 114681 h 228600"/>
-              <a:gd name="connsiteX1" fmla="*/ 114681 w 228600"/>
-              <a:gd name="connsiteY1" fmla="*/ 222218 h 228600"/>
-              <a:gd name="connsiteX2" fmla="*/ 7144 w 228600"/>
-              <a:gd name="connsiteY2" fmla="*/ 114681 h 228600"/>
-              <a:gd name="connsiteX3" fmla="*/ 114681 w 228600"/>
-              <a:gd name="connsiteY3" fmla="*/ 7144 h 228600"/>
-              <a:gd name="connsiteX4" fmla="*/ 222218 w 228600"/>
-              <a:gd name="connsiteY4" fmla="*/ 114681 h 228600"/>
-            </a:gdLst>
-            <a:ahLst/>
-            <a:cxnLst>
-              <a:cxn ang="0">
-                <a:pos x="connsiteX0" y="connsiteY0"/>
-              </a:cxn>
-              <a:cxn ang="0">
-                <a:pos x="connsiteX1" y="connsiteY1"/>
-              </a:cxn>
-              <a:cxn ang="0">
-                <a:pos x="connsiteX2" y="connsiteY2"/>
-              </a:cxn>
-              <a:cxn ang="0">
-                <a:pos x="connsiteX3" y="connsiteY3"/>
-              </a:cxn>
-              <a:cxn ang="0">
-                <a:pos x="connsiteX4" y="connsiteY4"/>
-              </a:cxn>
-            </a:cxnLst>
-            <a:rect l="l" t="t" r="r" b="b"/>
-            <a:pathLst>
-              <a:path w="228600" h="228600">
-                <a:moveTo>
-                  <a:pt x="222218" y="114681"/>
-                </a:moveTo>
-                <a:cubicBezTo>
-                  <a:pt x="222218" y="174072"/>
-                  <a:pt x="174073" y="222218"/>
-                  <a:pt x="114681" y="222218"/>
-                </a:cubicBezTo>
-                <a:cubicBezTo>
-                  <a:pt x="55290" y="222218"/>
-                  <a:pt x="7144" y="174072"/>
-                  <a:pt x="7144" y="114681"/>
-                </a:cubicBezTo>
-                <a:cubicBezTo>
-                  <a:pt x="7144" y="55290"/>
-                  <a:pt x="55290" y="7144"/>
-                  <a:pt x="114681" y="7144"/>
-                </a:cubicBezTo>
-                <a:cubicBezTo>
-                  <a:pt x="174073" y="7144"/>
-                  <a:pt x="222218" y="55290"/>
-                  <a:pt x="222218" y="114681"/>
-                </a:cubicBezTo>
-                <a:close/>
-              </a:path>
-            </a:pathLst>
-          </a:custGeom>
-          <a:solidFill>
-            <a:srgbClr val="FFC947"/>
-          </a:solidFill>
-          <a:ln w="9525" cap="flat">
-            <a:noFill/>
-            <a:prstDash val="solid"/>
-            <a:miter/>
-          </a:ln>
-        </p:spPr>
-        <p:txBody>
-          <a:bodyPr rtlCol="0" anchor="ctr"/>
-          <a:lstStyle/>
-          <a:p>
-            <a:endParaRPr lang="en-US"/>
-          </a:p>
-        </p:txBody>
-      </p:sp>
-      <p:sp>
-        <p:nvSpPr>
-          <p:cNvPr id="11" name="Freeform: Shape 10">
-            <a:extLst>
-              <a:ext uri="{FF2B5EF4-FFF2-40B4-BE49-F238E27FC236}">
-                <a16:creationId xmlns:a16="http://schemas.microsoft.com/office/drawing/2014/main" id="{4FFD4216-B852-4A6F-9B63-3CFF51456115}"/>
-              </a:ext>
-            </a:extLst>
-          </p:cNvPr>
-          <p:cNvSpPr/>
-          <p:nvPr/>
-        </p:nvSpPr>
-        <p:spPr>
-          <a:xfrm>
-            <a:off x="646557" y="6248114"/>
-            <a:ext cx="228600" cy="228600"/>
-          </a:xfrm>
-          <a:custGeom>
-            <a:avLst/>
-            <a:gdLst>
-              <a:gd name="connsiteX0" fmla="*/ 222218 w 228600"/>
-              <a:gd name="connsiteY0" fmla="*/ 114681 h 228600"/>
-              <a:gd name="connsiteX1" fmla="*/ 114681 w 228600"/>
-              <a:gd name="connsiteY1" fmla="*/ 222218 h 228600"/>
-              <a:gd name="connsiteX2" fmla="*/ 7144 w 228600"/>
-              <a:gd name="connsiteY2" fmla="*/ 114681 h 228600"/>
-              <a:gd name="connsiteX3" fmla="*/ 114681 w 228600"/>
-              <a:gd name="connsiteY3" fmla="*/ 7144 h 228600"/>
-              <a:gd name="connsiteX4" fmla="*/ 222218 w 228600"/>
-              <a:gd name="connsiteY4" fmla="*/ 114681 h 228600"/>
-            </a:gdLst>
-            <a:ahLst/>
-            <a:cxnLst>
-              <a:cxn ang="0">
-                <a:pos x="connsiteX0" y="connsiteY0"/>
-              </a:cxn>
-              <a:cxn ang="0">
-                <a:pos x="connsiteX1" y="connsiteY1"/>
-              </a:cxn>
-              <a:cxn ang="0">
-                <a:pos x="connsiteX2" y="connsiteY2"/>
-              </a:cxn>
-              <a:cxn ang="0">
-                <a:pos x="connsiteX3" y="connsiteY3"/>
-              </a:cxn>
-              <a:cxn ang="0">
-                <a:pos x="connsiteX4" y="connsiteY4"/>
-              </a:cxn>
-            </a:cxnLst>
-            <a:rect l="l" t="t" r="r" b="b"/>
-            <a:pathLst>
-              <a:path w="228600" h="228600">
-                <a:moveTo>
-                  <a:pt x="222218" y="114681"/>
-                </a:moveTo>
-                <a:cubicBezTo>
-                  <a:pt x="222218" y="174072"/>
-                  <a:pt x="174072" y="222218"/>
-                  <a:pt x="114681" y="222218"/>
-                </a:cubicBezTo>
-                <a:cubicBezTo>
-                  <a:pt x="55290" y="222218"/>
-                  <a:pt x="7144" y="174072"/>
-                  <a:pt x="7144" y="114681"/>
-                </a:cubicBezTo>
-                <a:cubicBezTo>
-                  <a:pt x="7144" y="55290"/>
-                  <a:pt x="55290" y="7144"/>
-                  <a:pt x="114681" y="7144"/>
-                </a:cubicBezTo>
-                <a:cubicBezTo>
-                  <a:pt x="174072" y="7144"/>
-                  <a:pt x="222218" y="55290"/>
-                  <a:pt x="222218" y="114681"/>
-                </a:cubicBezTo>
-                <a:close/>
-              </a:path>
-            </a:pathLst>
-          </a:custGeom>
-          <a:solidFill>
-            <a:srgbClr val="FFC947"/>
-          </a:solidFill>
-          <a:ln w="9525" cap="flat">
-            <a:noFill/>
-            <a:prstDash val="solid"/>
-            <a:miter/>
-          </a:ln>
-        </p:spPr>
-        <p:txBody>
-          <a:bodyPr rtlCol="0" anchor="ctr"/>
-          <a:lstStyle/>
-          <a:p>
-            <a:endParaRPr lang="en-US"/>
-          </a:p>
-        </p:txBody>
-      </p:sp>
-      <p:sp>
-        <p:nvSpPr>
-          <p:cNvPr id="12" name="Freeform: Shape 11">
-            <a:extLst>
-              <a:ext uri="{FF2B5EF4-FFF2-40B4-BE49-F238E27FC236}">
-                <a16:creationId xmlns:a16="http://schemas.microsoft.com/office/drawing/2014/main" id="{309D5100-7807-4B85-8FDA-6A93CB7262D3}"/>
-              </a:ext>
-            </a:extLst>
-          </p:cNvPr>
-          <p:cNvSpPr/>
-          <p:nvPr/>
-        </p:nvSpPr>
-        <p:spPr>
-          <a:xfrm>
-            <a:off x="11357514" y="5301900"/>
-            <a:ext cx="228600" cy="228600"/>
-          </a:xfrm>
-          <a:custGeom>
-            <a:avLst/>
-            <a:gdLst>
-              <a:gd name="connsiteX0" fmla="*/ 222218 w 228600"/>
-              <a:gd name="connsiteY0" fmla="*/ 114681 h 228600"/>
-              <a:gd name="connsiteX1" fmla="*/ 114680 w 228600"/>
-              <a:gd name="connsiteY1" fmla="*/ 222218 h 228600"/>
-              <a:gd name="connsiteX2" fmla="*/ 7143 w 228600"/>
-              <a:gd name="connsiteY2" fmla="*/ 114681 h 228600"/>
-              <a:gd name="connsiteX3" fmla="*/ 114680 w 228600"/>
-              <a:gd name="connsiteY3" fmla="*/ 7144 h 228600"/>
-              <a:gd name="connsiteX4" fmla="*/ 222218 w 228600"/>
-              <a:gd name="connsiteY4" fmla="*/ 114681 h 228600"/>
-            </a:gdLst>
-            <a:ahLst/>
-            <a:cxnLst>
-              <a:cxn ang="0">
-                <a:pos x="connsiteX0" y="connsiteY0"/>
-              </a:cxn>
-              <a:cxn ang="0">
-                <a:pos x="connsiteX1" y="connsiteY1"/>
-              </a:cxn>
-              <a:cxn ang="0">
-                <a:pos x="connsiteX2" y="connsiteY2"/>
-              </a:cxn>
-              <a:cxn ang="0">
-                <a:pos x="connsiteX3" y="connsiteY3"/>
-              </a:cxn>
-              <a:cxn ang="0">
-                <a:pos x="connsiteX4" y="connsiteY4"/>
-              </a:cxn>
-            </a:cxnLst>
-            <a:rect l="l" t="t" r="r" b="b"/>
-            <a:pathLst>
-              <a:path w="228600" h="228600">
-                <a:moveTo>
-                  <a:pt x="222218" y="114681"/>
-                </a:moveTo>
-                <a:cubicBezTo>
-                  <a:pt x="222218" y="174072"/>
-                  <a:pt x="174072" y="222218"/>
-                  <a:pt x="114680" y="222218"/>
-                </a:cubicBezTo>
-                <a:cubicBezTo>
-                  <a:pt x="55289" y="222218"/>
-                  <a:pt x="7143" y="174072"/>
-                  <a:pt x="7143" y="114681"/>
-                </a:cubicBezTo>
-                <a:cubicBezTo>
-                  <a:pt x="7143" y="55290"/>
-                  <a:pt x="55289" y="7144"/>
-                  <a:pt x="114680" y="7144"/>
-                </a:cubicBezTo>
-                <a:cubicBezTo>
-                  <a:pt x="174072" y="7144"/>
-                  <a:pt x="222218" y="55290"/>
-                  <a:pt x="222218" y="114681"/>
-                </a:cubicBezTo>
-                <a:close/>
-              </a:path>
-            </a:pathLst>
-          </a:custGeom>
-          <a:solidFill>
-            <a:srgbClr val="FFC947"/>
-          </a:solidFill>
-          <a:ln w="9525" cap="flat">
-            <a:noFill/>
-            <a:prstDash val="solid"/>
-            <a:miter/>
-          </a:ln>
-        </p:spPr>
-        <p:txBody>
-          <a:bodyPr rtlCol="0" anchor="ctr"/>
-          <a:lstStyle/>
-          <a:p>
-            <a:endParaRPr lang="en-US"/>
-          </a:p>
-        </p:txBody>
-      </p:sp>
-      <p:sp>
-        <p:nvSpPr>
-          <p:cNvPr id="49" name="TextBox 48">
-            <a:extLst>
-              <a:ext uri="{FF2B5EF4-FFF2-40B4-BE49-F238E27FC236}">
-                <a16:creationId xmlns:a16="http://schemas.microsoft.com/office/drawing/2014/main" id="{0E0C35A2-2367-49FB-94AE-53E03758A8B2}"/>
-              </a:ext>
-            </a:extLst>
-          </p:cNvPr>
-          <p:cNvSpPr txBox="1"/>
-          <p:nvPr/>
-        </p:nvSpPr>
-        <p:spPr>
-          <a:xfrm>
-            <a:off x="4852983" y="69933"/>
-            <a:ext cx="2727991" cy="1015663"/>
-          </a:xfrm>
-          <a:prstGeom prst="rect">
-            <a:avLst/>
-          </a:prstGeom>
-          <a:noFill/>
-        </p:spPr>
-        <p:txBody>
-          <a:bodyPr wrap="none" rtlCol="0">
-            <a:spAutoFit/>
-          </a:bodyPr>
-          <a:lstStyle/>
-          <a:p>
-            <a:pPr algn="ctr"/>
-            <a:r>
-              <a:rPr lang="en-US" sz="6000" b="1" dirty="0" err="1">
-                <a:solidFill>
-                  <a:schemeClr val="accent1"/>
-                </a:solidFill>
-                <a:latin typeface="+mj-lt"/>
-              </a:rPr>
-              <a:t>Thiết</a:t>
-            </a:r>
-            <a:r>
-              <a:rPr lang="en-US" sz="6000" b="1" dirty="0">
-                <a:solidFill>
-                  <a:schemeClr val="accent2"/>
-                </a:solidFill>
-                <a:latin typeface="+mj-lt"/>
-              </a:rPr>
-              <a:t> </a:t>
-            </a:r>
-            <a:r>
-              <a:rPr lang="en-US" sz="6000" b="1" dirty="0" err="1">
-                <a:solidFill>
-                  <a:schemeClr val="accent2"/>
-                </a:solidFill>
-                <a:latin typeface="+mj-lt"/>
-              </a:rPr>
-              <a:t>kế</a:t>
-            </a:r>
-            <a:endParaRPr lang="en-US" sz="6000" b="1" dirty="0">
-              <a:solidFill>
-                <a:schemeClr val="accent2"/>
-              </a:solidFill>
-              <a:latin typeface="+mj-lt"/>
-            </a:endParaRPr>
-          </a:p>
-        </p:txBody>
-      </p:sp>
-      <p:pic>
-        <p:nvPicPr>
-          <p:cNvPr id="6146" name="Picture 2">
-            <a:extLst>
-              <a:ext uri="{FF2B5EF4-FFF2-40B4-BE49-F238E27FC236}">
-                <a16:creationId xmlns:a16="http://schemas.microsoft.com/office/drawing/2014/main" id="{26C3CC51-06E7-4B53-894A-A1197493B33E}"/>
-              </a:ext>
-            </a:extLst>
-          </p:cNvPr>
-          <p:cNvPicPr>
-            <a:picLocks noChangeAspect="1" noChangeArrowheads="1"/>
-          </p:cNvPicPr>
-          <p:nvPr/>
-        </p:nvPicPr>
-        <p:blipFill>
-          <a:blip r:embed="rId2">
-            <a:extLst>
-              <a:ext uri="{28A0092B-C50C-407E-A947-70E740481C1C}">
-                <a14:useLocalDpi xmlns:a14="http://schemas.microsoft.com/office/drawing/2010/main" val="0"/>
-              </a:ext>
-            </a:extLst>
-          </a:blip>
-          <a:srcRect/>
-          <a:stretch>
-            <a:fillRect/>
-          </a:stretch>
-        </p:blipFill>
-        <p:spPr bwMode="auto">
-          <a:xfrm>
-            <a:off x="1387151" y="1307565"/>
-            <a:ext cx="9417698" cy="4242870"/>
-          </a:xfrm>
-          <a:prstGeom prst="rect">
-            <a:avLst/>
-          </a:prstGeom>
-          <a:noFill/>
-          <a:extLst>
-            <a:ext uri="{909E8E84-426E-40DD-AFC4-6F175D3DCCD1}">
-              <a14:hiddenFill xmlns:a14="http://schemas.microsoft.com/office/drawing/2010/main">
-                <a:solidFill>
-                  <a:srgbClr val="FFFFFF"/>
-                </a:solidFill>
-              </a14:hiddenFill>
-            </a:ext>
-          </a:extLst>
-        </p:spPr>
-      </p:pic>
-    </p:spTree>
-    <p:extLst>
-      <p:ext uri="{BB962C8B-B14F-4D97-AF65-F5344CB8AC3E}">
-        <p14:creationId xmlns:p14="http://schemas.microsoft.com/office/powerpoint/2010/main" val="1204245470"/>
-      </p:ext>
-    </p:extLst>
-  </p:cSld>
-  <p:clrMapOvr>
-    <a:masterClrMapping/>
-  </p:clrMapOvr>
-  <mc:AlternateContent xmlns:mc="http://schemas.openxmlformats.org/markup-compatibility/2006" xmlns:p14="http://schemas.microsoft.com/office/powerpoint/2010/main">
-    <mc:Choice Requires="p14">
-      <p:transition p14:dur="0"/>
-    </mc:Choice>
-    <mc:Fallback xmlns="">
-      <p:transition/>
-    </mc:Fallback>
-  </mc:AlternateContent>
-</p:sld>
-</file>
-
-<file path=ppt/slides/slide11.xml><?xml version="1.0" encoding="utf-8"?>
-<p:sld xmlns:a="http://schemas.openxmlformats.org/drawingml/2006/main" xmlns:r="http://schemas.openxmlformats.org/officeDocument/2006/relationships" xmlns:p="http://schemas.openxmlformats.org/presentationml/2006/main">
-  <p:cSld>
-    <p:spTree>
-      <p:nvGrpSpPr>
-        <p:cNvPr id="1" name=""/>
-        <p:cNvGrpSpPr/>
-        <p:nvPr/>
-      </p:nvGrpSpPr>
-      <p:grpSpPr>
-        <a:xfrm>
-          <a:off x="0" y="0"/>
-          <a:ext cx="0" cy="0"/>
-          <a:chOff x="0" y="0"/>
-          <a:chExt cx="0" cy="0"/>
-        </a:xfrm>
-      </p:grpSpPr>
-      <p:sp>
-        <p:nvSpPr>
-          <p:cNvPr id="4" name="Freeform: Shape 3">
-            <a:extLst>
-              <a:ext uri="{FF2B5EF4-FFF2-40B4-BE49-F238E27FC236}">
-                <a16:creationId xmlns:a16="http://schemas.microsoft.com/office/drawing/2014/main" id="{7BD3447E-8CAF-43CA-A07C-CB6BC59AA802}"/>
-              </a:ext>
-            </a:extLst>
-          </p:cNvPr>
-          <p:cNvSpPr/>
-          <p:nvPr/>
-        </p:nvSpPr>
-        <p:spPr>
-          <a:xfrm>
-            <a:off x="2757487" y="842867"/>
-            <a:ext cx="228600" cy="228600"/>
-          </a:xfrm>
-          <a:custGeom>
-            <a:avLst/>
-            <a:gdLst>
-              <a:gd name="connsiteX0" fmla="*/ 222218 w 228600"/>
-              <a:gd name="connsiteY0" fmla="*/ 114681 h 228600"/>
-              <a:gd name="connsiteX1" fmla="*/ 114681 w 228600"/>
-              <a:gd name="connsiteY1" fmla="*/ 222218 h 228600"/>
-              <a:gd name="connsiteX2" fmla="*/ 7144 w 228600"/>
-              <a:gd name="connsiteY2" fmla="*/ 114681 h 228600"/>
-              <a:gd name="connsiteX3" fmla="*/ 114681 w 228600"/>
-              <a:gd name="connsiteY3" fmla="*/ 7144 h 228600"/>
-              <a:gd name="connsiteX4" fmla="*/ 222218 w 228600"/>
-              <a:gd name="connsiteY4" fmla="*/ 114681 h 228600"/>
-            </a:gdLst>
-            <a:ahLst/>
-            <a:cxnLst>
-              <a:cxn ang="0">
-                <a:pos x="connsiteX0" y="connsiteY0"/>
-              </a:cxn>
-              <a:cxn ang="0">
-                <a:pos x="connsiteX1" y="connsiteY1"/>
-              </a:cxn>
-              <a:cxn ang="0">
-                <a:pos x="connsiteX2" y="connsiteY2"/>
-              </a:cxn>
-              <a:cxn ang="0">
-                <a:pos x="connsiteX3" y="connsiteY3"/>
-              </a:cxn>
-              <a:cxn ang="0">
-                <a:pos x="connsiteX4" y="connsiteY4"/>
-              </a:cxn>
-            </a:cxnLst>
-            <a:rect l="l" t="t" r="r" b="b"/>
-            <a:pathLst>
-              <a:path w="228600" h="228600">
-                <a:moveTo>
-                  <a:pt x="222218" y="114681"/>
-                </a:moveTo>
-                <a:cubicBezTo>
-                  <a:pt x="222218" y="174072"/>
-                  <a:pt x="174072" y="222218"/>
-                  <a:pt x="114681" y="222218"/>
-                </a:cubicBezTo>
-                <a:cubicBezTo>
-                  <a:pt x="55290" y="222218"/>
-                  <a:pt x="7144" y="174072"/>
-                  <a:pt x="7144" y="114681"/>
-                </a:cubicBezTo>
-                <a:cubicBezTo>
-                  <a:pt x="7144" y="55290"/>
-                  <a:pt x="55290" y="7144"/>
-                  <a:pt x="114681" y="7144"/>
-                </a:cubicBezTo>
-                <a:cubicBezTo>
-                  <a:pt x="174072" y="7144"/>
-                  <a:pt x="222218" y="55290"/>
-                  <a:pt x="222218" y="114681"/>
-                </a:cubicBezTo>
-                <a:close/>
-              </a:path>
-            </a:pathLst>
-          </a:custGeom>
-          <a:solidFill>
-            <a:srgbClr val="FFC947"/>
-          </a:solidFill>
-          <a:ln w="9525" cap="flat">
-            <a:noFill/>
-            <a:prstDash val="solid"/>
-            <a:miter/>
-          </a:ln>
-        </p:spPr>
-        <p:txBody>
-          <a:bodyPr rtlCol="0" anchor="ctr"/>
-          <a:lstStyle/>
-          <a:p>
-            <a:endParaRPr lang="en-US"/>
-          </a:p>
-        </p:txBody>
-      </p:sp>
-      <p:sp>
-        <p:nvSpPr>
-          <p:cNvPr id="5" name="Freeform: Shape 4">
-            <a:extLst>
-              <a:ext uri="{FF2B5EF4-FFF2-40B4-BE49-F238E27FC236}">
-                <a16:creationId xmlns:a16="http://schemas.microsoft.com/office/drawing/2014/main" id="{B5E4CB26-9BF5-4819-A991-22068C3A2B14}"/>
-              </a:ext>
-            </a:extLst>
-          </p:cNvPr>
-          <p:cNvSpPr/>
-          <p:nvPr/>
-        </p:nvSpPr>
-        <p:spPr>
-          <a:xfrm>
-            <a:off x="646557" y="1324737"/>
-            <a:ext cx="228600" cy="228600"/>
-          </a:xfrm>
-          <a:custGeom>
-            <a:avLst/>
-            <a:gdLst>
-              <a:gd name="connsiteX0" fmla="*/ 222218 w 228600"/>
-              <a:gd name="connsiteY0" fmla="*/ 114681 h 228600"/>
-              <a:gd name="connsiteX1" fmla="*/ 114681 w 228600"/>
-              <a:gd name="connsiteY1" fmla="*/ 222218 h 228600"/>
-              <a:gd name="connsiteX2" fmla="*/ 7144 w 228600"/>
-              <a:gd name="connsiteY2" fmla="*/ 114681 h 228600"/>
-              <a:gd name="connsiteX3" fmla="*/ 114681 w 228600"/>
-              <a:gd name="connsiteY3" fmla="*/ 7144 h 228600"/>
-              <a:gd name="connsiteX4" fmla="*/ 222218 w 228600"/>
-              <a:gd name="connsiteY4" fmla="*/ 114681 h 228600"/>
-            </a:gdLst>
-            <a:ahLst/>
-            <a:cxnLst>
-              <a:cxn ang="0">
-                <a:pos x="connsiteX0" y="connsiteY0"/>
-              </a:cxn>
-              <a:cxn ang="0">
-                <a:pos x="connsiteX1" y="connsiteY1"/>
-              </a:cxn>
-              <a:cxn ang="0">
-                <a:pos x="connsiteX2" y="connsiteY2"/>
-              </a:cxn>
-              <a:cxn ang="0">
-                <a:pos x="connsiteX3" y="connsiteY3"/>
-              </a:cxn>
-              <a:cxn ang="0">
-                <a:pos x="connsiteX4" y="connsiteY4"/>
-              </a:cxn>
-            </a:cxnLst>
-            <a:rect l="l" t="t" r="r" b="b"/>
-            <a:pathLst>
-              <a:path w="228600" h="228600">
-                <a:moveTo>
-                  <a:pt x="222218" y="114681"/>
-                </a:moveTo>
-                <a:cubicBezTo>
-                  <a:pt x="222218" y="174072"/>
-                  <a:pt x="174072" y="222218"/>
-                  <a:pt x="114681" y="222218"/>
-                </a:cubicBezTo>
-                <a:cubicBezTo>
-                  <a:pt x="55290" y="222218"/>
-                  <a:pt x="7144" y="174072"/>
-                  <a:pt x="7144" y="114681"/>
-                </a:cubicBezTo>
-                <a:cubicBezTo>
-                  <a:pt x="7144" y="55290"/>
-                  <a:pt x="55290" y="7144"/>
-                  <a:pt x="114681" y="7144"/>
-                </a:cubicBezTo>
-                <a:cubicBezTo>
-                  <a:pt x="174072" y="7144"/>
-                  <a:pt x="222218" y="55290"/>
-                  <a:pt x="222218" y="114681"/>
-                </a:cubicBezTo>
-                <a:close/>
-              </a:path>
-            </a:pathLst>
-          </a:custGeom>
-          <a:solidFill>
-            <a:srgbClr val="FFC947"/>
-          </a:solidFill>
-          <a:ln w="9525" cap="flat">
-            <a:noFill/>
-            <a:prstDash val="solid"/>
-            <a:miter/>
-          </a:ln>
-        </p:spPr>
-        <p:txBody>
-          <a:bodyPr rtlCol="0" anchor="ctr"/>
-          <a:lstStyle/>
-          <a:p>
-            <a:endParaRPr lang="en-US"/>
-          </a:p>
-        </p:txBody>
-      </p:sp>
-      <p:sp>
-        <p:nvSpPr>
-          <p:cNvPr id="6" name="Freeform: Shape 5">
-            <a:extLst>
-              <a:ext uri="{FF2B5EF4-FFF2-40B4-BE49-F238E27FC236}">
-                <a16:creationId xmlns:a16="http://schemas.microsoft.com/office/drawing/2014/main" id="{407BB61C-22CA-4824-9E49-9F3B1B7F3780}"/>
-              </a:ext>
-            </a:extLst>
-          </p:cNvPr>
-          <p:cNvSpPr/>
-          <p:nvPr/>
-        </p:nvSpPr>
-        <p:spPr>
-          <a:xfrm>
-            <a:off x="607218" y="2850737"/>
-            <a:ext cx="228600" cy="228600"/>
-          </a:xfrm>
-          <a:custGeom>
-            <a:avLst/>
-            <a:gdLst>
-              <a:gd name="connsiteX0" fmla="*/ 222218 w 228600"/>
-              <a:gd name="connsiteY0" fmla="*/ 114681 h 228600"/>
-              <a:gd name="connsiteX1" fmla="*/ 114681 w 228600"/>
-              <a:gd name="connsiteY1" fmla="*/ 222218 h 228600"/>
-              <a:gd name="connsiteX2" fmla="*/ 7144 w 228600"/>
-              <a:gd name="connsiteY2" fmla="*/ 114681 h 228600"/>
-              <a:gd name="connsiteX3" fmla="*/ 114681 w 228600"/>
-              <a:gd name="connsiteY3" fmla="*/ 7144 h 228600"/>
-              <a:gd name="connsiteX4" fmla="*/ 222218 w 228600"/>
-              <a:gd name="connsiteY4" fmla="*/ 114681 h 228600"/>
-            </a:gdLst>
-            <a:ahLst/>
-            <a:cxnLst>
-              <a:cxn ang="0">
-                <a:pos x="connsiteX0" y="connsiteY0"/>
-              </a:cxn>
-              <a:cxn ang="0">
-                <a:pos x="connsiteX1" y="connsiteY1"/>
-              </a:cxn>
-              <a:cxn ang="0">
-                <a:pos x="connsiteX2" y="connsiteY2"/>
-              </a:cxn>
-              <a:cxn ang="0">
-                <a:pos x="connsiteX3" y="connsiteY3"/>
-              </a:cxn>
-              <a:cxn ang="0">
-                <a:pos x="connsiteX4" y="connsiteY4"/>
-              </a:cxn>
-            </a:cxnLst>
-            <a:rect l="l" t="t" r="r" b="b"/>
-            <a:pathLst>
-              <a:path w="228600" h="228600">
-                <a:moveTo>
-                  <a:pt x="222218" y="114681"/>
-                </a:moveTo>
-                <a:cubicBezTo>
-                  <a:pt x="222218" y="174072"/>
-                  <a:pt x="174072" y="222218"/>
-                  <a:pt x="114681" y="222218"/>
-                </a:cubicBezTo>
-                <a:cubicBezTo>
-                  <a:pt x="55290" y="222218"/>
-                  <a:pt x="7144" y="174072"/>
-                  <a:pt x="7144" y="114681"/>
-                </a:cubicBezTo>
-                <a:cubicBezTo>
-                  <a:pt x="7144" y="55290"/>
-                  <a:pt x="55290" y="7144"/>
-                  <a:pt x="114681" y="7144"/>
-                </a:cubicBezTo>
-                <a:cubicBezTo>
-                  <a:pt x="174072" y="7144"/>
-                  <a:pt x="222218" y="55290"/>
-                  <a:pt x="222218" y="114681"/>
-                </a:cubicBezTo>
-                <a:close/>
-              </a:path>
-            </a:pathLst>
-          </a:custGeom>
-          <a:solidFill>
-            <a:srgbClr val="FFC947"/>
-          </a:solidFill>
-          <a:ln w="9525" cap="flat">
-            <a:noFill/>
-            <a:prstDash val="solid"/>
-            <a:miter/>
-          </a:ln>
-        </p:spPr>
-        <p:txBody>
-          <a:bodyPr rtlCol="0" anchor="ctr"/>
-          <a:lstStyle/>
-          <a:p>
-            <a:endParaRPr lang="en-US"/>
-          </a:p>
-        </p:txBody>
-      </p:sp>
-      <p:sp>
-        <p:nvSpPr>
-          <p:cNvPr id="7" name="Freeform: Shape 6">
-            <a:extLst>
-              <a:ext uri="{FF2B5EF4-FFF2-40B4-BE49-F238E27FC236}">
-                <a16:creationId xmlns:a16="http://schemas.microsoft.com/office/drawing/2014/main" id="{EDA546CF-914A-4426-B11D-3919F41A59EA}"/>
-              </a:ext>
-            </a:extLst>
-          </p:cNvPr>
-          <p:cNvSpPr/>
-          <p:nvPr/>
-        </p:nvSpPr>
-        <p:spPr>
-          <a:xfrm>
-            <a:off x="8958453" y="378618"/>
-            <a:ext cx="228600" cy="228600"/>
-          </a:xfrm>
-          <a:custGeom>
-            <a:avLst/>
-            <a:gdLst>
-              <a:gd name="connsiteX0" fmla="*/ 222218 w 228600"/>
-              <a:gd name="connsiteY0" fmla="*/ 114681 h 228600"/>
-              <a:gd name="connsiteX1" fmla="*/ 114681 w 228600"/>
-              <a:gd name="connsiteY1" fmla="*/ 222218 h 228600"/>
-              <a:gd name="connsiteX2" fmla="*/ 7144 w 228600"/>
-              <a:gd name="connsiteY2" fmla="*/ 114681 h 228600"/>
-              <a:gd name="connsiteX3" fmla="*/ 114681 w 228600"/>
-              <a:gd name="connsiteY3" fmla="*/ 7144 h 228600"/>
-              <a:gd name="connsiteX4" fmla="*/ 222218 w 228600"/>
-              <a:gd name="connsiteY4" fmla="*/ 114681 h 228600"/>
-            </a:gdLst>
-            <a:ahLst/>
-            <a:cxnLst>
-              <a:cxn ang="0">
-                <a:pos x="connsiteX0" y="connsiteY0"/>
-              </a:cxn>
-              <a:cxn ang="0">
-                <a:pos x="connsiteX1" y="connsiteY1"/>
-              </a:cxn>
-              <a:cxn ang="0">
-                <a:pos x="connsiteX2" y="connsiteY2"/>
-              </a:cxn>
-              <a:cxn ang="0">
-                <a:pos x="connsiteX3" y="connsiteY3"/>
-              </a:cxn>
-              <a:cxn ang="0">
-                <a:pos x="connsiteX4" y="connsiteY4"/>
-              </a:cxn>
-            </a:cxnLst>
-            <a:rect l="l" t="t" r="r" b="b"/>
-            <a:pathLst>
-              <a:path w="228600" h="228600">
-                <a:moveTo>
-                  <a:pt x="222218" y="114681"/>
-                </a:moveTo>
-                <a:cubicBezTo>
-                  <a:pt x="222218" y="174072"/>
-                  <a:pt x="174072" y="222218"/>
-                  <a:pt x="114681" y="222218"/>
-                </a:cubicBezTo>
-                <a:cubicBezTo>
-                  <a:pt x="55290" y="222218"/>
-                  <a:pt x="7144" y="174072"/>
-                  <a:pt x="7144" y="114681"/>
-                </a:cubicBezTo>
-                <a:cubicBezTo>
-                  <a:pt x="7144" y="55290"/>
-                  <a:pt x="55290" y="7144"/>
-                  <a:pt x="114681" y="7144"/>
-                </a:cubicBezTo>
-                <a:cubicBezTo>
-                  <a:pt x="174072" y="7144"/>
-                  <a:pt x="222218" y="55290"/>
-                  <a:pt x="222218" y="114681"/>
-                </a:cubicBezTo>
-                <a:close/>
-              </a:path>
-            </a:pathLst>
-          </a:custGeom>
-          <a:solidFill>
-            <a:srgbClr val="FFC947"/>
-          </a:solidFill>
-          <a:ln w="9525" cap="flat">
-            <a:noFill/>
-            <a:prstDash val="solid"/>
-            <a:miter/>
-          </a:ln>
-        </p:spPr>
-        <p:txBody>
-          <a:bodyPr rtlCol="0" anchor="ctr"/>
-          <a:lstStyle/>
-          <a:p>
-            <a:endParaRPr lang="en-US"/>
-          </a:p>
-        </p:txBody>
-      </p:sp>
-      <p:sp>
-        <p:nvSpPr>
-          <p:cNvPr id="8" name="Freeform: Shape 7">
-            <a:extLst>
-              <a:ext uri="{FF2B5EF4-FFF2-40B4-BE49-F238E27FC236}">
-                <a16:creationId xmlns:a16="http://schemas.microsoft.com/office/drawing/2014/main" id="{1FCD6B85-82E9-410C-8E59-64B9481EDCF1}"/>
-              </a:ext>
-            </a:extLst>
-          </p:cNvPr>
-          <p:cNvSpPr/>
-          <p:nvPr/>
-        </p:nvSpPr>
-        <p:spPr>
-          <a:xfrm>
-            <a:off x="11210829" y="2655760"/>
-            <a:ext cx="228600" cy="228600"/>
-          </a:xfrm>
-          <a:custGeom>
-            <a:avLst/>
-            <a:gdLst>
-              <a:gd name="connsiteX0" fmla="*/ 222218 w 228600"/>
-              <a:gd name="connsiteY0" fmla="*/ 114681 h 228600"/>
-              <a:gd name="connsiteX1" fmla="*/ 114680 w 228600"/>
-              <a:gd name="connsiteY1" fmla="*/ 222218 h 228600"/>
-              <a:gd name="connsiteX2" fmla="*/ 7142 w 228600"/>
-              <a:gd name="connsiteY2" fmla="*/ 114681 h 228600"/>
-              <a:gd name="connsiteX3" fmla="*/ 114680 w 228600"/>
-              <a:gd name="connsiteY3" fmla="*/ 7144 h 228600"/>
-              <a:gd name="connsiteX4" fmla="*/ 222218 w 228600"/>
-              <a:gd name="connsiteY4" fmla="*/ 114681 h 228600"/>
-            </a:gdLst>
-            <a:ahLst/>
-            <a:cxnLst>
-              <a:cxn ang="0">
-                <a:pos x="connsiteX0" y="connsiteY0"/>
-              </a:cxn>
-              <a:cxn ang="0">
-                <a:pos x="connsiteX1" y="connsiteY1"/>
-              </a:cxn>
-              <a:cxn ang="0">
-                <a:pos x="connsiteX2" y="connsiteY2"/>
-              </a:cxn>
-              <a:cxn ang="0">
-                <a:pos x="connsiteX3" y="connsiteY3"/>
-              </a:cxn>
-              <a:cxn ang="0">
-                <a:pos x="connsiteX4" y="connsiteY4"/>
-              </a:cxn>
-            </a:cxnLst>
-            <a:rect l="l" t="t" r="r" b="b"/>
-            <a:pathLst>
-              <a:path w="228600" h="228600">
-                <a:moveTo>
-                  <a:pt x="222218" y="114681"/>
-                </a:moveTo>
-                <a:cubicBezTo>
-                  <a:pt x="222218" y="174072"/>
-                  <a:pt x="174072" y="222218"/>
-                  <a:pt x="114680" y="222218"/>
-                </a:cubicBezTo>
-                <a:cubicBezTo>
-                  <a:pt x="55288" y="222218"/>
-                  <a:pt x="7142" y="174072"/>
-                  <a:pt x="7142" y="114681"/>
-                </a:cubicBezTo>
-                <a:cubicBezTo>
-                  <a:pt x="7142" y="55290"/>
-                  <a:pt x="55288" y="7144"/>
-                  <a:pt x="114680" y="7144"/>
-                </a:cubicBezTo>
-                <a:cubicBezTo>
-                  <a:pt x="174072" y="7144"/>
-                  <a:pt x="222218" y="55290"/>
-                  <a:pt x="222218" y="114681"/>
-                </a:cubicBezTo>
-                <a:close/>
-              </a:path>
-            </a:pathLst>
-          </a:custGeom>
-          <a:solidFill>
-            <a:srgbClr val="FFC947"/>
-          </a:solidFill>
-          <a:ln w="9525" cap="flat">
-            <a:noFill/>
-            <a:prstDash val="solid"/>
-            <a:miter/>
-          </a:ln>
-        </p:spPr>
-        <p:txBody>
-          <a:bodyPr rtlCol="0" anchor="ctr"/>
-          <a:lstStyle/>
-          <a:p>
-            <a:endParaRPr lang="en-US"/>
-          </a:p>
-        </p:txBody>
-      </p:sp>
-      <p:sp>
-        <p:nvSpPr>
-          <p:cNvPr id="9" name="Freeform: Shape 8">
-            <a:extLst>
-              <a:ext uri="{FF2B5EF4-FFF2-40B4-BE49-F238E27FC236}">
-                <a16:creationId xmlns:a16="http://schemas.microsoft.com/office/drawing/2014/main" id="{E3E8262C-BC44-4675-B7C1-A150CE5D2971}"/>
-              </a:ext>
-            </a:extLst>
-          </p:cNvPr>
-          <p:cNvSpPr/>
-          <p:nvPr/>
-        </p:nvSpPr>
-        <p:spPr>
-          <a:xfrm>
-            <a:off x="11357514" y="593788"/>
-            <a:ext cx="228600" cy="228600"/>
-          </a:xfrm>
-          <a:custGeom>
-            <a:avLst/>
-            <a:gdLst>
-              <a:gd name="connsiteX0" fmla="*/ 222218 w 228600"/>
-              <a:gd name="connsiteY0" fmla="*/ 114681 h 228600"/>
-              <a:gd name="connsiteX1" fmla="*/ 114680 w 228600"/>
-              <a:gd name="connsiteY1" fmla="*/ 222218 h 228600"/>
-              <a:gd name="connsiteX2" fmla="*/ 7143 w 228600"/>
-              <a:gd name="connsiteY2" fmla="*/ 114681 h 228600"/>
-              <a:gd name="connsiteX3" fmla="*/ 114680 w 228600"/>
-              <a:gd name="connsiteY3" fmla="*/ 7144 h 228600"/>
-              <a:gd name="connsiteX4" fmla="*/ 222218 w 228600"/>
-              <a:gd name="connsiteY4" fmla="*/ 114681 h 228600"/>
-            </a:gdLst>
-            <a:ahLst/>
-            <a:cxnLst>
-              <a:cxn ang="0">
-                <a:pos x="connsiteX0" y="connsiteY0"/>
-              </a:cxn>
-              <a:cxn ang="0">
-                <a:pos x="connsiteX1" y="connsiteY1"/>
-              </a:cxn>
-              <a:cxn ang="0">
-                <a:pos x="connsiteX2" y="connsiteY2"/>
-              </a:cxn>
-              <a:cxn ang="0">
-                <a:pos x="connsiteX3" y="connsiteY3"/>
-              </a:cxn>
-              <a:cxn ang="0">
-                <a:pos x="connsiteX4" y="connsiteY4"/>
-              </a:cxn>
-            </a:cxnLst>
-            <a:rect l="l" t="t" r="r" b="b"/>
-            <a:pathLst>
-              <a:path w="228600" h="228600">
-                <a:moveTo>
-                  <a:pt x="222218" y="114681"/>
-                </a:moveTo>
-                <a:cubicBezTo>
-                  <a:pt x="222218" y="174072"/>
-                  <a:pt x="174072" y="222218"/>
-                  <a:pt x="114680" y="222218"/>
-                </a:cubicBezTo>
-                <a:cubicBezTo>
-                  <a:pt x="55289" y="222218"/>
-                  <a:pt x="7143" y="174072"/>
-                  <a:pt x="7143" y="114681"/>
-                </a:cubicBezTo>
-                <a:cubicBezTo>
-                  <a:pt x="7143" y="55290"/>
-                  <a:pt x="55289" y="7144"/>
-                  <a:pt x="114680" y="7144"/>
-                </a:cubicBezTo>
-                <a:cubicBezTo>
-                  <a:pt x="174072" y="7144"/>
-                  <a:pt x="222218" y="55290"/>
-                  <a:pt x="222218" y="114681"/>
-                </a:cubicBezTo>
-                <a:close/>
-              </a:path>
-            </a:pathLst>
-          </a:custGeom>
-          <a:solidFill>
-            <a:srgbClr val="FFC947"/>
-          </a:solidFill>
-          <a:ln w="9525" cap="flat">
-            <a:noFill/>
-            <a:prstDash val="solid"/>
-            <a:miter/>
-          </a:ln>
-        </p:spPr>
-        <p:txBody>
-          <a:bodyPr rtlCol="0" anchor="ctr"/>
-          <a:lstStyle/>
-          <a:p>
-            <a:endParaRPr lang="en-US"/>
-          </a:p>
-        </p:txBody>
-      </p:sp>
-      <p:sp>
-        <p:nvSpPr>
-          <p:cNvPr id="10" name="Freeform: Shape 9">
-            <a:extLst>
-              <a:ext uri="{FF2B5EF4-FFF2-40B4-BE49-F238E27FC236}">
-                <a16:creationId xmlns:a16="http://schemas.microsoft.com/office/drawing/2014/main" id="{3D22F762-F471-4FEB-B5A0-651DE466D74A}"/>
-              </a:ext>
-            </a:extLst>
-          </p:cNvPr>
-          <p:cNvSpPr/>
-          <p:nvPr/>
-        </p:nvSpPr>
-        <p:spPr>
-          <a:xfrm>
-            <a:off x="6815137" y="6248114"/>
-            <a:ext cx="228600" cy="228600"/>
-          </a:xfrm>
-          <a:custGeom>
-            <a:avLst/>
-            <a:gdLst>
-              <a:gd name="connsiteX0" fmla="*/ 222218 w 228600"/>
-              <a:gd name="connsiteY0" fmla="*/ 114681 h 228600"/>
-              <a:gd name="connsiteX1" fmla="*/ 114681 w 228600"/>
-              <a:gd name="connsiteY1" fmla="*/ 222218 h 228600"/>
-              <a:gd name="connsiteX2" fmla="*/ 7144 w 228600"/>
-              <a:gd name="connsiteY2" fmla="*/ 114681 h 228600"/>
-              <a:gd name="connsiteX3" fmla="*/ 114681 w 228600"/>
-              <a:gd name="connsiteY3" fmla="*/ 7144 h 228600"/>
-              <a:gd name="connsiteX4" fmla="*/ 222218 w 228600"/>
-              <a:gd name="connsiteY4" fmla="*/ 114681 h 228600"/>
-            </a:gdLst>
-            <a:ahLst/>
-            <a:cxnLst>
-              <a:cxn ang="0">
-                <a:pos x="connsiteX0" y="connsiteY0"/>
-              </a:cxn>
-              <a:cxn ang="0">
-                <a:pos x="connsiteX1" y="connsiteY1"/>
-              </a:cxn>
-              <a:cxn ang="0">
-                <a:pos x="connsiteX2" y="connsiteY2"/>
-              </a:cxn>
-              <a:cxn ang="0">
-                <a:pos x="connsiteX3" y="connsiteY3"/>
-              </a:cxn>
-              <a:cxn ang="0">
-                <a:pos x="connsiteX4" y="connsiteY4"/>
-              </a:cxn>
-            </a:cxnLst>
-            <a:rect l="l" t="t" r="r" b="b"/>
-            <a:pathLst>
-              <a:path w="228600" h="228600">
-                <a:moveTo>
-                  <a:pt x="222218" y="114681"/>
-                </a:moveTo>
-                <a:cubicBezTo>
-                  <a:pt x="222218" y="174072"/>
-                  <a:pt x="174073" y="222218"/>
-                  <a:pt x="114681" y="222218"/>
-                </a:cubicBezTo>
-                <a:cubicBezTo>
-                  <a:pt x="55290" y="222218"/>
-                  <a:pt x="7144" y="174072"/>
-                  <a:pt x="7144" y="114681"/>
-                </a:cubicBezTo>
-                <a:cubicBezTo>
-                  <a:pt x="7144" y="55290"/>
-                  <a:pt x="55290" y="7144"/>
-                  <a:pt x="114681" y="7144"/>
-                </a:cubicBezTo>
-                <a:cubicBezTo>
-                  <a:pt x="174073" y="7144"/>
-                  <a:pt x="222218" y="55290"/>
-                  <a:pt x="222218" y="114681"/>
-                </a:cubicBezTo>
-                <a:close/>
-              </a:path>
-            </a:pathLst>
-          </a:custGeom>
-          <a:solidFill>
-            <a:srgbClr val="FFC947"/>
-          </a:solidFill>
-          <a:ln w="9525" cap="flat">
-            <a:noFill/>
-            <a:prstDash val="solid"/>
-            <a:miter/>
-          </a:ln>
-        </p:spPr>
-        <p:txBody>
-          <a:bodyPr rtlCol="0" anchor="ctr"/>
-          <a:lstStyle/>
-          <a:p>
-            <a:endParaRPr lang="en-US"/>
-          </a:p>
-        </p:txBody>
-      </p:sp>
-      <p:sp>
-        <p:nvSpPr>
-          <p:cNvPr id="11" name="Freeform: Shape 10">
-            <a:extLst>
-              <a:ext uri="{FF2B5EF4-FFF2-40B4-BE49-F238E27FC236}">
-                <a16:creationId xmlns:a16="http://schemas.microsoft.com/office/drawing/2014/main" id="{4FFD4216-B852-4A6F-9B63-3CFF51456115}"/>
-              </a:ext>
-            </a:extLst>
-          </p:cNvPr>
-          <p:cNvSpPr/>
-          <p:nvPr/>
-        </p:nvSpPr>
-        <p:spPr>
-          <a:xfrm>
-            <a:off x="646557" y="6248114"/>
-            <a:ext cx="228600" cy="228600"/>
-          </a:xfrm>
-          <a:custGeom>
-            <a:avLst/>
-            <a:gdLst>
-              <a:gd name="connsiteX0" fmla="*/ 222218 w 228600"/>
-              <a:gd name="connsiteY0" fmla="*/ 114681 h 228600"/>
-              <a:gd name="connsiteX1" fmla="*/ 114681 w 228600"/>
-              <a:gd name="connsiteY1" fmla="*/ 222218 h 228600"/>
-              <a:gd name="connsiteX2" fmla="*/ 7144 w 228600"/>
-              <a:gd name="connsiteY2" fmla="*/ 114681 h 228600"/>
-              <a:gd name="connsiteX3" fmla="*/ 114681 w 228600"/>
-              <a:gd name="connsiteY3" fmla="*/ 7144 h 228600"/>
-              <a:gd name="connsiteX4" fmla="*/ 222218 w 228600"/>
-              <a:gd name="connsiteY4" fmla="*/ 114681 h 228600"/>
-            </a:gdLst>
-            <a:ahLst/>
-            <a:cxnLst>
-              <a:cxn ang="0">
-                <a:pos x="connsiteX0" y="connsiteY0"/>
-              </a:cxn>
-              <a:cxn ang="0">
-                <a:pos x="connsiteX1" y="connsiteY1"/>
-              </a:cxn>
-              <a:cxn ang="0">
-                <a:pos x="connsiteX2" y="connsiteY2"/>
-              </a:cxn>
-              <a:cxn ang="0">
-                <a:pos x="connsiteX3" y="connsiteY3"/>
-              </a:cxn>
-              <a:cxn ang="0">
-                <a:pos x="connsiteX4" y="connsiteY4"/>
-              </a:cxn>
-            </a:cxnLst>
-            <a:rect l="l" t="t" r="r" b="b"/>
-            <a:pathLst>
-              <a:path w="228600" h="228600">
-                <a:moveTo>
-                  <a:pt x="222218" y="114681"/>
-                </a:moveTo>
-                <a:cubicBezTo>
-                  <a:pt x="222218" y="174072"/>
-                  <a:pt x="174072" y="222218"/>
-                  <a:pt x="114681" y="222218"/>
-                </a:cubicBezTo>
-                <a:cubicBezTo>
-                  <a:pt x="55290" y="222218"/>
-                  <a:pt x="7144" y="174072"/>
-                  <a:pt x="7144" y="114681"/>
-                </a:cubicBezTo>
-                <a:cubicBezTo>
-                  <a:pt x="7144" y="55290"/>
-                  <a:pt x="55290" y="7144"/>
-                  <a:pt x="114681" y="7144"/>
-                </a:cubicBezTo>
-                <a:cubicBezTo>
-                  <a:pt x="174072" y="7144"/>
-                  <a:pt x="222218" y="55290"/>
-                  <a:pt x="222218" y="114681"/>
-                </a:cubicBezTo>
-                <a:close/>
-              </a:path>
-            </a:pathLst>
-          </a:custGeom>
-          <a:solidFill>
-            <a:srgbClr val="FFC947"/>
-          </a:solidFill>
-          <a:ln w="9525" cap="flat">
-            <a:noFill/>
-            <a:prstDash val="solid"/>
-            <a:miter/>
-          </a:ln>
-        </p:spPr>
-        <p:txBody>
-          <a:bodyPr rtlCol="0" anchor="ctr"/>
-          <a:lstStyle/>
-          <a:p>
-            <a:endParaRPr lang="en-US"/>
-          </a:p>
-        </p:txBody>
-      </p:sp>
-      <p:sp>
-        <p:nvSpPr>
-          <p:cNvPr id="12" name="Freeform: Shape 11">
-            <a:extLst>
-              <a:ext uri="{FF2B5EF4-FFF2-40B4-BE49-F238E27FC236}">
-                <a16:creationId xmlns:a16="http://schemas.microsoft.com/office/drawing/2014/main" id="{309D5100-7807-4B85-8FDA-6A93CB7262D3}"/>
-              </a:ext>
-            </a:extLst>
-          </p:cNvPr>
-          <p:cNvSpPr/>
-          <p:nvPr/>
-        </p:nvSpPr>
-        <p:spPr>
-          <a:xfrm>
-            <a:off x="11357514" y="5301900"/>
-            <a:ext cx="228600" cy="228600"/>
-          </a:xfrm>
-          <a:custGeom>
-            <a:avLst/>
-            <a:gdLst>
-              <a:gd name="connsiteX0" fmla="*/ 222218 w 228600"/>
-              <a:gd name="connsiteY0" fmla="*/ 114681 h 228600"/>
-              <a:gd name="connsiteX1" fmla="*/ 114680 w 228600"/>
-              <a:gd name="connsiteY1" fmla="*/ 222218 h 228600"/>
-              <a:gd name="connsiteX2" fmla="*/ 7143 w 228600"/>
-              <a:gd name="connsiteY2" fmla="*/ 114681 h 228600"/>
-              <a:gd name="connsiteX3" fmla="*/ 114680 w 228600"/>
-              <a:gd name="connsiteY3" fmla="*/ 7144 h 228600"/>
-              <a:gd name="connsiteX4" fmla="*/ 222218 w 228600"/>
-              <a:gd name="connsiteY4" fmla="*/ 114681 h 228600"/>
-            </a:gdLst>
-            <a:ahLst/>
-            <a:cxnLst>
-              <a:cxn ang="0">
-                <a:pos x="connsiteX0" y="connsiteY0"/>
-              </a:cxn>
-              <a:cxn ang="0">
-                <a:pos x="connsiteX1" y="connsiteY1"/>
-              </a:cxn>
-              <a:cxn ang="0">
-                <a:pos x="connsiteX2" y="connsiteY2"/>
-              </a:cxn>
-              <a:cxn ang="0">
-                <a:pos x="connsiteX3" y="connsiteY3"/>
-              </a:cxn>
-              <a:cxn ang="0">
-                <a:pos x="connsiteX4" y="connsiteY4"/>
-              </a:cxn>
-            </a:cxnLst>
-            <a:rect l="l" t="t" r="r" b="b"/>
-            <a:pathLst>
-              <a:path w="228600" h="228600">
-                <a:moveTo>
-                  <a:pt x="222218" y="114681"/>
-                </a:moveTo>
-                <a:cubicBezTo>
-                  <a:pt x="222218" y="174072"/>
-                  <a:pt x="174072" y="222218"/>
-                  <a:pt x="114680" y="222218"/>
-                </a:cubicBezTo>
-                <a:cubicBezTo>
-                  <a:pt x="55289" y="222218"/>
-                  <a:pt x="7143" y="174072"/>
-                  <a:pt x="7143" y="114681"/>
-                </a:cubicBezTo>
-                <a:cubicBezTo>
-                  <a:pt x="7143" y="55290"/>
-                  <a:pt x="55289" y="7144"/>
-                  <a:pt x="114680" y="7144"/>
-                </a:cubicBezTo>
-                <a:cubicBezTo>
-                  <a:pt x="174072" y="7144"/>
-                  <a:pt x="222218" y="55290"/>
-                  <a:pt x="222218" y="114681"/>
-                </a:cubicBezTo>
-                <a:close/>
-              </a:path>
-            </a:pathLst>
-          </a:custGeom>
-          <a:solidFill>
-            <a:srgbClr val="FFC947"/>
-          </a:solidFill>
-          <a:ln w="9525" cap="flat">
-            <a:noFill/>
-            <a:prstDash val="solid"/>
-            <a:miter/>
-          </a:ln>
-        </p:spPr>
-        <p:txBody>
-          <a:bodyPr rtlCol="0" anchor="ctr"/>
-          <a:lstStyle/>
-          <a:p>
-            <a:endParaRPr lang="en-US"/>
-          </a:p>
-        </p:txBody>
-      </p:sp>
-      <p:sp>
-        <p:nvSpPr>
-          <p:cNvPr id="49" name="TextBox 48">
-            <a:extLst>
-              <a:ext uri="{FF2B5EF4-FFF2-40B4-BE49-F238E27FC236}">
-                <a16:creationId xmlns:a16="http://schemas.microsoft.com/office/drawing/2014/main" id="{0E0C35A2-2367-49FB-94AE-53E03758A8B2}"/>
-              </a:ext>
-            </a:extLst>
-          </p:cNvPr>
-          <p:cNvSpPr txBox="1"/>
-          <p:nvPr/>
-        </p:nvSpPr>
-        <p:spPr>
-          <a:xfrm>
-            <a:off x="4852983" y="69933"/>
-            <a:ext cx="2727991" cy="1015663"/>
-          </a:xfrm>
-          <a:prstGeom prst="rect">
-            <a:avLst/>
-          </a:prstGeom>
-          <a:noFill/>
-        </p:spPr>
-        <p:txBody>
-          <a:bodyPr wrap="none" rtlCol="0">
-            <a:spAutoFit/>
-          </a:bodyPr>
-          <a:lstStyle/>
-          <a:p>
-            <a:pPr algn="ctr"/>
-            <a:r>
-              <a:rPr lang="en-US" sz="6000" b="1" dirty="0" err="1">
-                <a:solidFill>
-                  <a:schemeClr val="accent1"/>
-                </a:solidFill>
-                <a:latin typeface="+mj-lt"/>
-              </a:rPr>
-              <a:t>Thiết</a:t>
-            </a:r>
-            <a:r>
-              <a:rPr lang="en-US" sz="6000" b="1" dirty="0">
-                <a:solidFill>
-                  <a:schemeClr val="accent2"/>
-                </a:solidFill>
-                <a:latin typeface="+mj-lt"/>
-              </a:rPr>
-              <a:t> </a:t>
-            </a:r>
-            <a:r>
-              <a:rPr lang="en-US" sz="6000" b="1" dirty="0" err="1">
-                <a:solidFill>
-                  <a:schemeClr val="accent2"/>
-                </a:solidFill>
-                <a:latin typeface="+mj-lt"/>
-              </a:rPr>
-              <a:t>kế</a:t>
-            </a:r>
-            <a:endParaRPr lang="en-US" sz="6000" b="1" dirty="0">
-              <a:solidFill>
-                <a:schemeClr val="accent2"/>
-              </a:solidFill>
-              <a:latin typeface="+mj-lt"/>
-            </a:endParaRPr>
-          </a:p>
-        </p:txBody>
-      </p:sp>
-      <p:pic>
-        <p:nvPicPr>
-          <p:cNvPr id="7170" name="Picture 2" descr="Arduino IDE | Arduino Documentation">
-            <a:extLst>
-              <a:ext uri="{FF2B5EF4-FFF2-40B4-BE49-F238E27FC236}">
-                <a16:creationId xmlns:a16="http://schemas.microsoft.com/office/drawing/2014/main" id="{8FFA36A1-B8C9-B383-2D79-9FC918D422F7}"/>
-              </a:ext>
-            </a:extLst>
-          </p:cNvPr>
-          <p:cNvPicPr>
-            <a:picLocks noChangeAspect="1" noChangeArrowheads="1"/>
-          </p:cNvPicPr>
-          <p:nvPr/>
-        </p:nvPicPr>
-        <p:blipFill>
-          <a:blip r:embed="rId2">
-            <a:extLst>
-              <a:ext uri="{28A0092B-C50C-407E-A947-70E740481C1C}">
-                <a14:useLocalDpi xmlns:a14="http://schemas.microsoft.com/office/drawing/2010/main" val="0"/>
-              </a:ext>
-            </a:extLst>
-          </a:blip>
-          <a:srcRect/>
-          <a:stretch>
-            <a:fillRect/>
-          </a:stretch>
-        </p:blipFill>
-        <p:spPr bwMode="auto">
-          <a:xfrm>
-            <a:off x="298418" y="1071467"/>
-            <a:ext cx="5724906" cy="3005576"/>
-          </a:xfrm>
-          <a:prstGeom prst="rect">
-            <a:avLst/>
-          </a:prstGeom>
-          <a:noFill/>
-          <a:extLst>
-            <a:ext uri="{909E8E84-426E-40DD-AFC4-6F175D3DCCD1}">
-              <a14:hiddenFill xmlns:a14="http://schemas.microsoft.com/office/drawing/2010/main">
-                <a:solidFill>
-                  <a:srgbClr val="FFFFFF"/>
-                </a:solidFill>
-              </a14:hiddenFill>
-            </a:ext>
-          </a:extLst>
-        </p:spPr>
-      </p:pic>
-      <p:pic>
-        <p:nvPicPr>
-          <p:cNvPr id="7172" name="Picture 4" descr="Visual Studio Code - Wikiversity">
-            <a:extLst>
-              <a:ext uri="{FF2B5EF4-FFF2-40B4-BE49-F238E27FC236}">
-                <a16:creationId xmlns:a16="http://schemas.microsoft.com/office/drawing/2014/main" id="{4D27F75A-7063-FD85-5FE3-2D05C59D36B9}"/>
-              </a:ext>
-            </a:extLst>
-          </p:cNvPr>
-          <p:cNvPicPr>
-            <a:picLocks noChangeAspect="1" noChangeArrowheads="1"/>
-          </p:cNvPicPr>
-          <p:nvPr/>
-        </p:nvPicPr>
-        <p:blipFill>
-          <a:blip r:embed="rId3">
-            <a:extLst>
-              <a:ext uri="{28A0092B-C50C-407E-A947-70E740481C1C}">
-                <a14:useLocalDpi xmlns:a14="http://schemas.microsoft.com/office/drawing/2010/main" val="0"/>
-              </a:ext>
-            </a:extLst>
-          </a:blip>
-          <a:srcRect/>
-          <a:stretch>
-            <a:fillRect/>
-          </a:stretch>
-        </p:blipFill>
-        <p:spPr bwMode="auto">
-          <a:xfrm>
-            <a:off x="7580974" y="1071467"/>
-            <a:ext cx="3517012" cy="3517012"/>
-          </a:xfrm>
-          <a:prstGeom prst="rect">
-            <a:avLst/>
-          </a:prstGeom>
-          <a:noFill/>
-          <a:extLst>
-            <a:ext uri="{909E8E84-426E-40DD-AFC4-6F175D3DCCD1}">
-              <a14:hiddenFill xmlns:a14="http://schemas.microsoft.com/office/drawing/2010/main">
-                <a:solidFill>
-                  <a:srgbClr val="FFFFFF"/>
-                </a:solidFill>
-              </a14:hiddenFill>
-            </a:ext>
-          </a:extLst>
-        </p:spPr>
-      </p:pic>
-      <p:pic>
-        <p:nvPicPr>
-          <p:cNvPr id="7174" name="Picture 6" descr="Python Tool Review: Using PyCharm for Python Development - and More |  Caktus Group">
-            <a:extLst>
-              <a:ext uri="{FF2B5EF4-FFF2-40B4-BE49-F238E27FC236}">
-                <a16:creationId xmlns:a16="http://schemas.microsoft.com/office/drawing/2014/main" id="{9DF77DE6-9BBD-185C-03C2-2B5398B82BAD}"/>
-              </a:ext>
-            </a:extLst>
-          </p:cNvPr>
-          <p:cNvPicPr>
-            <a:picLocks noChangeAspect="1" noChangeArrowheads="1"/>
-          </p:cNvPicPr>
-          <p:nvPr/>
-        </p:nvPicPr>
-        <p:blipFill>
-          <a:blip r:embed="rId4">
-            <a:extLst>
-              <a:ext uri="{28A0092B-C50C-407E-A947-70E740481C1C}">
-                <a14:useLocalDpi xmlns:a14="http://schemas.microsoft.com/office/drawing/2010/main" val="0"/>
-              </a:ext>
-            </a:extLst>
-          </a:blip>
-          <a:srcRect/>
-          <a:stretch>
-            <a:fillRect/>
-          </a:stretch>
-        </p:blipFill>
-        <p:spPr bwMode="auto">
-          <a:xfrm>
-            <a:off x="7445218" y="4152123"/>
-            <a:ext cx="2024742" cy="2024742"/>
-          </a:xfrm>
-          <a:prstGeom prst="rect">
-            <a:avLst/>
-          </a:prstGeom>
-          <a:noFill/>
-          <a:extLst>
-            <a:ext uri="{909E8E84-426E-40DD-AFC4-6F175D3DCCD1}">
-              <a14:hiddenFill xmlns:a14="http://schemas.microsoft.com/office/drawing/2010/main">
-                <a:solidFill>
-                  <a:srgbClr val="FFFFFF"/>
-                </a:solidFill>
-              </a14:hiddenFill>
-            </a:ext>
-          </a:extLst>
-        </p:spPr>
-      </p:pic>
-    </p:spTree>
-    <p:extLst>
-      <p:ext uri="{BB962C8B-B14F-4D97-AF65-F5344CB8AC3E}">
-        <p14:creationId xmlns:p14="http://schemas.microsoft.com/office/powerpoint/2010/main" val="299436197"/>
-      </p:ext>
-    </p:extLst>
-  </p:cSld>
-  <p:clrMapOvr>
-    <a:masterClrMapping/>
-  </p:clrMapOvr>
-  <mc:AlternateContent xmlns:mc="http://schemas.openxmlformats.org/markup-compatibility/2006" xmlns:p14="http://schemas.microsoft.com/office/powerpoint/2010/main">
-    <mc:Choice Requires="p14">
-      <p:transition p14:dur="0"/>
-    </mc:Choice>
-    <mc:Fallback xmlns="">
-      <p:transition/>
-    </mc:Fallback>
-  </mc:AlternateContent>
-</p:sld>
-</file>
-
-<file path=ppt/slides/slide12.xml><?xml version="1.0" encoding="utf-8"?>
 <p:sld xmlns:a="http://schemas.openxmlformats.org/drawingml/2006/main" xmlns:r="http://schemas.openxmlformats.org/officeDocument/2006/relationships" xmlns:p="http://schemas.openxmlformats.org/presentationml/2006/main">
   <p:cSld>
     <p:spTree>
@@ -8924,7 +6801,7 @@
 </p:sld>
 </file>
 
-<file path=ppt/slides/slide13.xml><?xml version="1.0" encoding="utf-8"?>
+<file path=ppt/slides/slide11.xml><?xml version="1.0" encoding="utf-8"?>
 <p:sld xmlns:a="http://schemas.openxmlformats.org/drawingml/2006/main" xmlns:r="http://schemas.openxmlformats.org/officeDocument/2006/relationships" xmlns:p="http://schemas.openxmlformats.org/presentationml/2006/main">
   <p:cSld>
     <p:spTree>
@@ -9300,430 +7177,7 @@
 </p:sld>
 </file>
 
-<file path=ppt/slides/slide14.xml><?xml version="1.0" encoding="utf-8"?>
-<p:sld xmlns:a="http://schemas.openxmlformats.org/drawingml/2006/main" xmlns:r="http://schemas.openxmlformats.org/officeDocument/2006/relationships" xmlns:p="http://schemas.openxmlformats.org/presentationml/2006/main">
-  <p:cSld>
-    <p:spTree>
-      <p:nvGrpSpPr>
-        <p:cNvPr id="1" name=""/>
-        <p:cNvGrpSpPr/>
-        <p:nvPr/>
-      </p:nvGrpSpPr>
-      <p:grpSpPr>
-        <a:xfrm>
-          <a:off x="0" y="0"/>
-          <a:ext cx="0" cy="0"/>
-          <a:chOff x="0" y="0"/>
-          <a:chExt cx="0" cy="0"/>
-        </a:xfrm>
-      </p:grpSpPr>
-      <p:sp>
-        <p:nvSpPr>
-          <p:cNvPr id="20" name="Freeform: Shape 19">
-            <a:extLst>
-              <a:ext uri="{FF2B5EF4-FFF2-40B4-BE49-F238E27FC236}">
-                <a16:creationId xmlns:a16="http://schemas.microsoft.com/office/drawing/2014/main" id="{57DD0ACC-4BDE-4C74-B23E-3BEAD910C0DA}"/>
-              </a:ext>
-            </a:extLst>
-          </p:cNvPr>
-          <p:cNvSpPr/>
-          <p:nvPr/>
-        </p:nvSpPr>
-        <p:spPr>
-          <a:xfrm>
-            <a:off x="11446954" y="621316"/>
-            <a:ext cx="228600" cy="228600"/>
-          </a:xfrm>
-          <a:custGeom>
-            <a:avLst/>
-            <a:gdLst>
-              <a:gd name="connsiteX0" fmla="*/ 222218 w 228600"/>
-              <a:gd name="connsiteY0" fmla="*/ 114681 h 228600"/>
-              <a:gd name="connsiteX1" fmla="*/ 114680 w 228600"/>
-              <a:gd name="connsiteY1" fmla="*/ 222218 h 228600"/>
-              <a:gd name="connsiteX2" fmla="*/ 7143 w 228600"/>
-              <a:gd name="connsiteY2" fmla="*/ 114681 h 228600"/>
-              <a:gd name="connsiteX3" fmla="*/ 114680 w 228600"/>
-              <a:gd name="connsiteY3" fmla="*/ 7144 h 228600"/>
-              <a:gd name="connsiteX4" fmla="*/ 222218 w 228600"/>
-              <a:gd name="connsiteY4" fmla="*/ 114681 h 228600"/>
-            </a:gdLst>
-            <a:ahLst/>
-            <a:cxnLst>
-              <a:cxn ang="0">
-                <a:pos x="connsiteX0" y="connsiteY0"/>
-              </a:cxn>
-              <a:cxn ang="0">
-                <a:pos x="connsiteX1" y="connsiteY1"/>
-              </a:cxn>
-              <a:cxn ang="0">
-                <a:pos x="connsiteX2" y="connsiteY2"/>
-              </a:cxn>
-              <a:cxn ang="0">
-                <a:pos x="connsiteX3" y="connsiteY3"/>
-              </a:cxn>
-              <a:cxn ang="0">
-                <a:pos x="connsiteX4" y="connsiteY4"/>
-              </a:cxn>
-            </a:cxnLst>
-            <a:rect l="l" t="t" r="r" b="b"/>
-            <a:pathLst>
-              <a:path w="228600" h="228600">
-                <a:moveTo>
-                  <a:pt x="222218" y="114681"/>
-                </a:moveTo>
-                <a:cubicBezTo>
-                  <a:pt x="222218" y="174072"/>
-                  <a:pt x="174072" y="222218"/>
-                  <a:pt x="114680" y="222218"/>
-                </a:cubicBezTo>
-                <a:cubicBezTo>
-                  <a:pt x="55289" y="222218"/>
-                  <a:pt x="7143" y="174072"/>
-                  <a:pt x="7143" y="114681"/>
-                </a:cubicBezTo>
-                <a:cubicBezTo>
-                  <a:pt x="7143" y="55290"/>
-                  <a:pt x="55289" y="7144"/>
-                  <a:pt x="114680" y="7144"/>
-                </a:cubicBezTo>
-                <a:cubicBezTo>
-                  <a:pt x="174072" y="7144"/>
-                  <a:pt x="222218" y="55290"/>
-                  <a:pt x="222218" y="114681"/>
-                </a:cubicBezTo>
-                <a:close/>
-              </a:path>
-            </a:pathLst>
-          </a:custGeom>
-          <a:solidFill>
-            <a:srgbClr val="FFC947"/>
-          </a:solidFill>
-          <a:ln w="9525" cap="flat">
-            <a:noFill/>
-            <a:prstDash val="solid"/>
-            <a:miter/>
-          </a:ln>
-        </p:spPr>
-        <p:txBody>
-          <a:bodyPr rtlCol="0" anchor="ctr"/>
-          <a:lstStyle/>
-          <a:p>
-            <a:endParaRPr lang="en-US"/>
-          </a:p>
-        </p:txBody>
-      </p:sp>
-      <p:grpSp>
-        <p:nvGrpSpPr>
-          <p:cNvPr id="2" name="Group 1">
-            <a:extLst>
-              <a:ext uri="{FF2B5EF4-FFF2-40B4-BE49-F238E27FC236}">
-                <a16:creationId xmlns:a16="http://schemas.microsoft.com/office/drawing/2014/main" id="{517534A5-EF7C-44F2-A4D2-B5A06D74FF29}"/>
-              </a:ext>
-            </a:extLst>
-          </p:cNvPr>
-          <p:cNvGrpSpPr/>
-          <p:nvPr/>
-        </p:nvGrpSpPr>
-        <p:grpSpPr>
-          <a:xfrm>
-            <a:off x="4178300" y="-7144"/>
-            <a:ext cx="4051300" cy="1266825"/>
-            <a:chOff x="4178300" y="-7144"/>
-            <a:chExt cx="4051300" cy="1266825"/>
-          </a:xfrm>
-        </p:grpSpPr>
-        <p:sp>
-          <p:nvSpPr>
-            <p:cNvPr id="8" name="Freeform: Shape 7">
-              <a:extLst>
-                <a:ext uri="{FF2B5EF4-FFF2-40B4-BE49-F238E27FC236}">
-                  <a16:creationId xmlns:a16="http://schemas.microsoft.com/office/drawing/2014/main" id="{476EF7DD-17FF-4BFF-B026-99B4E8C9A712}"/>
-                </a:ext>
-              </a:extLst>
-            </p:cNvPr>
-            <p:cNvSpPr/>
-            <p:nvPr/>
-          </p:nvSpPr>
-          <p:spPr>
-            <a:xfrm>
-              <a:off x="4178300" y="-7144"/>
-              <a:ext cx="4051300" cy="1266825"/>
-            </a:xfrm>
-            <a:custGeom>
-              <a:avLst/>
-              <a:gdLst>
-                <a:gd name="connsiteX0" fmla="*/ 3253264 w 3543300"/>
-                <a:gd name="connsiteY0" fmla="*/ 1263968 h 1266825"/>
-                <a:gd name="connsiteX1" fmla="*/ 292894 w 3543300"/>
-                <a:gd name="connsiteY1" fmla="*/ 1263968 h 1266825"/>
-                <a:gd name="connsiteX2" fmla="*/ 7144 w 3543300"/>
-                <a:gd name="connsiteY2" fmla="*/ 978218 h 1266825"/>
-                <a:gd name="connsiteX3" fmla="*/ 7144 w 3543300"/>
-                <a:gd name="connsiteY3" fmla="*/ 7144 h 1266825"/>
-                <a:gd name="connsiteX4" fmla="*/ 3539014 w 3543300"/>
-                <a:gd name="connsiteY4" fmla="*/ 7144 h 1266825"/>
-                <a:gd name="connsiteX5" fmla="*/ 3539014 w 3543300"/>
-                <a:gd name="connsiteY5" fmla="*/ 978218 h 1266825"/>
-                <a:gd name="connsiteX6" fmla="*/ 3253264 w 3543300"/>
-                <a:gd name="connsiteY6" fmla="*/ 1263968 h 1266825"/>
-              </a:gdLst>
-              <a:ahLst/>
-              <a:cxnLst>
-                <a:cxn ang="0">
-                  <a:pos x="connsiteX0" y="connsiteY0"/>
-                </a:cxn>
-                <a:cxn ang="0">
-                  <a:pos x="connsiteX1" y="connsiteY1"/>
-                </a:cxn>
-                <a:cxn ang="0">
-                  <a:pos x="connsiteX2" y="connsiteY2"/>
-                </a:cxn>
-                <a:cxn ang="0">
-                  <a:pos x="connsiteX3" y="connsiteY3"/>
-                </a:cxn>
-                <a:cxn ang="0">
-                  <a:pos x="connsiteX4" y="connsiteY4"/>
-                </a:cxn>
-                <a:cxn ang="0">
-                  <a:pos x="connsiteX5" y="connsiteY5"/>
-                </a:cxn>
-                <a:cxn ang="0">
-                  <a:pos x="connsiteX6" y="connsiteY6"/>
-                </a:cxn>
-              </a:cxnLst>
-              <a:rect l="l" t="t" r="r" b="b"/>
-              <a:pathLst>
-                <a:path w="3543300" h="1266825">
-                  <a:moveTo>
-                    <a:pt x="3253264" y="1263968"/>
-                  </a:moveTo>
-                  <a:lnTo>
-                    <a:pt x="292894" y="1263968"/>
-                  </a:lnTo>
-                  <a:cubicBezTo>
-                    <a:pt x="135064" y="1263968"/>
-                    <a:pt x="7144" y="1136047"/>
-                    <a:pt x="7144" y="978218"/>
-                  </a:cubicBezTo>
-                  <a:lnTo>
-                    <a:pt x="7144" y="7144"/>
-                  </a:lnTo>
-                  <a:lnTo>
-                    <a:pt x="3539014" y="7144"/>
-                  </a:lnTo>
-                  <a:lnTo>
-                    <a:pt x="3539014" y="978218"/>
-                  </a:lnTo>
-                  <a:cubicBezTo>
-                    <a:pt x="3539014" y="1136047"/>
-                    <a:pt x="3411093" y="1263968"/>
-                    <a:pt x="3253264" y="1263968"/>
-                  </a:cubicBezTo>
-                  <a:close/>
-                </a:path>
-              </a:pathLst>
-            </a:custGeom>
-            <a:solidFill>
-              <a:srgbClr val="0A1931"/>
-            </a:solidFill>
-            <a:ln w="9525" cap="flat">
-              <a:noFill/>
-              <a:prstDash val="solid"/>
-              <a:miter/>
-            </a:ln>
-          </p:spPr>
-          <p:txBody>
-            <a:bodyPr rtlCol="0" anchor="ctr"/>
-            <a:lstStyle/>
-            <a:p>
-              <a:pPr algn="ctr"/>
-              <a:endParaRPr lang="en-US" b="1" dirty="0"/>
-            </a:p>
-          </p:txBody>
-        </p:sp>
-        <p:sp>
-          <p:nvSpPr>
-            <p:cNvPr id="32" name="TextBox 31">
-              <a:extLst>
-                <a:ext uri="{FF2B5EF4-FFF2-40B4-BE49-F238E27FC236}">
-                  <a16:creationId xmlns:a16="http://schemas.microsoft.com/office/drawing/2014/main" id="{F8999262-5267-4978-9C63-12E591013E47}"/>
-                </a:ext>
-              </a:extLst>
-            </p:cNvPr>
-            <p:cNvSpPr txBox="1"/>
-            <p:nvPr/>
-          </p:nvSpPr>
-          <p:spPr>
-            <a:xfrm>
-              <a:off x="5010904" y="69933"/>
-              <a:ext cx="2412135" cy="1015663"/>
-            </a:xfrm>
-            <a:prstGeom prst="rect">
-              <a:avLst/>
-            </a:prstGeom>
-            <a:noFill/>
-          </p:spPr>
-          <p:txBody>
-            <a:bodyPr wrap="none" rtlCol="0">
-              <a:spAutoFit/>
-            </a:bodyPr>
-            <a:lstStyle/>
-            <a:p>
-              <a:pPr algn="ctr"/>
-              <a:r>
-                <a:rPr lang="en-US" sz="6000" b="1" dirty="0" err="1">
-                  <a:solidFill>
-                    <a:schemeClr val="bg1"/>
-                  </a:solidFill>
-                  <a:latin typeface="+mj-lt"/>
-                </a:rPr>
-                <a:t>Cài</a:t>
-              </a:r>
-              <a:r>
-                <a:rPr lang="en-US" sz="6000" b="1" dirty="0">
-                  <a:solidFill>
-                    <a:schemeClr val="bg1"/>
-                  </a:solidFill>
-                  <a:latin typeface="+mj-lt"/>
-                </a:rPr>
-                <a:t> </a:t>
-              </a:r>
-              <a:r>
-                <a:rPr lang="en-US" sz="6000" b="1" dirty="0" err="1">
-                  <a:solidFill>
-                    <a:schemeClr val="bg1"/>
-                  </a:solidFill>
-                  <a:latin typeface="+mj-lt"/>
-                </a:rPr>
-                <a:t>đặt</a:t>
-              </a:r>
-              <a:endParaRPr lang="en-US" sz="6000" b="1" dirty="0">
-                <a:solidFill>
-                  <a:schemeClr val="bg1"/>
-                </a:solidFill>
-                <a:latin typeface="+mj-lt"/>
-              </a:endParaRPr>
-            </a:p>
-          </p:txBody>
-        </p:sp>
-      </p:grpSp>
-      <p:pic>
-        <p:nvPicPr>
-          <p:cNvPr id="10244" name="Picture 4">
-            <a:extLst>
-              <a:ext uri="{FF2B5EF4-FFF2-40B4-BE49-F238E27FC236}">
-                <a16:creationId xmlns:a16="http://schemas.microsoft.com/office/drawing/2014/main" id="{3D6A5C4B-EE2B-9A5C-6C2F-75D8B98EF694}"/>
-              </a:ext>
-            </a:extLst>
-          </p:cNvPr>
-          <p:cNvPicPr>
-            <a:picLocks noChangeAspect="1" noChangeArrowheads="1"/>
-          </p:cNvPicPr>
-          <p:nvPr/>
-        </p:nvPicPr>
-        <p:blipFill>
-          <a:blip r:embed="rId2">
-            <a:extLst>
-              <a:ext uri="{28A0092B-C50C-407E-A947-70E740481C1C}">
-                <a14:useLocalDpi xmlns:a14="http://schemas.microsoft.com/office/drawing/2010/main" val="0"/>
-              </a:ext>
-            </a:extLst>
-          </a:blip>
-          <a:srcRect/>
-          <a:stretch>
-            <a:fillRect/>
-          </a:stretch>
-        </p:blipFill>
-        <p:spPr bwMode="auto">
-          <a:xfrm rot="16200000">
-            <a:off x="3938419" y="-2554380"/>
-            <a:ext cx="6224644" cy="13832542"/>
-          </a:xfrm>
-          <a:prstGeom prst="rect">
-            <a:avLst/>
-          </a:prstGeom>
-          <a:noFill/>
-          <a:extLst>
-            <a:ext uri="{909E8E84-426E-40DD-AFC4-6F175D3DCCD1}">
-              <a14:hiddenFill xmlns:a14="http://schemas.microsoft.com/office/drawing/2010/main">
-                <a:solidFill>
-                  <a:srgbClr val="FFFFFF"/>
-                </a:solidFill>
-              </a14:hiddenFill>
-            </a:ext>
-          </a:extLst>
-        </p:spPr>
-      </p:pic>
-      <p:pic>
-        <p:nvPicPr>
-          <p:cNvPr id="10242" name="Picture 2">
-            <a:extLst>
-              <a:ext uri="{FF2B5EF4-FFF2-40B4-BE49-F238E27FC236}">
-                <a16:creationId xmlns:a16="http://schemas.microsoft.com/office/drawing/2014/main" id="{5650FC06-9609-8548-EC76-71595AC53CFD}"/>
-              </a:ext>
-            </a:extLst>
-          </p:cNvPr>
-          <p:cNvPicPr>
-            <a:picLocks noChangeAspect="1" noChangeArrowheads="1"/>
-          </p:cNvPicPr>
-          <p:nvPr/>
-        </p:nvPicPr>
-        <p:blipFill>
-          <a:blip r:embed="rId3">
-            <a:extLst>
-              <a:ext uri="{28A0092B-C50C-407E-A947-70E740481C1C}">
-                <a14:useLocalDpi xmlns:a14="http://schemas.microsoft.com/office/drawing/2010/main" val="0"/>
-              </a:ext>
-            </a:extLst>
-          </a:blip>
-          <a:srcRect/>
-          <a:stretch>
-            <a:fillRect/>
-          </a:stretch>
-        </p:blipFill>
-        <p:spPr bwMode="auto">
-          <a:xfrm>
-            <a:off x="0" y="849916"/>
-            <a:ext cx="3991692" cy="8870426"/>
-          </a:xfrm>
-          <a:prstGeom prst="rect">
-            <a:avLst/>
-          </a:prstGeom>
-          <a:noFill/>
-          <a:extLst>
-            <a:ext uri="{909E8E84-426E-40DD-AFC4-6F175D3DCCD1}">
-              <a14:hiddenFill xmlns:a14="http://schemas.microsoft.com/office/drawing/2010/main">
-                <a:solidFill>
-                  <a:srgbClr val="FFFFFF"/>
-                </a:solidFill>
-              </a14:hiddenFill>
-            </a:ext>
-          </a:extLst>
-        </p:spPr>
-      </p:pic>
-    </p:spTree>
-    <p:extLst>
-      <p:ext uri="{BB962C8B-B14F-4D97-AF65-F5344CB8AC3E}">
-        <p14:creationId xmlns:p14="http://schemas.microsoft.com/office/powerpoint/2010/main" val="2735723726"/>
-      </p:ext>
-    </p:extLst>
-  </p:cSld>
-  <p:clrMapOvr>
-    <a:masterClrMapping/>
-  </p:clrMapOvr>
-  <mc:AlternateContent xmlns:mc="http://schemas.openxmlformats.org/markup-compatibility/2006" xmlns:p14="http://schemas.microsoft.com/office/powerpoint/2010/main">
-    <mc:Choice Requires="p14">
-      <p:transition p14:dur="0"/>
-    </mc:Choice>
-    <mc:Fallback xmlns="">
-      <p:transition/>
-    </mc:Fallback>
-  </mc:AlternateContent>
-</p:sld>
-</file>
-
-<file path=ppt/slides/slide15.xml><?xml version="1.0" encoding="utf-8"?>
+<file path=ppt/slides/slide12.xml><?xml version="1.0" encoding="utf-8"?>
 <p:sld xmlns:a="http://schemas.openxmlformats.org/drawingml/2006/main" xmlns:r="http://schemas.openxmlformats.org/officeDocument/2006/relationships" xmlns:p="http://schemas.openxmlformats.org/presentationml/2006/main">
   <p:cSld>
     <p:spTree>
@@ -10046,7 +7500,7 @@
         <p:spPr>
           <a:xfrm>
             <a:off x="25946" y="1666307"/>
-            <a:ext cx="12166054" cy="892552"/>
+            <a:ext cx="12166054" cy="954107"/>
           </a:xfrm>
           <a:prstGeom prst="rect">
             <a:avLst/>
@@ -10090,22 +7544,34 @@
           </a:p>
           <a:p>
             <a:r>
-              <a:rPr lang="en-US" sz="2400" dirty="0">
-                <a:solidFill>
-                  <a:schemeClr val="accent1"/>
-                </a:solidFill>
+              <a:rPr lang="en-US" sz="2800" dirty="0" err="1">
                 <a:hlinkClick r:id="rId2"/>
               </a:rPr>
-              <a:t>https://github.com/YumeAyasaki/IoT_Final.git</a:t>
-            </a:r>
-            <a:r>
-              <a:rPr lang="en-US" sz="2400" dirty="0">
-                <a:solidFill>
-                  <a:schemeClr val="accent1"/>
-                </a:solidFill>
+              <a:t>YumeAyasaki</a:t>
+            </a:r>
+            <a:r>
+              <a:rPr lang="en-US" sz="2800" dirty="0">
+                <a:hlinkClick r:id="rId2"/>
               </a:rPr>
-              <a:t> </a:t>
-            </a:r>
+              <a:t>/</a:t>
+            </a:r>
+            <a:r>
+              <a:rPr lang="en-US" sz="2800" dirty="0" err="1">
+                <a:hlinkClick r:id="rId2"/>
+              </a:rPr>
+              <a:t>AIoT_Final</a:t>
+            </a:r>
+            <a:r>
+              <a:rPr lang="en-US" sz="2800" dirty="0">
+                <a:hlinkClick r:id="rId2"/>
+              </a:rPr>
+              <a:t> (github.com)</a:t>
+            </a:r>
+            <a:endParaRPr lang="en-US" sz="2800" b="1" dirty="0">
+              <a:solidFill>
+                <a:schemeClr val="accent1"/>
+              </a:solidFill>
+            </a:endParaRPr>
           </a:p>
         </p:txBody>
       </p:sp>
@@ -10130,552 +7596,7 @@
 </p:sld>
 </file>
 
-<file path=ppt/slides/slide16.xml><?xml version="1.0" encoding="utf-8"?>
-<p:sld xmlns:a="http://schemas.openxmlformats.org/drawingml/2006/main" xmlns:r="http://schemas.openxmlformats.org/officeDocument/2006/relationships" xmlns:p="http://schemas.openxmlformats.org/presentationml/2006/main">
-  <p:cSld>
-    <p:spTree>
-      <p:nvGrpSpPr>
-        <p:cNvPr id="1" name=""/>
-        <p:cNvGrpSpPr/>
-        <p:nvPr/>
-      </p:nvGrpSpPr>
-      <p:grpSpPr>
-        <a:xfrm>
-          <a:off x="0" y="0"/>
-          <a:ext cx="0" cy="0"/>
-          <a:chOff x="0" y="0"/>
-          <a:chExt cx="0" cy="0"/>
-        </a:xfrm>
-      </p:grpSpPr>
-      <p:sp>
-        <p:nvSpPr>
-          <p:cNvPr id="20" name="Freeform: Shape 19">
-            <a:extLst>
-              <a:ext uri="{FF2B5EF4-FFF2-40B4-BE49-F238E27FC236}">
-                <a16:creationId xmlns:a16="http://schemas.microsoft.com/office/drawing/2014/main" id="{57DD0ACC-4BDE-4C74-B23E-3BEAD910C0DA}"/>
-              </a:ext>
-            </a:extLst>
-          </p:cNvPr>
-          <p:cNvSpPr/>
-          <p:nvPr/>
-        </p:nvSpPr>
-        <p:spPr>
-          <a:xfrm>
-            <a:off x="11446954" y="621316"/>
-            <a:ext cx="228600" cy="228600"/>
-          </a:xfrm>
-          <a:custGeom>
-            <a:avLst/>
-            <a:gdLst>
-              <a:gd name="connsiteX0" fmla="*/ 222218 w 228600"/>
-              <a:gd name="connsiteY0" fmla="*/ 114681 h 228600"/>
-              <a:gd name="connsiteX1" fmla="*/ 114680 w 228600"/>
-              <a:gd name="connsiteY1" fmla="*/ 222218 h 228600"/>
-              <a:gd name="connsiteX2" fmla="*/ 7143 w 228600"/>
-              <a:gd name="connsiteY2" fmla="*/ 114681 h 228600"/>
-              <a:gd name="connsiteX3" fmla="*/ 114680 w 228600"/>
-              <a:gd name="connsiteY3" fmla="*/ 7144 h 228600"/>
-              <a:gd name="connsiteX4" fmla="*/ 222218 w 228600"/>
-              <a:gd name="connsiteY4" fmla="*/ 114681 h 228600"/>
-            </a:gdLst>
-            <a:ahLst/>
-            <a:cxnLst>
-              <a:cxn ang="0">
-                <a:pos x="connsiteX0" y="connsiteY0"/>
-              </a:cxn>
-              <a:cxn ang="0">
-                <a:pos x="connsiteX1" y="connsiteY1"/>
-              </a:cxn>
-              <a:cxn ang="0">
-                <a:pos x="connsiteX2" y="connsiteY2"/>
-              </a:cxn>
-              <a:cxn ang="0">
-                <a:pos x="connsiteX3" y="connsiteY3"/>
-              </a:cxn>
-              <a:cxn ang="0">
-                <a:pos x="connsiteX4" y="connsiteY4"/>
-              </a:cxn>
-            </a:cxnLst>
-            <a:rect l="l" t="t" r="r" b="b"/>
-            <a:pathLst>
-              <a:path w="228600" h="228600">
-                <a:moveTo>
-                  <a:pt x="222218" y="114681"/>
-                </a:moveTo>
-                <a:cubicBezTo>
-                  <a:pt x="222218" y="174072"/>
-                  <a:pt x="174072" y="222218"/>
-                  <a:pt x="114680" y="222218"/>
-                </a:cubicBezTo>
-                <a:cubicBezTo>
-                  <a:pt x="55289" y="222218"/>
-                  <a:pt x="7143" y="174072"/>
-                  <a:pt x="7143" y="114681"/>
-                </a:cubicBezTo>
-                <a:cubicBezTo>
-                  <a:pt x="7143" y="55290"/>
-                  <a:pt x="55289" y="7144"/>
-                  <a:pt x="114680" y="7144"/>
-                </a:cubicBezTo>
-                <a:cubicBezTo>
-                  <a:pt x="174072" y="7144"/>
-                  <a:pt x="222218" y="55290"/>
-                  <a:pt x="222218" y="114681"/>
-                </a:cubicBezTo>
-                <a:close/>
-              </a:path>
-            </a:pathLst>
-          </a:custGeom>
-          <a:solidFill>
-            <a:srgbClr val="FFC947"/>
-          </a:solidFill>
-          <a:ln w="9525" cap="flat">
-            <a:noFill/>
-            <a:prstDash val="solid"/>
-            <a:miter/>
-          </a:ln>
-        </p:spPr>
-        <p:txBody>
-          <a:bodyPr rtlCol="0" anchor="ctr"/>
-          <a:lstStyle/>
-          <a:p>
-            <a:endParaRPr lang="en-US"/>
-          </a:p>
-        </p:txBody>
-      </p:sp>
-      <p:grpSp>
-        <p:nvGrpSpPr>
-          <p:cNvPr id="2" name="Group 1">
-            <a:extLst>
-              <a:ext uri="{FF2B5EF4-FFF2-40B4-BE49-F238E27FC236}">
-                <a16:creationId xmlns:a16="http://schemas.microsoft.com/office/drawing/2014/main" id="{517534A5-EF7C-44F2-A4D2-B5A06D74FF29}"/>
-              </a:ext>
-            </a:extLst>
-          </p:cNvPr>
-          <p:cNvGrpSpPr/>
-          <p:nvPr/>
-        </p:nvGrpSpPr>
-        <p:grpSpPr>
-          <a:xfrm>
-            <a:off x="4178300" y="-7144"/>
-            <a:ext cx="4051300" cy="1266825"/>
-            <a:chOff x="4178300" y="-7144"/>
-            <a:chExt cx="4051300" cy="1266825"/>
-          </a:xfrm>
-        </p:grpSpPr>
-        <p:sp>
-          <p:nvSpPr>
-            <p:cNvPr id="8" name="Freeform: Shape 7">
-              <a:extLst>
-                <a:ext uri="{FF2B5EF4-FFF2-40B4-BE49-F238E27FC236}">
-                  <a16:creationId xmlns:a16="http://schemas.microsoft.com/office/drawing/2014/main" id="{476EF7DD-17FF-4BFF-B026-99B4E8C9A712}"/>
-                </a:ext>
-              </a:extLst>
-            </p:cNvPr>
-            <p:cNvSpPr/>
-            <p:nvPr/>
-          </p:nvSpPr>
-          <p:spPr>
-            <a:xfrm>
-              <a:off x="4178300" y="-7144"/>
-              <a:ext cx="4051300" cy="1266825"/>
-            </a:xfrm>
-            <a:custGeom>
-              <a:avLst/>
-              <a:gdLst>
-                <a:gd name="connsiteX0" fmla="*/ 3253264 w 3543300"/>
-                <a:gd name="connsiteY0" fmla="*/ 1263968 h 1266825"/>
-                <a:gd name="connsiteX1" fmla="*/ 292894 w 3543300"/>
-                <a:gd name="connsiteY1" fmla="*/ 1263968 h 1266825"/>
-                <a:gd name="connsiteX2" fmla="*/ 7144 w 3543300"/>
-                <a:gd name="connsiteY2" fmla="*/ 978218 h 1266825"/>
-                <a:gd name="connsiteX3" fmla="*/ 7144 w 3543300"/>
-                <a:gd name="connsiteY3" fmla="*/ 7144 h 1266825"/>
-                <a:gd name="connsiteX4" fmla="*/ 3539014 w 3543300"/>
-                <a:gd name="connsiteY4" fmla="*/ 7144 h 1266825"/>
-                <a:gd name="connsiteX5" fmla="*/ 3539014 w 3543300"/>
-                <a:gd name="connsiteY5" fmla="*/ 978218 h 1266825"/>
-                <a:gd name="connsiteX6" fmla="*/ 3253264 w 3543300"/>
-                <a:gd name="connsiteY6" fmla="*/ 1263968 h 1266825"/>
-              </a:gdLst>
-              <a:ahLst/>
-              <a:cxnLst>
-                <a:cxn ang="0">
-                  <a:pos x="connsiteX0" y="connsiteY0"/>
-                </a:cxn>
-                <a:cxn ang="0">
-                  <a:pos x="connsiteX1" y="connsiteY1"/>
-                </a:cxn>
-                <a:cxn ang="0">
-                  <a:pos x="connsiteX2" y="connsiteY2"/>
-                </a:cxn>
-                <a:cxn ang="0">
-                  <a:pos x="connsiteX3" y="connsiteY3"/>
-                </a:cxn>
-                <a:cxn ang="0">
-                  <a:pos x="connsiteX4" y="connsiteY4"/>
-                </a:cxn>
-                <a:cxn ang="0">
-                  <a:pos x="connsiteX5" y="connsiteY5"/>
-                </a:cxn>
-                <a:cxn ang="0">
-                  <a:pos x="connsiteX6" y="connsiteY6"/>
-                </a:cxn>
-              </a:cxnLst>
-              <a:rect l="l" t="t" r="r" b="b"/>
-              <a:pathLst>
-                <a:path w="3543300" h="1266825">
-                  <a:moveTo>
-                    <a:pt x="3253264" y="1263968"/>
-                  </a:moveTo>
-                  <a:lnTo>
-                    <a:pt x="292894" y="1263968"/>
-                  </a:lnTo>
-                  <a:cubicBezTo>
-                    <a:pt x="135064" y="1263968"/>
-                    <a:pt x="7144" y="1136047"/>
-                    <a:pt x="7144" y="978218"/>
-                  </a:cubicBezTo>
-                  <a:lnTo>
-                    <a:pt x="7144" y="7144"/>
-                  </a:lnTo>
-                  <a:lnTo>
-                    <a:pt x="3539014" y="7144"/>
-                  </a:lnTo>
-                  <a:lnTo>
-                    <a:pt x="3539014" y="978218"/>
-                  </a:lnTo>
-                  <a:cubicBezTo>
-                    <a:pt x="3539014" y="1136047"/>
-                    <a:pt x="3411093" y="1263968"/>
-                    <a:pt x="3253264" y="1263968"/>
-                  </a:cubicBezTo>
-                  <a:close/>
-                </a:path>
-              </a:pathLst>
-            </a:custGeom>
-            <a:solidFill>
-              <a:srgbClr val="0A1931"/>
-            </a:solidFill>
-            <a:ln w="9525" cap="flat">
-              <a:noFill/>
-              <a:prstDash val="solid"/>
-              <a:miter/>
-            </a:ln>
-          </p:spPr>
-          <p:txBody>
-            <a:bodyPr rtlCol="0" anchor="ctr"/>
-            <a:lstStyle/>
-            <a:p>
-              <a:pPr algn="ctr"/>
-              <a:endParaRPr lang="en-US" b="1" dirty="0"/>
-            </a:p>
-          </p:txBody>
-        </p:sp>
-        <p:sp>
-          <p:nvSpPr>
-            <p:cNvPr id="32" name="TextBox 31">
-              <a:extLst>
-                <a:ext uri="{FF2B5EF4-FFF2-40B4-BE49-F238E27FC236}">
-                  <a16:creationId xmlns:a16="http://schemas.microsoft.com/office/drawing/2014/main" id="{F8999262-5267-4978-9C63-12E591013E47}"/>
-                </a:ext>
-              </a:extLst>
-            </p:cNvPr>
-            <p:cNvSpPr txBox="1"/>
-            <p:nvPr/>
-          </p:nvSpPr>
-          <p:spPr>
-            <a:xfrm>
-              <a:off x="5010904" y="69933"/>
-              <a:ext cx="2412135" cy="1015663"/>
-            </a:xfrm>
-            <a:prstGeom prst="rect">
-              <a:avLst/>
-            </a:prstGeom>
-            <a:noFill/>
-          </p:spPr>
-          <p:txBody>
-            <a:bodyPr wrap="none" rtlCol="0">
-              <a:spAutoFit/>
-            </a:bodyPr>
-            <a:lstStyle/>
-            <a:p>
-              <a:pPr algn="ctr"/>
-              <a:r>
-                <a:rPr lang="en-US" sz="6000" b="1" dirty="0" err="1">
-                  <a:solidFill>
-                    <a:schemeClr val="bg1"/>
-                  </a:solidFill>
-                  <a:latin typeface="+mj-lt"/>
-                </a:rPr>
-                <a:t>Cài</a:t>
-              </a:r>
-              <a:r>
-                <a:rPr lang="en-US" sz="6000" b="1" dirty="0">
-                  <a:solidFill>
-                    <a:schemeClr val="bg1"/>
-                  </a:solidFill>
-                  <a:latin typeface="+mj-lt"/>
-                </a:rPr>
-                <a:t> </a:t>
-              </a:r>
-              <a:r>
-                <a:rPr lang="en-US" sz="6000" b="1" dirty="0" err="1">
-                  <a:solidFill>
-                    <a:schemeClr val="bg1"/>
-                  </a:solidFill>
-                  <a:latin typeface="+mj-lt"/>
-                </a:rPr>
-                <a:t>đặt</a:t>
-              </a:r>
-              <a:endParaRPr lang="en-US" sz="6000" b="1" dirty="0">
-                <a:solidFill>
-                  <a:schemeClr val="bg1"/>
-                </a:solidFill>
-                <a:latin typeface="+mj-lt"/>
-              </a:endParaRPr>
-            </a:p>
-          </p:txBody>
-        </p:sp>
-      </p:grpSp>
-      <p:sp>
-        <p:nvSpPr>
-          <p:cNvPr id="3" name="Rectangle 2">
-            <a:extLst>
-              <a:ext uri="{FF2B5EF4-FFF2-40B4-BE49-F238E27FC236}">
-                <a16:creationId xmlns:a16="http://schemas.microsoft.com/office/drawing/2014/main" id="{0ADFE1D6-11D8-3ED2-B118-9F89B30E30F6}"/>
-              </a:ext>
-            </a:extLst>
-          </p:cNvPr>
-          <p:cNvSpPr/>
-          <p:nvPr/>
-        </p:nvSpPr>
-        <p:spPr>
-          <a:xfrm>
-            <a:off x="25946" y="1666307"/>
-            <a:ext cx="12166054" cy="1631216"/>
-          </a:xfrm>
-          <a:prstGeom prst="rect">
-            <a:avLst/>
-          </a:prstGeom>
-        </p:spPr>
-        <p:txBody>
-          <a:bodyPr wrap="square">
-            <a:spAutoFit/>
-          </a:bodyPr>
-          <a:lstStyle/>
-          <a:p>
-            <a:r>
-              <a:rPr lang="en-US" sz="2800" b="1" dirty="0" err="1">
-                <a:solidFill>
-                  <a:schemeClr val="accent1"/>
-                </a:solidFill>
-              </a:rPr>
-              <a:t>Lưu</a:t>
-            </a:r>
-            <a:r>
-              <a:rPr lang="en-US" sz="2800" b="1" dirty="0">
-                <a:solidFill>
-                  <a:schemeClr val="accent1"/>
-                </a:solidFill>
-              </a:rPr>
-              <a:t> ý</a:t>
-            </a:r>
-          </a:p>
-          <a:p>
-            <a:pPr marL="342900" indent="-342900">
-              <a:buFont typeface="Arial" panose="020B0604020202020204" pitchFamily="34" charset="0"/>
-              <a:buChar char="•"/>
-            </a:pPr>
-            <a:r>
-              <a:rPr lang="en-US" sz="2400" dirty="0" err="1">
-                <a:solidFill>
-                  <a:schemeClr val="accent1"/>
-                </a:solidFill>
-              </a:rPr>
-              <a:t>Wifi</a:t>
-            </a:r>
-            <a:r>
-              <a:rPr lang="en-US" sz="2400" dirty="0">
-                <a:solidFill>
-                  <a:schemeClr val="accent1"/>
-                </a:solidFill>
-              </a:rPr>
-              <a:t> 2.1GHz.</a:t>
-            </a:r>
-          </a:p>
-          <a:p>
-            <a:pPr marL="342900" indent="-342900">
-              <a:buFont typeface="Arial" panose="020B0604020202020204" pitchFamily="34" charset="0"/>
-              <a:buChar char="•"/>
-            </a:pPr>
-            <a:r>
-              <a:rPr lang="en-US" sz="2400" dirty="0">
-                <a:solidFill>
-                  <a:schemeClr val="accent1"/>
-                </a:solidFill>
-              </a:rPr>
-              <a:t>Server </a:t>
-            </a:r>
-            <a:r>
-              <a:rPr lang="en-US" sz="2400" dirty="0" err="1">
-                <a:solidFill>
-                  <a:schemeClr val="accent1"/>
-                </a:solidFill>
-              </a:rPr>
-              <a:t>và</a:t>
-            </a:r>
-            <a:r>
-              <a:rPr lang="en-US" sz="2400" dirty="0">
-                <a:solidFill>
-                  <a:schemeClr val="accent1"/>
-                </a:solidFill>
-              </a:rPr>
-              <a:t> </a:t>
-            </a:r>
-            <a:r>
-              <a:rPr lang="en-US" sz="2400" dirty="0" err="1">
-                <a:solidFill>
-                  <a:schemeClr val="accent1"/>
-                </a:solidFill>
-              </a:rPr>
-              <a:t>thiết</a:t>
-            </a:r>
-            <a:r>
-              <a:rPr lang="en-US" sz="2400" dirty="0">
-                <a:solidFill>
-                  <a:schemeClr val="accent1"/>
-                </a:solidFill>
-              </a:rPr>
-              <a:t> </a:t>
-            </a:r>
-            <a:r>
-              <a:rPr lang="en-US" sz="2400" dirty="0" err="1">
-                <a:solidFill>
-                  <a:schemeClr val="accent1"/>
-                </a:solidFill>
-              </a:rPr>
-              <a:t>bị</a:t>
-            </a:r>
-            <a:r>
-              <a:rPr lang="en-US" sz="2400" dirty="0">
-                <a:solidFill>
-                  <a:schemeClr val="accent1"/>
-                </a:solidFill>
-              </a:rPr>
-              <a:t> </a:t>
-            </a:r>
-            <a:r>
-              <a:rPr lang="en-US" sz="2400" dirty="0" err="1">
-                <a:solidFill>
-                  <a:schemeClr val="accent1"/>
-                </a:solidFill>
-              </a:rPr>
-              <a:t>phải</a:t>
-            </a:r>
-            <a:r>
-              <a:rPr lang="en-US" sz="2400" dirty="0">
-                <a:solidFill>
-                  <a:schemeClr val="accent1"/>
-                </a:solidFill>
-              </a:rPr>
-              <a:t> </a:t>
-            </a:r>
-            <a:r>
-              <a:rPr lang="en-US" sz="2400" dirty="0" err="1">
-                <a:solidFill>
-                  <a:schemeClr val="accent1"/>
-                </a:solidFill>
-              </a:rPr>
-              <a:t>cùng</a:t>
-            </a:r>
-            <a:r>
-              <a:rPr lang="en-US" sz="2400" dirty="0">
-                <a:solidFill>
-                  <a:schemeClr val="accent1"/>
-                </a:solidFill>
-              </a:rPr>
-              <a:t> </a:t>
-            </a:r>
-            <a:r>
-              <a:rPr lang="en-US" sz="2400" dirty="0" err="1">
-                <a:solidFill>
-                  <a:schemeClr val="accent1"/>
-                </a:solidFill>
-              </a:rPr>
-              <a:t>Wifi</a:t>
-            </a:r>
-            <a:r>
-              <a:rPr lang="en-US" sz="2400" dirty="0">
-                <a:solidFill>
-                  <a:schemeClr val="accent1"/>
-                </a:solidFill>
-              </a:rPr>
-              <a:t>.</a:t>
-            </a:r>
-          </a:p>
-          <a:p>
-            <a:pPr marL="342900" indent="-342900">
-              <a:buFont typeface="Arial" panose="020B0604020202020204" pitchFamily="34" charset="0"/>
-              <a:buChar char="•"/>
-            </a:pPr>
-            <a:r>
-              <a:rPr lang="en-US" sz="2400" dirty="0" err="1">
-                <a:solidFill>
-                  <a:schemeClr val="accent1"/>
-                </a:solidFill>
-              </a:rPr>
-              <a:t>Sử</a:t>
-            </a:r>
-            <a:r>
-              <a:rPr lang="en-US" sz="2400" dirty="0">
-                <a:solidFill>
-                  <a:schemeClr val="accent1"/>
-                </a:solidFill>
-              </a:rPr>
-              <a:t> </a:t>
-            </a:r>
-            <a:r>
-              <a:rPr lang="en-US" sz="2400" dirty="0" err="1">
-                <a:solidFill>
-                  <a:schemeClr val="accent1"/>
-                </a:solidFill>
-              </a:rPr>
-              <a:t>dụng</a:t>
-            </a:r>
-            <a:r>
-              <a:rPr lang="en-US" sz="2400" dirty="0">
-                <a:solidFill>
-                  <a:schemeClr val="accent1"/>
-                </a:solidFill>
-              </a:rPr>
-              <a:t> IP 192.168.x.x.</a:t>
-            </a:r>
-          </a:p>
-        </p:txBody>
-      </p:sp>
-    </p:spTree>
-    <p:extLst>
-      <p:ext uri="{BB962C8B-B14F-4D97-AF65-F5344CB8AC3E}">
-        <p14:creationId xmlns:p14="http://schemas.microsoft.com/office/powerpoint/2010/main" val="2954652315"/>
-      </p:ext>
-    </p:extLst>
-  </p:cSld>
-  <p:clrMapOvr>
-    <a:masterClrMapping/>
-  </p:clrMapOvr>
-  <mc:AlternateContent xmlns:mc="http://schemas.openxmlformats.org/markup-compatibility/2006" xmlns:p14="http://schemas.microsoft.com/office/powerpoint/2010/main">
-    <mc:Choice Requires="p14">
-      <p:transition p14:dur="0"/>
-    </mc:Choice>
-    <mc:Fallback xmlns="">
-      <p:transition/>
-    </mc:Fallback>
-  </mc:AlternateContent>
-</p:sld>
-</file>
-
-<file path=ppt/slides/slide17.xml><?xml version="1.0" encoding="utf-8"?>
+<file path=ppt/slides/slide13.xml><?xml version="1.0" encoding="utf-8"?>
 <p:sld xmlns:a="http://schemas.openxmlformats.org/drawingml/2006/main" xmlns:r="http://schemas.openxmlformats.org/officeDocument/2006/relationships" xmlns:p="http://schemas.openxmlformats.org/presentationml/2006/main">
   <p:cSld>
     <p:spTree>
@@ -11044,57 +7965,10 @@
       </p:sp>
       <p:pic>
         <p:nvPicPr>
-          <p:cNvPr id="11266" name="Picture 2">
-            <a:extLst>
-              <a:ext uri="{FF2B5EF4-FFF2-40B4-BE49-F238E27FC236}">
-                <a16:creationId xmlns:a16="http://schemas.microsoft.com/office/drawing/2014/main" id="{DB75BBEA-47B3-680A-DFA9-8F207CD4F9FB}"/>
-              </a:ext>
-            </a:extLst>
-          </p:cNvPr>
-          <p:cNvPicPr>
-            <a:picLocks noChangeAspect="1" noChangeArrowheads="1"/>
-          </p:cNvPicPr>
-          <p:nvPr/>
-        </p:nvPicPr>
-        <p:blipFill>
-          <a:blip r:embed="rId2">
-            <a:extLst>
-              <a:ext uri="{28A0092B-C50C-407E-A947-70E740481C1C}">
-                <a14:useLocalDpi xmlns:a14="http://schemas.microsoft.com/office/drawing/2010/main" val="0"/>
-              </a:ext>
-            </a:extLst>
-          </a:blip>
-          <a:srcRect/>
-          <a:stretch>
-            <a:fillRect/>
-          </a:stretch>
-        </p:blipFill>
-        <p:spPr bwMode="auto">
-          <a:xfrm>
-            <a:off x="7873633" y="1259681"/>
-            <a:ext cx="2285696" cy="5079326"/>
-          </a:xfrm>
-          <a:prstGeom prst="rect">
-            <a:avLst/>
-          </a:prstGeom>
-          <a:noFill/>
-          <a:extLst>
-            <a:ext uri="{909E8E84-426E-40DD-AFC4-6F175D3DCCD1}">
-              <a14:hiddenFill xmlns:a14="http://schemas.microsoft.com/office/drawing/2010/main">
-                <a:solidFill>
-                  <a:srgbClr val="FFFFFF"/>
-                </a:solidFill>
-              </a14:hiddenFill>
-            </a:ext>
-          </a:extLst>
-        </p:spPr>
-      </p:pic>
-      <p:pic>
-        <p:nvPicPr>
           <p:cNvPr id="5" name="Picture 4">
             <a:extLst>
               <a:ext uri="{FF2B5EF4-FFF2-40B4-BE49-F238E27FC236}">
-                <a16:creationId xmlns:a16="http://schemas.microsoft.com/office/drawing/2014/main" id="{DCFC4156-9B5C-0E9D-6399-15719A65B434}"/>
+                <a16:creationId xmlns:a16="http://schemas.microsoft.com/office/drawing/2014/main" id="{5DAC1BA8-2A6E-BE32-F89C-CE31D2781155}"/>
               </a:ext>
             </a:extLst>
           </p:cNvPr>
@@ -11104,15 +7978,15 @@
           <p:nvPr/>
         </p:nvPicPr>
         <p:blipFill>
-          <a:blip r:embed="rId3"/>
+          <a:blip r:embed="rId2"/>
           <a:stretch>
             <a:fillRect/>
           </a:stretch>
         </p:blipFill>
         <p:spPr>
           <a:xfrm>
-            <a:off x="475862" y="2673027"/>
-            <a:ext cx="6780244" cy="3602004"/>
+            <a:off x="277626" y="2367682"/>
+            <a:ext cx="11636748" cy="2682472"/>
           </a:xfrm>
           <a:prstGeom prst="rect">
             <a:avLst/>
@@ -11140,7 +8014,7 @@
 </p:sld>
 </file>
 
-<file path=ppt/slides/slide18.xml><?xml version="1.0" encoding="utf-8"?>
+<file path=ppt/slides/slide14.xml><?xml version="1.0" encoding="utf-8"?>
 <p:sld xmlns:a="http://schemas.openxmlformats.org/drawingml/2006/main" xmlns:r="http://schemas.openxmlformats.org/officeDocument/2006/relationships" xmlns:p="http://schemas.openxmlformats.org/presentationml/2006/main">
   <p:cSld>
     <p:spTree>
@@ -11448,145 +8322,6 @@
           </p:txBody>
         </p:sp>
       </p:grpSp>
-      <p:sp>
-        <p:nvSpPr>
-          <p:cNvPr id="4" name="Rectangle 3">
-            <a:extLst>
-              <a:ext uri="{FF2B5EF4-FFF2-40B4-BE49-F238E27FC236}">
-                <a16:creationId xmlns:a16="http://schemas.microsoft.com/office/drawing/2014/main" id="{90A7EB40-6CA4-DD1B-F7B1-E30D4C591AD5}"/>
-              </a:ext>
-            </a:extLst>
-          </p:cNvPr>
-          <p:cNvSpPr/>
-          <p:nvPr/>
-        </p:nvSpPr>
-        <p:spPr>
-          <a:xfrm>
-            <a:off x="25946" y="1666307"/>
-            <a:ext cx="12166054" cy="1569660"/>
-          </a:xfrm>
-          <a:prstGeom prst="rect">
-            <a:avLst/>
-          </a:prstGeom>
-        </p:spPr>
-        <p:txBody>
-          <a:bodyPr wrap="square">
-            <a:spAutoFit/>
-          </a:bodyPr>
-          <a:lstStyle/>
-          <a:p>
-            <a:pPr marL="342900" indent="-342900">
-              <a:buFont typeface="Arial" panose="020B0604020202020204" pitchFamily="34" charset="0"/>
-              <a:buChar char="•"/>
-            </a:pPr>
-            <a:r>
-              <a:rPr lang="vi-VN" sz="2400" dirty="0">
-                <a:solidFill>
-                  <a:schemeClr val="accent1"/>
-                </a:solidFill>
-              </a:rPr>
-              <a:t>Sử dụng </a:t>
-            </a:r>
-            <a:r>
-              <a:rPr lang="vi-VN" sz="2400" dirty="0" err="1">
-                <a:solidFill>
-                  <a:schemeClr val="accent1"/>
-                </a:solidFill>
-              </a:rPr>
-              <a:t>Web</a:t>
-            </a:r>
-            <a:r>
-              <a:rPr lang="vi-VN" sz="2400" dirty="0">
-                <a:solidFill>
-                  <a:schemeClr val="accent1"/>
-                </a:solidFill>
-              </a:rPr>
-              <a:t> </a:t>
-            </a:r>
-            <a:r>
-              <a:rPr lang="vi-VN" sz="2400" dirty="0" err="1">
-                <a:solidFill>
-                  <a:schemeClr val="accent1"/>
-                </a:solidFill>
-              </a:rPr>
-              <a:t>Socket</a:t>
-            </a:r>
-            <a:r>
-              <a:rPr lang="vi-VN" sz="2400" dirty="0">
-                <a:solidFill>
-                  <a:schemeClr val="accent1"/>
-                </a:solidFill>
-              </a:rPr>
-              <a:t> để thay thế. </a:t>
-            </a:r>
-            <a:endParaRPr lang="en-US" sz="2400" dirty="0">
-              <a:solidFill>
-                <a:schemeClr val="accent1"/>
-              </a:solidFill>
-            </a:endParaRPr>
-          </a:p>
-          <a:p>
-            <a:pPr marL="342900" indent="-342900">
-              <a:buFont typeface="Arial" panose="020B0604020202020204" pitchFamily="34" charset="0"/>
-              <a:buChar char="•"/>
-            </a:pPr>
-            <a:r>
-              <a:rPr lang="vi-VN" sz="2400" dirty="0">
-                <a:solidFill>
-                  <a:schemeClr val="accent1"/>
-                </a:solidFill>
-              </a:rPr>
-              <a:t>Giới hạn tần suất gửi dữ liệu từ cảm biến. </a:t>
-            </a:r>
-            <a:endParaRPr lang="en-US" sz="2400" dirty="0">
-              <a:solidFill>
-                <a:schemeClr val="accent1"/>
-              </a:solidFill>
-            </a:endParaRPr>
-          </a:p>
-          <a:p>
-            <a:pPr marL="342900" indent="-342900">
-              <a:buFont typeface="Arial" panose="020B0604020202020204" pitchFamily="34" charset="0"/>
-              <a:buChar char="•"/>
-            </a:pPr>
-            <a:r>
-              <a:rPr lang="vi-VN" sz="2400" dirty="0">
-                <a:solidFill>
-                  <a:schemeClr val="accent1"/>
-                </a:solidFill>
-              </a:rPr>
-              <a:t>Bảo mật hệ thống</a:t>
-            </a:r>
-            <a:r>
-              <a:rPr lang="en-US" sz="2400" dirty="0">
-                <a:solidFill>
-                  <a:schemeClr val="accent1"/>
-                </a:solidFill>
-              </a:rPr>
-              <a:t>.</a:t>
-            </a:r>
-          </a:p>
-          <a:p>
-            <a:pPr marL="342900" indent="-342900">
-              <a:buFont typeface="Arial" panose="020B0604020202020204" pitchFamily="34" charset="0"/>
-              <a:buChar char="•"/>
-            </a:pPr>
-            <a:r>
-              <a:rPr lang="vi-VN" sz="2400" dirty="0">
-                <a:solidFill>
-                  <a:schemeClr val="accent1"/>
-                </a:solidFill>
-              </a:rPr>
-              <a:t>Nâng cấp giao diện.</a:t>
-            </a:r>
-            <a:endParaRPr lang="en-US" sz="2400" dirty="0">
-              <a:solidFill>
-                <a:schemeClr val="accent1"/>
-              </a:solidFill>
-            </a:endParaRPr>
-          </a:p>
-        </p:txBody>
-      </p:sp>
     </p:spTree>
     <p:extLst>
       <p:ext uri="{BB962C8B-B14F-4D97-AF65-F5344CB8AC3E}">
@@ -11608,7 +8343,7 @@
 </p:sld>
 </file>
 
-<file path=ppt/slides/slide19.xml><?xml version="1.0" encoding="utf-8"?>
+<file path=ppt/slides/slide15.xml><?xml version="1.0" encoding="utf-8"?>
 <p:sld xmlns:a="http://schemas.openxmlformats.org/drawingml/2006/main" xmlns:r="http://schemas.openxmlformats.org/officeDocument/2006/relationships" xmlns:p="http://schemas.openxmlformats.org/presentationml/2006/main">
   <p:cSld>
     <p:spTree>
@@ -15467,7 +12202,7 @@
                   <a:schemeClr val="accent1"/>
                 </a:solidFill>
               </a:rPr>
-              <a:t>Yêu</a:t>
+              <a:t>Bộ</a:t>
             </a:r>
             <a:r>
               <a:rPr lang="en-US" dirty="0">
@@ -15483,7 +12218,23 @@
                   <a:schemeClr val="accent1"/>
                 </a:solidFill>
               </a:rPr>
-              <a:t>cầu</a:t>
+              <a:t>dữ</a:t>
+            </a:r>
+            <a:r>
+              <a:rPr lang="en-US" dirty="0">
+                <a:solidFill>
+                  <a:schemeClr val="accent1"/>
+                </a:solidFill>
+              </a:rPr>
+              <a:t> </a:t>
+            </a:r>
+            <a:r>
+              <a:rPr lang="en-US" dirty="0" err="1">
+                <a:solidFill>
+                  <a:schemeClr val="accent1"/>
+                </a:solidFill>
+              </a:rPr>
+              <a:t>liệu</a:t>
             </a:r>
             <a:endParaRPr lang="en-US" dirty="0">
               <a:solidFill>
@@ -15567,7 +12318,7 @@
                   <a:schemeClr val="accent1"/>
                 </a:solidFill>
               </a:rPr>
-              <a:t>Thiết</a:t>
+              <a:t>Mô</a:t>
             </a:r>
             <a:r>
               <a:rPr lang="en-US" dirty="0">
@@ -15583,7 +12334,7 @@
                   <a:schemeClr val="accent1"/>
                 </a:solidFill>
               </a:rPr>
-              <a:t>kế</a:t>
+              <a:t>hình</a:t>
             </a:r>
             <a:endParaRPr lang="en-US" dirty="0">
               <a:solidFill>
@@ -15941,8 +12692,8 @@
         </p:nvSpPr>
         <p:spPr>
           <a:xfrm>
-            <a:off x="270923" y="1408284"/>
-            <a:ext cx="8369223" cy="1200329"/>
+            <a:off x="255205" y="1408284"/>
+            <a:ext cx="11681591" cy="1200329"/>
           </a:xfrm>
           <a:prstGeom prst="rect">
             <a:avLst/>
@@ -16033,6 +12784,70 @@
                   <a:schemeClr val="accent1"/>
                 </a:solidFill>
               </a:rPr>
+              <a:t> ý </a:t>
+            </a:r>
+            <a:r>
+              <a:rPr lang="en-US" sz="2400" dirty="0" err="1">
+                <a:solidFill>
+                  <a:schemeClr val="accent1"/>
+                </a:solidFill>
+              </a:rPr>
+              <a:t>tưởng</a:t>
+            </a:r>
+            <a:r>
+              <a:rPr lang="en-US" sz="2400" dirty="0">
+                <a:solidFill>
+                  <a:schemeClr val="accent1"/>
+                </a:solidFill>
+              </a:rPr>
+              <a:t> </a:t>
+            </a:r>
+            <a:r>
+              <a:rPr lang="en-US" sz="2400" dirty="0" err="1">
+                <a:solidFill>
+                  <a:schemeClr val="accent1"/>
+                </a:solidFill>
+              </a:rPr>
+              <a:t>của</a:t>
+            </a:r>
+            <a:r>
+              <a:rPr lang="en-US" sz="2400" dirty="0">
+                <a:solidFill>
+                  <a:schemeClr val="accent1"/>
+                </a:solidFill>
+              </a:rPr>
+              <a:t> </a:t>
+            </a:r>
+            <a:r>
+              <a:rPr lang="en-US" sz="2400" dirty="0" err="1">
+                <a:solidFill>
+                  <a:schemeClr val="accent1"/>
+                </a:solidFill>
+              </a:rPr>
+              <a:t>việc</a:t>
+            </a:r>
+            <a:r>
+              <a:rPr lang="en-US" sz="2400" dirty="0">
+                <a:solidFill>
+                  <a:schemeClr val="accent1"/>
+                </a:solidFill>
+              </a:rPr>
+              <a:t> </a:t>
+            </a:r>
+            <a:r>
+              <a:rPr lang="en-US" sz="2400" dirty="0" err="1">
+                <a:solidFill>
+                  <a:schemeClr val="accent1"/>
+                </a:solidFill>
+              </a:rPr>
+              <a:t>thêm</a:t>
+            </a:r>
+            <a:r>
+              <a:rPr lang="en-US" sz="2400" dirty="0">
+                <a:solidFill>
+                  <a:schemeClr val="accent1"/>
+                </a:solidFill>
+              </a:rPr>
               <a:t> </a:t>
             </a:r>
             <a:r>
@@ -16057,7 +12872,7 @@
                   <a:schemeClr val="accent1"/>
                 </a:solidFill>
               </a:rPr>
-              <a:t>ứng</a:t>
+              <a:t>mô</a:t>
             </a:r>
             <a:r>
               <a:rPr lang="en-US" sz="2400" dirty="0">
@@ -16073,7 +12888,7 @@
                   <a:schemeClr val="accent1"/>
                 </a:solidFill>
               </a:rPr>
-              <a:t>dụng</a:t>
+              <a:t>hình</a:t>
             </a:r>
             <a:r>
               <a:rPr lang="en-US" sz="2400" dirty="0">
@@ -16089,7 +12904,7 @@
                   <a:schemeClr val="accent1"/>
                 </a:solidFill>
               </a:rPr>
-              <a:t>giúp</a:t>
+              <a:t>phát</a:t>
             </a:r>
             <a:r>
               <a:rPr lang="en-US" sz="2400" dirty="0">
@@ -16105,7 +12920,7 @@
                   <a:schemeClr val="accent1"/>
                 </a:solidFill>
               </a:rPr>
-              <a:t>thu</a:t>
+              <a:t>hiện</a:t>
             </a:r>
             <a:r>
               <a:rPr lang="en-US" sz="2400" dirty="0">
@@ -16121,7 +12936,7 @@
                   <a:schemeClr val="accent1"/>
                 </a:solidFill>
               </a:rPr>
-              <a:t>nhận</a:t>
+              <a:t>người</a:t>
             </a:r>
             <a:r>
               <a:rPr lang="en-US" sz="2400" dirty="0">
@@ -16137,7 +12952,7 @@
                   <a:schemeClr val="accent1"/>
                 </a:solidFill>
               </a:rPr>
-              <a:t>dữ</a:t>
+              <a:t>cùng</a:t>
             </a:r>
             <a:r>
               <a:rPr lang="en-US" sz="2400" dirty="0">
@@ -16153,7 +12968,7 @@
                   <a:schemeClr val="accent1"/>
                 </a:solidFill>
               </a:rPr>
-              <a:t>liệu</a:t>
+              <a:t>vị</a:t>
             </a:r>
             <a:r>
               <a:rPr lang="en-US" sz="2400" dirty="0">
@@ -16169,7 +12984,7 @@
                   <a:schemeClr val="accent1"/>
                 </a:solidFill>
               </a:rPr>
-              <a:t>và</a:t>
+              <a:t>trí</a:t>
             </a:r>
             <a:r>
               <a:rPr lang="en-US" sz="2400" dirty="0">
@@ -16185,7 +13000,7 @@
                   <a:schemeClr val="accent1"/>
                 </a:solidFill>
               </a:rPr>
-              <a:t>gửi</a:t>
+              <a:t>tương</a:t>
             </a:r>
             <a:r>
               <a:rPr lang="en-US" sz="2400" dirty="0">
@@ -16201,7 +13016,23 @@
                   <a:schemeClr val="accent1"/>
                 </a:solidFill>
               </a:rPr>
-              <a:t>lại</a:t>
+              <a:t>đối</a:t>
+            </a:r>
+            <a:r>
+              <a:rPr lang="en-US" sz="2400" dirty="0">
+                <a:solidFill>
+                  <a:schemeClr val="accent1"/>
+                </a:solidFill>
+              </a:rPr>
+              <a:t> (</a:t>
+            </a:r>
+            <a:r>
+              <a:rPr lang="en-US" sz="2400" dirty="0" err="1">
+                <a:solidFill>
+                  <a:schemeClr val="accent1"/>
+                </a:solidFill>
+              </a:rPr>
+              <a:t>bên</a:t>
             </a:r>
             <a:r>
               <a:rPr lang="en-US" sz="2400" dirty="0">
@@ -16217,7 +13048,7 @@
                   <a:schemeClr val="accent1"/>
                 </a:solidFill>
               </a:rPr>
-              <a:t>thông</a:t>
+              <a:t>trái</a:t>
             </a:r>
             <a:r>
               <a:rPr lang="en-US" sz="2400" dirty="0">
@@ -16225,7 +13056,7 @@
                   <a:schemeClr val="accent1"/>
                 </a:solidFill>
               </a:rPr>
-              <a:t> tin </a:t>
+              <a:t>, </a:t>
             </a:r>
             <a:r>
               <a:rPr lang="en-US" sz="2400" dirty="0" err="1">
@@ -16233,7 +13064,7 @@
                   <a:schemeClr val="accent1"/>
                 </a:solidFill>
               </a:rPr>
-              <a:t>về</a:t>
+              <a:t>bên</a:t>
             </a:r>
             <a:r>
               <a:rPr lang="en-US" sz="2400" dirty="0">
@@ -16249,7 +13080,7 @@
                   <a:schemeClr val="accent1"/>
                 </a:solidFill>
               </a:rPr>
-              <a:t>nhiệt</a:t>
+              <a:t>phải</a:t>
             </a:r>
             <a:r>
               <a:rPr lang="en-US" sz="2400" dirty="0">
@@ -16265,7 +13096,7 @@
                   <a:schemeClr val="accent1"/>
                 </a:solidFill>
               </a:rPr>
-              <a:t>độ</a:t>
+              <a:t>hoặc</a:t>
             </a:r>
             <a:r>
               <a:rPr lang="en-US" sz="2400" dirty="0">
@@ -16281,7 +13112,7 @@
                   <a:schemeClr val="accent1"/>
                 </a:solidFill>
               </a:rPr>
-              <a:t>và</a:t>
+              <a:t>không</a:t>
             </a:r>
             <a:r>
               <a:rPr lang="en-US" sz="2400" dirty="0">
@@ -16297,7 +13128,7 @@
                   <a:schemeClr val="accent1"/>
                 </a:solidFill>
               </a:rPr>
-              <a:t>độ</a:t>
+              <a:t>xác</a:t>
             </a:r>
             <a:r>
               <a:rPr lang="en-US" sz="2400" dirty="0">
@@ -16313,7 +13144,7 @@
                   <a:schemeClr val="accent1"/>
                 </a:solidFill>
               </a:rPr>
-              <a:t>ẩm</a:t>
+              <a:t>định</a:t>
             </a:r>
             <a:r>
               <a:rPr lang="en-US" sz="2400" dirty="0">
@@ -16329,6 +13160,22 @@
                   <a:schemeClr val="accent1"/>
                 </a:solidFill>
               </a:rPr>
+              <a:t>được</a:t>
+            </a:r>
+            <a:r>
+              <a:rPr lang="en-US" sz="2400" dirty="0">
+                <a:solidFill>
+                  <a:schemeClr val="accent1"/>
+                </a:solidFill>
+              </a:rPr>
+              <a:t>) </a:t>
+            </a:r>
+            <a:r>
+              <a:rPr lang="en-US" sz="2400" dirty="0" err="1">
+                <a:solidFill>
+                  <a:schemeClr val="accent1"/>
+                </a:solidFill>
+              </a:rPr>
               <a:t>của</a:t>
             </a:r>
             <a:r>
@@ -16345,7 +13192,7 @@
                   <a:schemeClr val="accent1"/>
                 </a:solidFill>
               </a:rPr>
-              <a:t>môi</a:t>
+              <a:t>người</a:t>
             </a:r>
             <a:r>
               <a:rPr lang="en-US" sz="2400" dirty="0">
@@ -16361,7 +13208,7 @@
                   <a:schemeClr val="accent1"/>
                 </a:solidFill>
               </a:rPr>
-              <a:t>trường</a:t>
+              <a:t>đó</a:t>
             </a:r>
             <a:r>
               <a:rPr lang="en-US" sz="2400" dirty="0">
@@ -16377,7 +13224,7 @@
                   <a:schemeClr val="accent1"/>
                 </a:solidFill>
               </a:rPr>
-              <a:t>xung</a:t>
+              <a:t>trong</a:t>
             </a:r>
             <a:r>
               <a:rPr lang="en-US" sz="2400" dirty="0">
@@ -16393,7 +13240,7 @@
                   <a:schemeClr val="accent1"/>
                 </a:solidFill>
               </a:rPr>
-              <a:t>quanh</a:t>
+              <a:t>ảnh</a:t>
             </a:r>
             <a:r>
               <a:rPr lang="en-US" sz="2400" dirty="0">
@@ -16401,7 +13248,7 @@
                   <a:schemeClr val="accent1"/>
                 </a:solidFill>
               </a:rPr>
-              <a:t>, </a:t>
+              <a:t> </a:t>
             </a:r>
             <a:r>
               <a:rPr lang="en-US" sz="2400" dirty="0" err="1">
@@ -16425,7 +13272,7 @@
                   <a:schemeClr val="accent1"/>
                 </a:solidFill>
               </a:rPr>
-              <a:t>hiển</a:t>
+              <a:t>áp</a:t>
             </a:r>
             <a:r>
               <a:rPr lang="en-US" sz="2400" dirty="0">
@@ -16441,7 +13288,7 @@
                   <a:schemeClr val="accent1"/>
                 </a:solidFill>
               </a:rPr>
-              <a:t>thị</a:t>
+              <a:t>dụng</a:t>
             </a:r>
             <a:r>
               <a:rPr lang="en-US" sz="2400" dirty="0">
@@ -16457,7 +13304,7 @@
                   <a:schemeClr val="accent1"/>
                 </a:solidFill>
               </a:rPr>
-              <a:t>dữ</a:t>
+              <a:t>vào</a:t>
             </a:r>
             <a:r>
               <a:rPr lang="en-US" sz="2400" dirty="0">
@@ -16473,7 +13320,23 @@
                   <a:schemeClr val="accent1"/>
                 </a:solidFill>
               </a:rPr>
-              <a:t>liệu</a:t>
+              <a:t>trong</a:t>
+            </a:r>
+            <a:r>
+              <a:rPr lang="en-US" sz="2400" dirty="0">
+                <a:solidFill>
+                  <a:schemeClr val="accent1"/>
+                </a:solidFill>
+              </a:rPr>
+              <a:t> vi </a:t>
+            </a:r>
+            <a:r>
+              <a:rPr lang="en-US" sz="2400" dirty="0" err="1">
+                <a:solidFill>
+                  <a:schemeClr val="accent1"/>
+                </a:solidFill>
+              </a:rPr>
+              <a:t>điều</a:t>
             </a:r>
             <a:r>
               <a:rPr lang="en-US" sz="2400" dirty="0">
@@ -16489,7 +13352,7 @@
                   <a:schemeClr val="accent1"/>
                 </a:solidFill>
               </a:rPr>
-              <a:t>đó</a:t>
+              <a:t>khiển</a:t>
             </a:r>
             <a:r>
               <a:rPr lang="en-US" sz="2400" dirty="0">
@@ -16497,55 +13360,7 @@
                   <a:schemeClr val="accent1"/>
                 </a:solidFill>
               </a:rPr>
-              <a:t> </a:t>
-            </a:r>
-            <a:r>
-              <a:rPr lang="en-US" sz="2400" dirty="0" err="1">
-                <a:solidFill>
-                  <a:schemeClr val="accent1"/>
-                </a:solidFill>
-              </a:rPr>
-              <a:t>lên</a:t>
-            </a:r>
-            <a:r>
-              <a:rPr lang="en-US" sz="2400" dirty="0">
-                <a:solidFill>
-                  <a:schemeClr val="accent1"/>
-                </a:solidFill>
-              </a:rPr>
-              <a:t> </a:t>
-            </a:r>
-            <a:r>
-              <a:rPr lang="en-US" sz="2400" dirty="0" err="1">
-                <a:solidFill>
-                  <a:schemeClr val="accent1"/>
-                </a:solidFill>
-              </a:rPr>
-              <a:t>giao</a:t>
-            </a:r>
-            <a:r>
-              <a:rPr lang="en-US" sz="2400" dirty="0">
-                <a:solidFill>
-                  <a:schemeClr val="accent1"/>
-                </a:solidFill>
-              </a:rPr>
-              <a:t> </a:t>
-            </a:r>
-            <a:r>
-              <a:rPr lang="en-US" sz="2400" dirty="0" err="1">
-                <a:solidFill>
-                  <a:schemeClr val="accent1"/>
-                </a:solidFill>
-              </a:rPr>
-              <a:t>diện</a:t>
-            </a:r>
-            <a:r>
-              <a:rPr lang="en-US" sz="2400" dirty="0">
-                <a:solidFill>
-                  <a:schemeClr val="accent1"/>
-                </a:solidFill>
-              </a:rPr>
-              <a:t>.</a:t>
+              <a:t> ESP32-CAM AI THINKER.</a:t>
             </a:r>
           </a:p>
         </p:txBody>
@@ -16899,40 +13714,10 @@
       </p:sp>
       <p:pic>
         <p:nvPicPr>
-          <p:cNvPr id="3" name="Picture 2">
+          <p:cNvPr id="1026" name="Picture 2">
             <a:extLst>
               <a:ext uri="{FF2B5EF4-FFF2-40B4-BE49-F238E27FC236}">
-                <a16:creationId xmlns:a16="http://schemas.microsoft.com/office/drawing/2014/main" id="{FC782F85-4C3B-F579-A352-C34E0D3DDB5E}"/>
-              </a:ext>
-            </a:extLst>
-          </p:cNvPr>
-          <p:cNvPicPr>
-            <a:picLocks noChangeAspect="1"/>
-          </p:cNvPicPr>
-          <p:nvPr/>
-        </p:nvPicPr>
-        <p:blipFill>
-          <a:blip r:embed="rId2"/>
-          <a:stretch>
-            <a:fillRect/>
-          </a:stretch>
-        </p:blipFill>
-        <p:spPr>
-          <a:xfrm>
-            <a:off x="1528539" y="2954668"/>
-            <a:ext cx="6226628" cy="3307896"/>
-          </a:xfrm>
-          <a:prstGeom prst="rect">
-            <a:avLst/>
-          </a:prstGeom>
-        </p:spPr>
-      </p:pic>
-      <p:pic>
-        <p:nvPicPr>
-          <p:cNvPr id="20" name="Picture 2">
-            <a:extLst>
-              <a:ext uri="{FF2B5EF4-FFF2-40B4-BE49-F238E27FC236}">
-                <a16:creationId xmlns:a16="http://schemas.microsoft.com/office/drawing/2014/main" id="{EFB3B6B2-BFBF-38C9-2790-F9455FD36A4A}"/>
+                <a16:creationId xmlns:a16="http://schemas.microsoft.com/office/drawing/2014/main" id="{40E3FB30-C00F-DA18-DCF4-D235C7CA2681}"/>
               </a:ext>
             </a:extLst>
           </p:cNvPr>
@@ -16942,7 +13727,7 @@
           <p:nvPr/>
         </p:nvPicPr>
         <p:blipFill>
-          <a:blip r:embed="rId3">
+          <a:blip r:embed="rId2">
             <a:extLst>
               <a:ext uri="{28A0092B-C50C-407E-A947-70E740481C1C}">
                 <a14:useLocalDpi xmlns:a14="http://schemas.microsoft.com/office/drawing/2010/main" val="0"/>
@@ -16956,8 +13741,8 @@
         </p:blipFill>
         <p:spPr bwMode="auto">
           <a:xfrm rot="16200000">
-            <a:off x="7524463" y="2719510"/>
-            <a:ext cx="5121562" cy="2307370"/>
+            <a:off x="4139293" y="1398699"/>
+            <a:ext cx="3086100" cy="6858000"/>
           </a:xfrm>
           <a:prstGeom prst="rect">
             <a:avLst/>
@@ -18406,10 +15191,10 @@
       </p:sp>
       <p:pic>
         <p:nvPicPr>
-          <p:cNvPr id="2" name="Picture 2">
+          <p:cNvPr id="2050" name="Picture 2">
             <a:extLst>
               <a:ext uri="{FF2B5EF4-FFF2-40B4-BE49-F238E27FC236}">
-                <a16:creationId xmlns:a16="http://schemas.microsoft.com/office/drawing/2014/main" id="{2E300053-D666-3C57-9406-3D9E3E7CD56D}"/>
+                <a16:creationId xmlns:a16="http://schemas.microsoft.com/office/drawing/2014/main" id="{AF3F0B4C-A959-6DC1-1C3B-65ED2B35EE49}"/>
               </a:ext>
             </a:extLst>
           </p:cNvPr>
@@ -18432,9 +15217,9 @@
           </a:stretch>
         </p:blipFill>
         <p:spPr bwMode="auto">
-          <a:xfrm>
-            <a:off x="1872343" y="1526154"/>
-            <a:ext cx="8447314" cy="3805692"/>
+          <a:xfrm rot="16200000">
+            <a:off x="3940630" y="-927796"/>
+            <a:ext cx="4310742" cy="9579426"/>
           </a:xfrm>
           <a:prstGeom prst="rect">
             <a:avLst/>
@@ -18728,8 +15513,8 @@
           </p:nvSpPr>
           <p:spPr>
             <a:xfrm>
-              <a:off x="4912158" y="69933"/>
-              <a:ext cx="2609625" cy="1015663"/>
+              <a:off x="4481559" y="69933"/>
+              <a:ext cx="3470823" cy="1015663"/>
             </a:xfrm>
             <a:prstGeom prst="rect">
               <a:avLst/>
@@ -18750,7 +15535,7 @@
                   </a:solidFill>
                   <a:latin typeface="+mj-lt"/>
                 </a:rPr>
-                <a:t>Yêu</a:t>
+                <a:t>Bộ</a:t>
               </a:r>
               <a:r>
                 <a:rPr lang="en-US" sz="6000" b="1" dirty="0">
@@ -18768,7 +15553,25 @@
                   </a:solidFill>
                   <a:latin typeface="+mj-lt"/>
                 </a:rPr>
-                <a:t>cầu</a:t>
+                <a:t>dữ</a:t>
+              </a:r>
+              <a:r>
+                <a:rPr lang="en-US" sz="6000" b="1" dirty="0">
+                  <a:solidFill>
+                    <a:schemeClr val="bg1"/>
+                  </a:solidFill>
+                  <a:latin typeface="+mj-lt"/>
+                </a:rPr>
+                <a:t> </a:t>
+              </a:r>
+              <a:r>
+                <a:rPr lang="en-US" sz="6000" b="1" dirty="0" err="1">
+                  <a:solidFill>
+                    <a:schemeClr val="bg1"/>
+                  </a:solidFill>
+                  <a:latin typeface="+mj-lt"/>
+                </a:rPr>
+                <a:t>liệu</a:t>
               </a:r>
               <a:endParaRPr lang="en-US" sz="6000" b="1" dirty="0">
                 <a:solidFill>
@@ -18780,12 +15583,59 @@
           </p:txBody>
         </p:sp>
       </p:grpSp>
+      <p:pic>
+        <p:nvPicPr>
+          <p:cNvPr id="3076" name="Picture 4" descr="COCO - Common Objects in Context">
+            <a:extLst>
+              <a:ext uri="{FF2B5EF4-FFF2-40B4-BE49-F238E27FC236}">
+                <a16:creationId xmlns:a16="http://schemas.microsoft.com/office/drawing/2014/main" id="{AA9242B0-727D-4F38-2009-7C8A3582EE94}"/>
+              </a:ext>
+            </a:extLst>
+          </p:cNvPr>
+          <p:cNvPicPr>
+            <a:picLocks noChangeAspect="1" noChangeArrowheads="1"/>
+          </p:cNvPicPr>
+          <p:nvPr/>
+        </p:nvPicPr>
+        <p:blipFill>
+          <a:blip r:embed="rId2">
+            <a:extLst>
+              <a:ext uri="{28A0092B-C50C-407E-A947-70E740481C1C}">
+                <a14:useLocalDpi xmlns:a14="http://schemas.microsoft.com/office/drawing/2010/main" val="0"/>
+              </a:ext>
+            </a:extLst>
+          </a:blip>
+          <a:srcRect/>
+          <a:stretch>
+            <a:fillRect/>
+          </a:stretch>
+        </p:blipFill>
+        <p:spPr bwMode="auto">
+          <a:xfrm>
+            <a:off x="745046" y="1490520"/>
+            <a:ext cx="10701908" cy="3310902"/>
+          </a:xfrm>
+          <a:prstGeom prst="rect">
+            <a:avLst/>
+          </a:prstGeom>
+          <a:noFill/>
+          <a:extLst>
+            <a:ext uri="{909E8E84-426E-40DD-AFC4-6F175D3DCCD1}">
+              <a14:hiddenFill xmlns:a14="http://schemas.microsoft.com/office/drawing/2010/main">
+                <a:solidFill>
+                  <a:srgbClr val="FFFFFF"/>
+                </a:solidFill>
+              </a14:hiddenFill>
+            </a:ext>
+          </a:extLst>
+        </p:spPr>
+      </p:pic>
       <p:sp>
         <p:nvSpPr>
-          <p:cNvPr id="3" name="Rectangle 2">
+          <p:cNvPr id="4" name="Rectangle 3">
             <a:extLst>
               <a:ext uri="{FF2B5EF4-FFF2-40B4-BE49-F238E27FC236}">
-                <a16:creationId xmlns:a16="http://schemas.microsoft.com/office/drawing/2014/main" id="{B1EF5466-6B0F-F80D-BBE5-36DD753ED1F5}"/>
+                <a16:creationId xmlns:a16="http://schemas.microsoft.com/office/drawing/2014/main" id="{8DF2807B-9348-FCAD-955B-AB97D1E50C7E}"/>
               </a:ext>
             </a:extLst>
           </p:cNvPr>
@@ -18794,8 +15644,8 @@
         </p:nvSpPr>
         <p:spPr>
           <a:xfrm>
-            <a:off x="25946" y="1666307"/>
-            <a:ext cx="12166054" cy="2739211"/>
+            <a:off x="255205" y="5032261"/>
+            <a:ext cx="11681591" cy="461665"/>
           </a:xfrm>
           <a:prstGeom prst="rect">
             <a:avLst/>
@@ -18807,967 +15657,14 @@
           </a:bodyPr>
           <a:lstStyle/>
           <a:p>
-            <a:r>
-              <a:rPr lang="en-US" sz="2800" b="1" dirty="0" err="1">
-                <a:solidFill>
-                  <a:schemeClr val="accent1"/>
-                </a:solidFill>
-              </a:rPr>
-              <a:t>Yêu</a:t>
-            </a:r>
-            <a:r>
-              <a:rPr lang="en-US" sz="2800" b="1" dirty="0">
-                <a:solidFill>
-                  <a:schemeClr val="accent1"/>
-                </a:solidFill>
-              </a:rPr>
-              <a:t> </a:t>
-            </a:r>
-            <a:r>
-              <a:rPr lang="en-US" sz="2800" b="1" dirty="0" err="1">
-                <a:solidFill>
-                  <a:schemeClr val="accent1"/>
-                </a:solidFill>
-              </a:rPr>
-              <a:t>cầu</a:t>
-            </a:r>
-            <a:r>
-              <a:rPr lang="en-US" sz="2800" b="1" dirty="0">
-                <a:solidFill>
-                  <a:schemeClr val="accent1"/>
-                </a:solidFill>
-              </a:rPr>
-              <a:t> </a:t>
-            </a:r>
-            <a:r>
-              <a:rPr lang="en-US" sz="2800" b="1" dirty="0" err="1">
-                <a:solidFill>
-                  <a:schemeClr val="accent1"/>
-                </a:solidFill>
-              </a:rPr>
-              <a:t>cơ</a:t>
-            </a:r>
-            <a:r>
-              <a:rPr lang="en-US" sz="2800" b="1" dirty="0">
-                <a:solidFill>
-                  <a:schemeClr val="accent1"/>
-                </a:solidFill>
-              </a:rPr>
-              <a:t> </a:t>
-            </a:r>
-            <a:r>
-              <a:rPr lang="en-US" sz="2800" b="1" dirty="0" err="1">
-                <a:solidFill>
-                  <a:schemeClr val="accent1"/>
-                </a:solidFill>
-              </a:rPr>
-              <a:t>bản</a:t>
-            </a:r>
-            <a:endParaRPr lang="en-US" sz="2800" b="1" dirty="0">
-              <a:solidFill>
-                <a:schemeClr val="accent1"/>
-              </a:solidFill>
-            </a:endParaRPr>
-          </a:p>
-          <a:p>
-            <a:pPr marL="342900" indent="-342900">
-              <a:buFont typeface="Arial" panose="020B0604020202020204" pitchFamily="34" charset="0"/>
-              <a:buChar char="•"/>
-            </a:pPr>
-            <a:r>
-              <a:rPr lang="en-US" sz="2400" dirty="0" err="1">
-                <a:solidFill>
-                  <a:schemeClr val="accent1"/>
-                </a:solidFill>
-              </a:rPr>
-              <a:t>Cảm</a:t>
-            </a:r>
+            <a:pPr algn="ctr"/>
             <a:r>
               <a:rPr lang="en-US" sz="2400" dirty="0">
                 <a:solidFill>
                   <a:schemeClr val="accent1"/>
                 </a:solidFill>
               </a:rPr>
-              <a:t> </a:t>
-            </a:r>
-            <a:r>
-              <a:rPr lang="en-US" sz="2400" dirty="0" err="1">
-                <a:solidFill>
-                  <a:schemeClr val="accent1"/>
-                </a:solidFill>
-              </a:rPr>
-              <a:t>biến</a:t>
-            </a:r>
-            <a:r>
-              <a:rPr lang="en-US" sz="2400" dirty="0">
-                <a:solidFill>
-                  <a:schemeClr val="accent1"/>
-                </a:solidFill>
-              </a:rPr>
-              <a:t> </a:t>
-            </a:r>
-            <a:r>
-              <a:rPr lang="en-US" sz="2400" dirty="0" err="1">
-                <a:solidFill>
-                  <a:schemeClr val="accent1"/>
-                </a:solidFill>
-              </a:rPr>
-              <a:t>có</a:t>
-            </a:r>
-            <a:r>
-              <a:rPr lang="en-US" sz="2400" dirty="0">
-                <a:solidFill>
-                  <a:schemeClr val="accent1"/>
-                </a:solidFill>
-              </a:rPr>
-              <a:t> </a:t>
-            </a:r>
-            <a:r>
-              <a:rPr lang="en-US" sz="2400" dirty="0" err="1">
-                <a:solidFill>
-                  <a:schemeClr val="accent1"/>
-                </a:solidFill>
-              </a:rPr>
-              <a:t>thể</a:t>
-            </a:r>
-            <a:r>
-              <a:rPr lang="en-US" sz="2400" dirty="0">
-                <a:solidFill>
-                  <a:schemeClr val="accent1"/>
-                </a:solidFill>
-              </a:rPr>
-              <a:t> </a:t>
-            </a:r>
-            <a:r>
-              <a:rPr lang="en-US" sz="2400" dirty="0" err="1">
-                <a:solidFill>
-                  <a:schemeClr val="accent1"/>
-                </a:solidFill>
-              </a:rPr>
-              <a:t>đọc</a:t>
-            </a:r>
-            <a:r>
-              <a:rPr lang="en-US" sz="2400" dirty="0">
-                <a:solidFill>
-                  <a:schemeClr val="accent1"/>
-                </a:solidFill>
-              </a:rPr>
-              <a:t> </a:t>
-            </a:r>
-            <a:r>
-              <a:rPr lang="en-US" sz="2400" dirty="0" err="1">
-                <a:solidFill>
-                  <a:schemeClr val="accent1"/>
-                </a:solidFill>
-              </a:rPr>
-              <a:t>được</a:t>
-            </a:r>
-            <a:r>
-              <a:rPr lang="en-US" sz="2400" dirty="0">
-                <a:solidFill>
-                  <a:schemeClr val="accent1"/>
-                </a:solidFill>
-              </a:rPr>
-              <a:t> </a:t>
-            </a:r>
-            <a:r>
-              <a:rPr lang="en-US" sz="2400" dirty="0" err="1">
-                <a:solidFill>
-                  <a:schemeClr val="accent1"/>
-                </a:solidFill>
-              </a:rPr>
-              <a:t>nhiệt</a:t>
-            </a:r>
-            <a:r>
-              <a:rPr lang="en-US" sz="2400" dirty="0">
-                <a:solidFill>
-                  <a:schemeClr val="accent1"/>
-                </a:solidFill>
-              </a:rPr>
-              <a:t> </a:t>
-            </a:r>
-            <a:r>
-              <a:rPr lang="en-US" sz="2400" dirty="0" err="1">
-                <a:solidFill>
-                  <a:schemeClr val="accent1"/>
-                </a:solidFill>
-              </a:rPr>
-              <a:t>độ</a:t>
-            </a:r>
-            <a:r>
-              <a:rPr lang="en-US" sz="2400" dirty="0">
-                <a:solidFill>
-                  <a:schemeClr val="accent1"/>
-                </a:solidFill>
-              </a:rPr>
-              <a:t>/</a:t>
-            </a:r>
-            <a:r>
-              <a:rPr lang="en-US" sz="2400" dirty="0" err="1">
-                <a:solidFill>
-                  <a:schemeClr val="accent1"/>
-                </a:solidFill>
-              </a:rPr>
-              <a:t>độ</a:t>
-            </a:r>
-            <a:r>
-              <a:rPr lang="en-US" sz="2400" dirty="0">
-                <a:solidFill>
-                  <a:schemeClr val="accent1"/>
-                </a:solidFill>
-              </a:rPr>
-              <a:t> </a:t>
-            </a:r>
-            <a:r>
-              <a:rPr lang="en-US" sz="2400" dirty="0" err="1">
-                <a:solidFill>
-                  <a:schemeClr val="accent1"/>
-                </a:solidFill>
-              </a:rPr>
-              <a:t>ẩm</a:t>
-            </a:r>
-            <a:r>
-              <a:rPr lang="en-US" sz="2400" dirty="0">
-                <a:solidFill>
-                  <a:schemeClr val="accent1"/>
-                </a:solidFill>
-              </a:rPr>
-              <a:t>.</a:t>
-            </a:r>
-          </a:p>
-          <a:p>
-            <a:pPr marL="342900" indent="-342900">
-              <a:buFont typeface="Arial" panose="020B0604020202020204" pitchFamily="34" charset="0"/>
-              <a:buChar char="•"/>
-            </a:pPr>
-            <a:r>
-              <a:rPr lang="en-US" sz="2400" dirty="0">
-                <a:solidFill>
-                  <a:schemeClr val="accent1"/>
-                </a:solidFill>
-              </a:rPr>
-              <a:t>Vi </a:t>
-            </a:r>
-            <a:r>
-              <a:rPr lang="en-US" sz="2400" dirty="0" err="1">
-                <a:solidFill>
-                  <a:schemeClr val="accent1"/>
-                </a:solidFill>
-              </a:rPr>
-              <a:t>điều</a:t>
-            </a:r>
-            <a:r>
-              <a:rPr lang="en-US" sz="2400" dirty="0">
-                <a:solidFill>
-                  <a:schemeClr val="accent1"/>
-                </a:solidFill>
-              </a:rPr>
-              <a:t> </a:t>
-            </a:r>
-            <a:r>
-              <a:rPr lang="en-US" sz="2400" dirty="0" err="1">
-                <a:solidFill>
-                  <a:schemeClr val="accent1"/>
-                </a:solidFill>
-              </a:rPr>
-              <a:t>khiển</a:t>
-            </a:r>
-            <a:r>
-              <a:rPr lang="en-US" sz="2400" dirty="0">
-                <a:solidFill>
-                  <a:schemeClr val="accent1"/>
-                </a:solidFill>
-              </a:rPr>
-              <a:t> </a:t>
-            </a:r>
-            <a:r>
-              <a:rPr lang="en-US" sz="2400" dirty="0" err="1">
-                <a:solidFill>
-                  <a:schemeClr val="accent1"/>
-                </a:solidFill>
-              </a:rPr>
-              <a:t>có</a:t>
-            </a:r>
-            <a:r>
-              <a:rPr lang="en-US" sz="2400" dirty="0">
-                <a:solidFill>
-                  <a:schemeClr val="accent1"/>
-                </a:solidFill>
-              </a:rPr>
-              <a:t> </a:t>
-            </a:r>
-            <a:r>
-              <a:rPr lang="en-US" sz="2400" dirty="0" err="1">
-                <a:solidFill>
-                  <a:schemeClr val="accent1"/>
-                </a:solidFill>
-              </a:rPr>
-              <a:t>thể</a:t>
-            </a:r>
-            <a:r>
-              <a:rPr lang="en-US" sz="2400" dirty="0">
-                <a:solidFill>
-                  <a:schemeClr val="accent1"/>
-                </a:solidFill>
-              </a:rPr>
-              <a:t> </a:t>
-            </a:r>
-            <a:r>
-              <a:rPr lang="en-US" sz="2400" dirty="0" err="1">
-                <a:solidFill>
-                  <a:schemeClr val="accent1"/>
-                </a:solidFill>
-              </a:rPr>
-              <a:t>đọc</a:t>
-            </a:r>
-            <a:r>
-              <a:rPr lang="en-US" sz="2400" dirty="0">
-                <a:solidFill>
-                  <a:schemeClr val="accent1"/>
-                </a:solidFill>
-              </a:rPr>
-              <a:t>/</a:t>
-            </a:r>
-            <a:r>
-              <a:rPr lang="en-US" sz="2400" dirty="0" err="1">
-                <a:solidFill>
-                  <a:schemeClr val="accent1"/>
-                </a:solidFill>
-              </a:rPr>
-              <a:t>hiểu</a:t>
-            </a:r>
-            <a:r>
-              <a:rPr lang="en-US" sz="2400" dirty="0">
-                <a:solidFill>
-                  <a:schemeClr val="accent1"/>
-                </a:solidFill>
-              </a:rPr>
-              <a:t> </a:t>
-            </a:r>
-            <a:r>
-              <a:rPr lang="en-US" sz="2400" dirty="0" err="1">
-                <a:solidFill>
-                  <a:schemeClr val="accent1"/>
-                </a:solidFill>
-              </a:rPr>
-              <a:t>dữ</a:t>
-            </a:r>
-            <a:r>
-              <a:rPr lang="en-US" sz="2400" dirty="0">
-                <a:solidFill>
-                  <a:schemeClr val="accent1"/>
-                </a:solidFill>
-              </a:rPr>
-              <a:t> </a:t>
-            </a:r>
-            <a:r>
-              <a:rPr lang="en-US" sz="2400" dirty="0" err="1">
-                <a:solidFill>
-                  <a:schemeClr val="accent1"/>
-                </a:solidFill>
-              </a:rPr>
-              <a:t>liệu</a:t>
-            </a:r>
-            <a:r>
-              <a:rPr lang="en-US" sz="2400" dirty="0">
-                <a:solidFill>
-                  <a:schemeClr val="accent1"/>
-                </a:solidFill>
-              </a:rPr>
-              <a:t> </a:t>
-            </a:r>
-            <a:r>
-              <a:rPr lang="en-US" sz="2400" dirty="0" err="1">
-                <a:solidFill>
-                  <a:schemeClr val="accent1"/>
-                </a:solidFill>
-              </a:rPr>
-              <a:t>từ</a:t>
-            </a:r>
-            <a:r>
-              <a:rPr lang="en-US" sz="2400" dirty="0">
-                <a:solidFill>
-                  <a:schemeClr val="accent1"/>
-                </a:solidFill>
-              </a:rPr>
-              <a:t> </a:t>
-            </a:r>
-            <a:r>
-              <a:rPr lang="en-US" sz="2400" dirty="0" err="1">
-                <a:solidFill>
-                  <a:schemeClr val="accent1"/>
-                </a:solidFill>
-              </a:rPr>
-              <a:t>cảm</a:t>
-            </a:r>
-            <a:r>
-              <a:rPr lang="en-US" sz="2400" dirty="0">
-                <a:solidFill>
-                  <a:schemeClr val="accent1"/>
-                </a:solidFill>
-              </a:rPr>
-              <a:t> </a:t>
-            </a:r>
-            <a:r>
-              <a:rPr lang="en-US" sz="2400" dirty="0" err="1">
-                <a:solidFill>
-                  <a:schemeClr val="accent1"/>
-                </a:solidFill>
-              </a:rPr>
-              <a:t>biến</a:t>
-            </a:r>
-            <a:r>
-              <a:rPr lang="en-US" sz="2400" dirty="0">
-                <a:solidFill>
-                  <a:schemeClr val="accent1"/>
-                </a:solidFill>
-              </a:rPr>
-              <a:t> </a:t>
-            </a:r>
-            <a:r>
-              <a:rPr lang="en-US" sz="2400" dirty="0" err="1">
-                <a:solidFill>
-                  <a:schemeClr val="accent1"/>
-                </a:solidFill>
-              </a:rPr>
-              <a:t>và</a:t>
-            </a:r>
-            <a:r>
-              <a:rPr lang="en-US" sz="2400" dirty="0">
-                <a:solidFill>
-                  <a:schemeClr val="accent1"/>
-                </a:solidFill>
-              </a:rPr>
-              <a:t> </a:t>
-            </a:r>
-            <a:r>
-              <a:rPr lang="en-US" sz="2400" dirty="0" err="1">
-                <a:solidFill>
-                  <a:schemeClr val="accent1"/>
-                </a:solidFill>
-              </a:rPr>
-              <a:t>gửi</a:t>
-            </a:r>
-            <a:r>
-              <a:rPr lang="en-US" sz="2400" dirty="0">
-                <a:solidFill>
-                  <a:schemeClr val="accent1"/>
-                </a:solidFill>
-              </a:rPr>
-              <a:t> </a:t>
-            </a:r>
-            <a:r>
-              <a:rPr lang="en-US" sz="2400" dirty="0" err="1">
-                <a:solidFill>
-                  <a:schemeClr val="accent1"/>
-                </a:solidFill>
-              </a:rPr>
-              <a:t>thông</a:t>
-            </a:r>
-            <a:r>
-              <a:rPr lang="en-US" sz="2400" dirty="0">
-                <a:solidFill>
-                  <a:schemeClr val="accent1"/>
-                </a:solidFill>
-              </a:rPr>
-              <a:t> tin </a:t>
-            </a:r>
-            <a:r>
-              <a:rPr lang="en-US" sz="2400" dirty="0" err="1">
-                <a:solidFill>
-                  <a:schemeClr val="accent1"/>
-                </a:solidFill>
-              </a:rPr>
-              <a:t>lên</a:t>
-            </a:r>
-            <a:r>
-              <a:rPr lang="en-US" sz="2400" dirty="0">
-                <a:solidFill>
-                  <a:schemeClr val="accent1"/>
-                </a:solidFill>
-              </a:rPr>
-              <a:t> </a:t>
-            </a:r>
-            <a:r>
-              <a:rPr lang="en-US" sz="2400" dirty="0" err="1">
-                <a:solidFill>
-                  <a:schemeClr val="accent1"/>
-                </a:solidFill>
-              </a:rPr>
-              <a:t>máy</a:t>
-            </a:r>
-            <a:r>
-              <a:rPr lang="en-US" sz="2400" dirty="0">
-                <a:solidFill>
-                  <a:schemeClr val="accent1"/>
-                </a:solidFill>
-              </a:rPr>
-              <a:t> </a:t>
-            </a:r>
-            <a:r>
-              <a:rPr lang="en-US" sz="2400" dirty="0" err="1">
-                <a:solidFill>
-                  <a:schemeClr val="accent1"/>
-                </a:solidFill>
-              </a:rPr>
-              <a:t>chủ</a:t>
-            </a:r>
-            <a:r>
-              <a:rPr lang="en-US" sz="2400" dirty="0">
-                <a:solidFill>
-                  <a:schemeClr val="accent1"/>
-                </a:solidFill>
-              </a:rPr>
-              <a:t>.</a:t>
-            </a:r>
-          </a:p>
-          <a:p>
-            <a:pPr marL="342900" indent="-342900">
-              <a:buFont typeface="Arial" panose="020B0604020202020204" pitchFamily="34" charset="0"/>
-              <a:buChar char="•"/>
-            </a:pPr>
-            <a:r>
-              <a:rPr lang="en-US" sz="2400" dirty="0" err="1">
-                <a:solidFill>
-                  <a:schemeClr val="accent1"/>
-                </a:solidFill>
-              </a:rPr>
-              <a:t>Máy</a:t>
-            </a:r>
-            <a:r>
-              <a:rPr lang="en-US" sz="2400" dirty="0">
-                <a:solidFill>
-                  <a:schemeClr val="accent1"/>
-                </a:solidFill>
-              </a:rPr>
-              <a:t> </a:t>
-            </a:r>
-            <a:r>
-              <a:rPr lang="en-US" sz="2400" dirty="0" err="1">
-                <a:solidFill>
-                  <a:schemeClr val="accent1"/>
-                </a:solidFill>
-              </a:rPr>
-              <a:t>chủ</a:t>
-            </a:r>
-            <a:r>
-              <a:rPr lang="en-US" sz="2400" dirty="0">
-                <a:solidFill>
-                  <a:schemeClr val="accent1"/>
-                </a:solidFill>
-              </a:rPr>
-              <a:t> </a:t>
-            </a:r>
-            <a:r>
-              <a:rPr lang="en-US" sz="2400" dirty="0" err="1">
-                <a:solidFill>
-                  <a:schemeClr val="accent1"/>
-                </a:solidFill>
-              </a:rPr>
-              <a:t>đọc</a:t>
-            </a:r>
-            <a:r>
-              <a:rPr lang="en-US" sz="2400" dirty="0">
-                <a:solidFill>
-                  <a:schemeClr val="accent1"/>
-                </a:solidFill>
-              </a:rPr>
-              <a:t> </a:t>
-            </a:r>
-            <a:r>
-              <a:rPr lang="en-US" sz="2400" dirty="0" err="1">
-                <a:solidFill>
-                  <a:schemeClr val="accent1"/>
-                </a:solidFill>
-              </a:rPr>
-              <a:t>và</a:t>
-            </a:r>
-            <a:r>
-              <a:rPr lang="en-US" sz="2400" dirty="0">
-                <a:solidFill>
-                  <a:schemeClr val="accent1"/>
-                </a:solidFill>
-              </a:rPr>
-              <a:t> </a:t>
-            </a:r>
-            <a:r>
-              <a:rPr lang="en-US" sz="2400" dirty="0" err="1">
-                <a:solidFill>
-                  <a:schemeClr val="accent1"/>
-                </a:solidFill>
-              </a:rPr>
-              <a:t>lưu</a:t>
-            </a:r>
-            <a:r>
-              <a:rPr lang="en-US" sz="2400" dirty="0">
-                <a:solidFill>
-                  <a:schemeClr val="accent1"/>
-                </a:solidFill>
-              </a:rPr>
-              <a:t> </a:t>
-            </a:r>
-            <a:r>
-              <a:rPr lang="en-US" sz="2400" dirty="0" err="1">
-                <a:solidFill>
-                  <a:schemeClr val="accent1"/>
-                </a:solidFill>
-              </a:rPr>
-              <a:t>trữ</a:t>
-            </a:r>
-            <a:r>
-              <a:rPr lang="en-US" sz="2400" dirty="0">
-                <a:solidFill>
-                  <a:schemeClr val="accent1"/>
-                </a:solidFill>
-              </a:rPr>
-              <a:t> </a:t>
-            </a:r>
-            <a:r>
-              <a:rPr lang="en-US" sz="2400" dirty="0" err="1">
-                <a:solidFill>
-                  <a:schemeClr val="accent1"/>
-                </a:solidFill>
-              </a:rPr>
-              <a:t>dữ</a:t>
-            </a:r>
-            <a:r>
-              <a:rPr lang="en-US" sz="2400" dirty="0">
-                <a:solidFill>
-                  <a:schemeClr val="accent1"/>
-                </a:solidFill>
-              </a:rPr>
-              <a:t> </a:t>
-            </a:r>
-            <a:r>
-              <a:rPr lang="en-US" sz="2400" dirty="0" err="1">
-                <a:solidFill>
-                  <a:schemeClr val="accent1"/>
-                </a:solidFill>
-              </a:rPr>
-              <a:t>liệu</a:t>
-            </a:r>
-            <a:r>
-              <a:rPr lang="en-US" sz="2400" dirty="0">
-                <a:solidFill>
-                  <a:schemeClr val="accent1"/>
-                </a:solidFill>
-              </a:rPr>
-              <a:t>, </a:t>
-            </a:r>
-            <a:r>
-              <a:rPr lang="en-US" sz="2400" dirty="0" err="1">
-                <a:solidFill>
-                  <a:schemeClr val="accent1"/>
-                </a:solidFill>
-              </a:rPr>
-              <a:t>đồng</a:t>
-            </a:r>
-            <a:r>
-              <a:rPr lang="en-US" sz="2400" dirty="0">
-                <a:solidFill>
-                  <a:schemeClr val="accent1"/>
-                </a:solidFill>
-              </a:rPr>
-              <a:t> </a:t>
-            </a:r>
-            <a:r>
-              <a:rPr lang="en-US" sz="2400" dirty="0" err="1">
-                <a:solidFill>
-                  <a:schemeClr val="accent1"/>
-                </a:solidFill>
-              </a:rPr>
-              <a:t>thời</a:t>
-            </a:r>
-            <a:r>
-              <a:rPr lang="en-US" sz="2400" dirty="0">
-                <a:solidFill>
-                  <a:schemeClr val="accent1"/>
-                </a:solidFill>
-              </a:rPr>
-              <a:t> </a:t>
-            </a:r>
-            <a:r>
-              <a:rPr lang="en-US" sz="2400" dirty="0" err="1">
-                <a:solidFill>
-                  <a:schemeClr val="accent1"/>
-                </a:solidFill>
-              </a:rPr>
-              <a:t>có</a:t>
-            </a:r>
-            <a:r>
-              <a:rPr lang="en-US" sz="2400" dirty="0">
-                <a:solidFill>
-                  <a:schemeClr val="accent1"/>
-                </a:solidFill>
-              </a:rPr>
-              <a:t> </a:t>
-            </a:r>
-            <a:r>
-              <a:rPr lang="en-US" sz="2400" dirty="0" err="1">
-                <a:solidFill>
-                  <a:schemeClr val="accent1"/>
-                </a:solidFill>
-              </a:rPr>
-              <a:t>một</a:t>
-            </a:r>
-            <a:r>
-              <a:rPr lang="en-US" sz="2400" dirty="0">
-                <a:solidFill>
-                  <a:schemeClr val="accent1"/>
-                </a:solidFill>
-              </a:rPr>
-              <a:t> </a:t>
-            </a:r>
-            <a:r>
-              <a:rPr lang="en-US" sz="2400" dirty="0" err="1">
-                <a:solidFill>
-                  <a:schemeClr val="accent1"/>
-                </a:solidFill>
-              </a:rPr>
-              <a:t>giao</a:t>
-            </a:r>
-            <a:r>
-              <a:rPr lang="en-US" sz="2400" dirty="0">
-                <a:solidFill>
-                  <a:schemeClr val="accent1"/>
-                </a:solidFill>
-              </a:rPr>
-              <a:t> </a:t>
-            </a:r>
-            <a:r>
-              <a:rPr lang="en-US" sz="2400" dirty="0" err="1">
-                <a:solidFill>
-                  <a:schemeClr val="accent1"/>
-                </a:solidFill>
-              </a:rPr>
-              <a:t>diện</a:t>
-            </a:r>
-            <a:r>
-              <a:rPr lang="en-US" sz="2400" dirty="0">
-                <a:solidFill>
-                  <a:schemeClr val="accent1"/>
-                </a:solidFill>
-              </a:rPr>
-              <a:t> </a:t>
-            </a:r>
-            <a:r>
-              <a:rPr lang="en-US" sz="2400" dirty="0" err="1">
-                <a:solidFill>
-                  <a:schemeClr val="accent1"/>
-                </a:solidFill>
-              </a:rPr>
-              <a:t>cho</a:t>
-            </a:r>
-            <a:r>
-              <a:rPr lang="en-US" sz="2400" dirty="0">
-                <a:solidFill>
-                  <a:schemeClr val="accent1"/>
-                </a:solidFill>
-              </a:rPr>
-              <a:t> </a:t>
-            </a:r>
-            <a:r>
-              <a:rPr lang="en-US" sz="2400" dirty="0" err="1">
-                <a:solidFill>
-                  <a:schemeClr val="accent1"/>
-                </a:solidFill>
-              </a:rPr>
-              <a:t>người</a:t>
-            </a:r>
-            <a:r>
-              <a:rPr lang="en-US" sz="2400" dirty="0">
-                <a:solidFill>
-                  <a:schemeClr val="accent1"/>
-                </a:solidFill>
-              </a:rPr>
-              <a:t> </a:t>
-            </a:r>
-            <a:r>
-              <a:rPr lang="en-US" sz="2400" dirty="0" err="1">
-                <a:solidFill>
-                  <a:schemeClr val="accent1"/>
-                </a:solidFill>
-              </a:rPr>
-              <a:t>dùng</a:t>
-            </a:r>
-            <a:r>
-              <a:rPr lang="en-US" sz="2400" dirty="0">
-                <a:solidFill>
-                  <a:schemeClr val="accent1"/>
-                </a:solidFill>
-              </a:rPr>
-              <a:t>.</a:t>
-            </a:r>
-          </a:p>
-          <a:p>
-            <a:r>
-              <a:rPr lang="en-US" sz="2400" b="1" dirty="0" err="1">
-                <a:solidFill>
-                  <a:schemeClr val="accent1"/>
-                </a:solidFill>
-              </a:rPr>
-              <a:t>Yêu</a:t>
-            </a:r>
-            <a:r>
-              <a:rPr lang="en-US" sz="2400" b="1" dirty="0">
-                <a:solidFill>
-                  <a:schemeClr val="accent1"/>
-                </a:solidFill>
-              </a:rPr>
-              <a:t> </a:t>
-            </a:r>
-            <a:r>
-              <a:rPr lang="en-US" sz="2400" b="1" dirty="0" err="1">
-                <a:solidFill>
-                  <a:schemeClr val="accent1"/>
-                </a:solidFill>
-              </a:rPr>
-              <a:t>cầu</a:t>
-            </a:r>
-            <a:r>
-              <a:rPr lang="en-US" sz="2400" b="1" dirty="0">
-                <a:solidFill>
-                  <a:schemeClr val="accent1"/>
-                </a:solidFill>
-              </a:rPr>
-              <a:t> </a:t>
-            </a:r>
-            <a:r>
-              <a:rPr lang="en-US" sz="2400" b="1" dirty="0" err="1">
-                <a:solidFill>
-                  <a:schemeClr val="accent1"/>
-                </a:solidFill>
-              </a:rPr>
-              <a:t>nâng</a:t>
-            </a:r>
-            <a:r>
-              <a:rPr lang="en-US" sz="2400" b="1" dirty="0">
-                <a:solidFill>
-                  <a:schemeClr val="accent1"/>
-                </a:solidFill>
-              </a:rPr>
-              <a:t> </a:t>
-            </a:r>
-            <a:r>
-              <a:rPr lang="en-US" sz="2400" b="1" dirty="0" err="1">
-                <a:solidFill>
-                  <a:schemeClr val="accent1"/>
-                </a:solidFill>
-              </a:rPr>
-              <a:t>cao</a:t>
-            </a:r>
-            <a:endParaRPr lang="en-US" sz="2400" b="1" dirty="0">
-              <a:solidFill>
-                <a:schemeClr val="accent1"/>
-              </a:solidFill>
-            </a:endParaRPr>
-          </a:p>
-          <a:p>
-            <a:pPr marL="342900" indent="-342900">
-              <a:buFont typeface="Arial" panose="020B0604020202020204" pitchFamily="34" charset="0"/>
-              <a:buChar char="•"/>
-            </a:pPr>
-            <a:r>
-              <a:rPr lang="en-US" sz="2400" dirty="0" err="1">
-                <a:solidFill>
-                  <a:schemeClr val="accent1"/>
-                </a:solidFill>
-              </a:rPr>
-              <a:t>Bảo</a:t>
-            </a:r>
-            <a:r>
-              <a:rPr lang="en-US" sz="2400" dirty="0">
-                <a:solidFill>
-                  <a:schemeClr val="accent1"/>
-                </a:solidFill>
-              </a:rPr>
-              <a:t> </a:t>
-            </a:r>
-            <a:r>
-              <a:rPr lang="en-US" sz="2400" dirty="0" err="1">
-                <a:solidFill>
-                  <a:schemeClr val="accent1"/>
-                </a:solidFill>
-              </a:rPr>
-              <a:t>mật</a:t>
-            </a:r>
-            <a:r>
-              <a:rPr lang="en-US" sz="2400" dirty="0">
-                <a:solidFill>
-                  <a:schemeClr val="accent1"/>
-                </a:solidFill>
-              </a:rPr>
-              <a:t>. (</a:t>
-            </a:r>
-            <a:r>
-              <a:rPr lang="en-US" sz="2400" dirty="0" err="1">
-                <a:solidFill>
-                  <a:schemeClr val="accent1"/>
-                </a:solidFill>
-              </a:rPr>
-              <a:t>chưa</a:t>
-            </a:r>
-            <a:r>
-              <a:rPr lang="en-US" sz="2400" dirty="0">
-                <a:solidFill>
-                  <a:schemeClr val="accent1"/>
-                </a:solidFill>
-              </a:rPr>
-              <a:t> </a:t>
-            </a:r>
-            <a:r>
-              <a:rPr lang="en-US" sz="2400" dirty="0" err="1">
-                <a:solidFill>
-                  <a:schemeClr val="accent1"/>
-                </a:solidFill>
-              </a:rPr>
-              <a:t>đạt</a:t>
-            </a:r>
-            <a:r>
-              <a:rPr lang="en-US" sz="2400" dirty="0">
-                <a:solidFill>
-                  <a:schemeClr val="accent1"/>
-                </a:solidFill>
-              </a:rPr>
-              <a:t>)</a:t>
-            </a:r>
-          </a:p>
-          <a:p>
-            <a:pPr marL="342900" indent="-342900">
-              <a:buFont typeface="Arial" panose="020B0604020202020204" pitchFamily="34" charset="0"/>
-              <a:buChar char="•"/>
-            </a:pPr>
-            <a:r>
-              <a:rPr lang="en-US" sz="2400" dirty="0" err="1">
-                <a:solidFill>
-                  <a:schemeClr val="accent1"/>
-                </a:solidFill>
-              </a:rPr>
-              <a:t>Mở</a:t>
-            </a:r>
-            <a:r>
-              <a:rPr lang="en-US" sz="2400" dirty="0">
-                <a:solidFill>
-                  <a:schemeClr val="accent1"/>
-                </a:solidFill>
-              </a:rPr>
-              <a:t> </a:t>
-            </a:r>
-            <a:r>
-              <a:rPr lang="en-US" sz="2400" dirty="0" err="1">
-                <a:solidFill>
-                  <a:schemeClr val="accent1"/>
-                </a:solidFill>
-              </a:rPr>
-              <a:t>rộng</a:t>
-            </a:r>
-            <a:r>
-              <a:rPr lang="en-US" sz="2400" dirty="0">
-                <a:solidFill>
-                  <a:schemeClr val="accent1"/>
-                </a:solidFill>
-              </a:rPr>
-              <a:t>.</a:t>
+              <a:t>MSCOCO 2014</a:t>
             </a:r>
           </a:p>
         </p:txBody>
@@ -19794,6 +15691,1086 @@
 </file>
 
 <file path=ppt/slides/slide6.xml><?xml version="1.0" encoding="utf-8"?>
+<p:sld xmlns:a="http://schemas.openxmlformats.org/drawingml/2006/main" xmlns:r="http://schemas.openxmlformats.org/officeDocument/2006/relationships" xmlns:p="http://schemas.openxmlformats.org/presentationml/2006/main">
+  <p:cSld>
+    <p:spTree>
+      <p:nvGrpSpPr>
+        <p:cNvPr id="1" name=""/>
+        <p:cNvGrpSpPr/>
+        <p:nvPr/>
+      </p:nvGrpSpPr>
+      <p:grpSpPr>
+        <a:xfrm>
+          <a:off x="0" y="0"/>
+          <a:ext cx="0" cy="0"/>
+          <a:chOff x="0" y="0"/>
+          <a:chExt cx="0" cy="0"/>
+        </a:xfrm>
+      </p:grpSpPr>
+      <p:sp>
+        <p:nvSpPr>
+          <p:cNvPr id="20" name="Freeform: Shape 19">
+            <a:extLst>
+              <a:ext uri="{FF2B5EF4-FFF2-40B4-BE49-F238E27FC236}">
+                <a16:creationId xmlns:a16="http://schemas.microsoft.com/office/drawing/2014/main" id="{57DD0ACC-4BDE-4C74-B23E-3BEAD910C0DA}"/>
+              </a:ext>
+            </a:extLst>
+          </p:cNvPr>
+          <p:cNvSpPr/>
+          <p:nvPr/>
+        </p:nvSpPr>
+        <p:spPr>
+          <a:xfrm>
+            <a:off x="11446954" y="621316"/>
+            <a:ext cx="228600" cy="228600"/>
+          </a:xfrm>
+          <a:custGeom>
+            <a:avLst/>
+            <a:gdLst>
+              <a:gd name="connsiteX0" fmla="*/ 222218 w 228600"/>
+              <a:gd name="connsiteY0" fmla="*/ 114681 h 228600"/>
+              <a:gd name="connsiteX1" fmla="*/ 114680 w 228600"/>
+              <a:gd name="connsiteY1" fmla="*/ 222218 h 228600"/>
+              <a:gd name="connsiteX2" fmla="*/ 7143 w 228600"/>
+              <a:gd name="connsiteY2" fmla="*/ 114681 h 228600"/>
+              <a:gd name="connsiteX3" fmla="*/ 114680 w 228600"/>
+              <a:gd name="connsiteY3" fmla="*/ 7144 h 228600"/>
+              <a:gd name="connsiteX4" fmla="*/ 222218 w 228600"/>
+              <a:gd name="connsiteY4" fmla="*/ 114681 h 228600"/>
+            </a:gdLst>
+            <a:ahLst/>
+            <a:cxnLst>
+              <a:cxn ang="0">
+                <a:pos x="connsiteX0" y="connsiteY0"/>
+              </a:cxn>
+              <a:cxn ang="0">
+                <a:pos x="connsiteX1" y="connsiteY1"/>
+              </a:cxn>
+              <a:cxn ang="0">
+                <a:pos x="connsiteX2" y="connsiteY2"/>
+              </a:cxn>
+              <a:cxn ang="0">
+                <a:pos x="connsiteX3" y="connsiteY3"/>
+              </a:cxn>
+              <a:cxn ang="0">
+                <a:pos x="connsiteX4" y="connsiteY4"/>
+              </a:cxn>
+            </a:cxnLst>
+            <a:rect l="l" t="t" r="r" b="b"/>
+            <a:pathLst>
+              <a:path w="228600" h="228600">
+                <a:moveTo>
+                  <a:pt x="222218" y="114681"/>
+                </a:moveTo>
+                <a:cubicBezTo>
+                  <a:pt x="222218" y="174072"/>
+                  <a:pt x="174072" y="222218"/>
+                  <a:pt x="114680" y="222218"/>
+                </a:cubicBezTo>
+                <a:cubicBezTo>
+                  <a:pt x="55289" y="222218"/>
+                  <a:pt x="7143" y="174072"/>
+                  <a:pt x="7143" y="114681"/>
+                </a:cubicBezTo>
+                <a:cubicBezTo>
+                  <a:pt x="7143" y="55290"/>
+                  <a:pt x="55289" y="7144"/>
+                  <a:pt x="114680" y="7144"/>
+                </a:cubicBezTo>
+                <a:cubicBezTo>
+                  <a:pt x="174072" y="7144"/>
+                  <a:pt x="222218" y="55290"/>
+                  <a:pt x="222218" y="114681"/>
+                </a:cubicBezTo>
+                <a:close/>
+              </a:path>
+            </a:pathLst>
+          </a:custGeom>
+          <a:solidFill>
+            <a:srgbClr val="FFC947"/>
+          </a:solidFill>
+          <a:ln w="9525" cap="flat">
+            <a:noFill/>
+            <a:prstDash val="solid"/>
+            <a:miter/>
+          </a:ln>
+        </p:spPr>
+        <p:txBody>
+          <a:bodyPr rtlCol="0" anchor="ctr"/>
+          <a:lstStyle/>
+          <a:p>
+            <a:endParaRPr lang="en-US"/>
+          </a:p>
+        </p:txBody>
+      </p:sp>
+      <p:grpSp>
+        <p:nvGrpSpPr>
+          <p:cNvPr id="2" name="Group 1">
+            <a:extLst>
+              <a:ext uri="{FF2B5EF4-FFF2-40B4-BE49-F238E27FC236}">
+                <a16:creationId xmlns:a16="http://schemas.microsoft.com/office/drawing/2014/main" id="{517534A5-EF7C-44F2-A4D2-B5A06D74FF29}"/>
+              </a:ext>
+            </a:extLst>
+          </p:cNvPr>
+          <p:cNvGrpSpPr/>
+          <p:nvPr/>
+        </p:nvGrpSpPr>
+        <p:grpSpPr>
+          <a:xfrm>
+            <a:off x="4178300" y="-7144"/>
+            <a:ext cx="4051300" cy="1266825"/>
+            <a:chOff x="4178300" y="-7144"/>
+            <a:chExt cx="4051300" cy="1266825"/>
+          </a:xfrm>
+        </p:grpSpPr>
+        <p:sp>
+          <p:nvSpPr>
+            <p:cNvPr id="8" name="Freeform: Shape 7">
+              <a:extLst>
+                <a:ext uri="{FF2B5EF4-FFF2-40B4-BE49-F238E27FC236}">
+                  <a16:creationId xmlns:a16="http://schemas.microsoft.com/office/drawing/2014/main" id="{476EF7DD-17FF-4BFF-B026-99B4E8C9A712}"/>
+                </a:ext>
+              </a:extLst>
+            </p:cNvPr>
+            <p:cNvSpPr/>
+            <p:nvPr/>
+          </p:nvSpPr>
+          <p:spPr>
+            <a:xfrm>
+              <a:off x="4178300" y="-7144"/>
+              <a:ext cx="4051300" cy="1266825"/>
+            </a:xfrm>
+            <a:custGeom>
+              <a:avLst/>
+              <a:gdLst>
+                <a:gd name="connsiteX0" fmla="*/ 3253264 w 3543300"/>
+                <a:gd name="connsiteY0" fmla="*/ 1263968 h 1266825"/>
+                <a:gd name="connsiteX1" fmla="*/ 292894 w 3543300"/>
+                <a:gd name="connsiteY1" fmla="*/ 1263968 h 1266825"/>
+                <a:gd name="connsiteX2" fmla="*/ 7144 w 3543300"/>
+                <a:gd name="connsiteY2" fmla="*/ 978218 h 1266825"/>
+                <a:gd name="connsiteX3" fmla="*/ 7144 w 3543300"/>
+                <a:gd name="connsiteY3" fmla="*/ 7144 h 1266825"/>
+                <a:gd name="connsiteX4" fmla="*/ 3539014 w 3543300"/>
+                <a:gd name="connsiteY4" fmla="*/ 7144 h 1266825"/>
+                <a:gd name="connsiteX5" fmla="*/ 3539014 w 3543300"/>
+                <a:gd name="connsiteY5" fmla="*/ 978218 h 1266825"/>
+                <a:gd name="connsiteX6" fmla="*/ 3253264 w 3543300"/>
+                <a:gd name="connsiteY6" fmla="*/ 1263968 h 1266825"/>
+              </a:gdLst>
+              <a:ahLst/>
+              <a:cxnLst>
+                <a:cxn ang="0">
+                  <a:pos x="connsiteX0" y="connsiteY0"/>
+                </a:cxn>
+                <a:cxn ang="0">
+                  <a:pos x="connsiteX1" y="connsiteY1"/>
+                </a:cxn>
+                <a:cxn ang="0">
+                  <a:pos x="connsiteX2" y="connsiteY2"/>
+                </a:cxn>
+                <a:cxn ang="0">
+                  <a:pos x="connsiteX3" y="connsiteY3"/>
+                </a:cxn>
+                <a:cxn ang="0">
+                  <a:pos x="connsiteX4" y="connsiteY4"/>
+                </a:cxn>
+                <a:cxn ang="0">
+                  <a:pos x="connsiteX5" y="connsiteY5"/>
+                </a:cxn>
+                <a:cxn ang="0">
+                  <a:pos x="connsiteX6" y="connsiteY6"/>
+                </a:cxn>
+              </a:cxnLst>
+              <a:rect l="l" t="t" r="r" b="b"/>
+              <a:pathLst>
+                <a:path w="3543300" h="1266825">
+                  <a:moveTo>
+                    <a:pt x="3253264" y="1263968"/>
+                  </a:moveTo>
+                  <a:lnTo>
+                    <a:pt x="292894" y="1263968"/>
+                  </a:lnTo>
+                  <a:cubicBezTo>
+                    <a:pt x="135064" y="1263968"/>
+                    <a:pt x="7144" y="1136047"/>
+                    <a:pt x="7144" y="978218"/>
+                  </a:cubicBezTo>
+                  <a:lnTo>
+                    <a:pt x="7144" y="7144"/>
+                  </a:lnTo>
+                  <a:lnTo>
+                    <a:pt x="3539014" y="7144"/>
+                  </a:lnTo>
+                  <a:lnTo>
+                    <a:pt x="3539014" y="978218"/>
+                  </a:lnTo>
+                  <a:cubicBezTo>
+                    <a:pt x="3539014" y="1136047"/>
+                    <a:pt x="3411093" y="1263968"/>
+                    <a:pt x="3253264" y="1263968"/>
+                  </a:cubicBezTo>
+                  <a:close/>
+                </a:path>
+              </a:pathLst>
+            </a:custGeom>
+            <a:solidFill>
+              <a:srgbClr val="0A1931"/>
+            </a:solidFill>
+            <a:ln w="9525" cap="flat">
+              <a:noFill/>
+              <a:prstDash val="solid"/>
+              <a:miter/>
+            </a:ln>
+          </p:spPr>
+          <p:txBody>
+            <a:bodyPr rtlCol="0" anchor="ctr"/>
+            <a:lstStyle/>
+            <a:p>
+              <a:pPr algn="ctr"/>
+              <a:endParaRPr lang="en-US" b="1" dirty="0"/>
+            </a:p>
+          </p:txBody>
+        </p:sp>
+        <p:sp>
+          <p:nvSpPr>
+            <p:cNvPr id="32" name="TextBox 31">
+              <a:extLst>
+                <a:ext uri="{FF2B5EF4-FFF2-40B4-BE49-F238E27FC236}">
+                  <a16:creationId xmlns:a16="http://schemas.microsoft.com/office/drawing/2014/main" id="{F8999262-5267-4978-9C63-12E591013E47}"/>
+                </a:ext>
+              </a:extLst>
+            </p:cNvPr>
+            <p:cNvSpPr txBox="1"/>
+            <p:nvPr/>
+          </p:nvSpPr>
+          <p:spPr>
+            <a:xfrm>
+              <a:off x="4481559" y="69933"/>
+              <a:ext cx="3470823" cy="1015663"/>
+            </a:xfrm>
+            <a:prstGeom prst="rect">
+              <a:avLst/>
+            </a:prstGeom>
+            <a:noFill/>
+          </p:spPr>
+          <p:txBody>
+            <a:bodyPr wrap="none" rtlCol="0">
+              <a:spAutoFit/>
+            </a:bodyPr>
+            <a:lstStyle/>
+            <a:p>
+              <a:pPr algn="ctr"/>
+              <a:r>
+                <a:rPr lang="en-US" sz="6000" b="1" dirty="0" err="1">
+                  <a:solidFill>
+                    <a:schemeClr val="bg1"/>
+                  </a:solidFill>
+                  <a:latin typeface="+mj-lt"/>
+                </a:rPr>
+                <a:t>Bộ</a:t>
+              </a:r>
+              <a:r>
+                <a:rPr lang="en-US" sz="6000" b="1" dirty="0">
+                  <a:solidFill>
+                    <a:schemeClr val="bg1"/>
+                  </a:solidFill>
+                  <a:latin typeface="+mj-lt"/>
+                </a:rPr>
+                <a:t> </a:t>
+              </a:r>
+              <a:r>
+                <a:rPr lang="en-US" sz="6000" b="1" dirty="0" err="1">
+                  <a:solidFill>
+                    <a:schemeClr val="bg1"/>
+                  </a:solidFill>
+                  <a:latin typeface="+mj-lt"/>
+                </a:rPr>
+                <a:t>dữ</a:t>
+              </a:r>
+              <a:r>
+                <a:rPr lang="en-US" sz="6000" b="1" dirty="0">
+                  <a:solidFill>
+                    <a:schemeClr val="bg1"/>
+                  </a:solidFill>
+                  <a:latin typeface="+mj-lt"/>
+                </a:rPr>
+                <a:t> </a:t>
+              </a:r>
+              <a:r>
+                <a:rPr lang="en-US" sz="6000" b="1" dirty="0" err="1">
+                  <a:solidFill>
+                    <a:schemeClr val="bg1"/>
+                  </a:solidFill>
+                  <a:latin typeface="+mj-lt"/>
+                </a:rPr>
+                <a:t>liệu</a:t>
+              </a:r>
+              <a:endParaRPr lang="en-US" sz="6000" b="1" dirty="0">
+                <a:solidFill>
+                  <a:schemeClr val="bg1"/>
+                </a:solidFill>
+                <a:latin typeface="+mj-lt"/>
+              </a:endParaRPr>
+            </a:p>
+          </p:txBody>
+        </p:sp>
+      </p:grpSp>
+      <p:pic>
+        <p:nvPicPr>
+          <p:cNvPr id="4098" name="Picture 2" descr="Visual Wake Words Dataset | Papers With Code">
+            <a:extLst>
+              <a:ext uri="{FF2B5EF4-FFF2-40B4-BE49-F238E27FC236}">
+                <a16:creationId xmlns:a16="http://schemas.microsoft.com/office/drawing/2014/main" id="{9E640872-3930-A96F-BB5B-2970E1B80B20}"/>
+              </a:ext>
+            </a:extLst>
+          </p:cNvPr>
+          <p:cNvPicPr>
+            <a:picLocks noChangeAspect="1" noChangeArrowheads="1"/>
+          </p:cNvPicPr>
+          <p:nvPr/>
+        </p:nvPicPr>
+        <p:blipFill>
+          <a:blip r:embed="rId2">
+            <a:extLst>
+              <a:ext uri="{28A0092B-C50C-407E-A947-70E740481C1C}">
+                <a14:useLocalDpi xmlns:a14="http://schemas.microsoft.com/office/drawing/2010/main" val="0"/>
+              </a:ext>
+            </a:extLst>
+          </a:blip>
+          <a:srcRect/>
+          <a:stretch>
+            <a:fillRect/>
+          </a:stretch>
+        </p:blipFill>
+        <p:spPr bwMode="auto">
+          <a:xfrm>
+            <a:off x="1534886" y="1378119"/>
+            <a:ext cx="9122228" cy="4602504"/>
+          </a:xfrm>
+          <a:prstGeom prst="rect">
+            <a:avLst/>
+          </a:prstGeom>
+          <a:noFill/>
+          <a:extLst>
+            <a:ext uri="{909E8E84-426E-40DD-AFC4-6F175D3DCCD1}">
+              <a14:hiddenFill xmlns:a14="http://schemas.microsoft.com/office/drawing/2010/main">
+                <a:solidFill>
+                  <a:srgbClr val="FFFFFF"/>
+                </a:solidFill>
+              </a14:hiddenFill>
+            </a:ext>
+          </a:extLst>
+        </p:spPr>
+      </p:pic>
+      <p:sp>
+        <p:nvSpPr>
+          <p:cNvPr id="3" name="Rectangle 2">
+            <a:extLst>
+              <a:ext uri="{FF2B5EF4-FFF2-40B4-BE49-F238E27FC236}">
+                <a16:creationId xmlns:a16="http://schemas.microsoft.com/office/drawing/2014/main" id="{B57F5131-7F78-337E-29D5-ED20FE8DC11A}"/>
+              </a:ext>
+            </a:extLst>
+          </p:cNvPr>
+          <p:cNvSpPr/>
+          <p:nvPr/>
+        </p:nvSpPr>
+        <p:spPr>
+          <a:xfrm>
+            <a:off x="255205" y="6092542"/>
+            <a:ext cx="11681591" cy="461665"/>
+          </a:xfrm>
+          <a:prstGeom prst="rect">
+            <a:avLst/>
+          </a:prstGeom>
+        </p:spPr>
+        <p:txBody>
+          <a:bodyPr wrap="square">
+            <a:spAutoFit/>
+          </a:bodyPr>
+          <a:lstStyle/>
+          <a:p>
+            <a:pPr algn="ctr"/>
+            <a:r>
+              <a:rPr lang="en-US" sz="2400" dirty="0">
+                <a:solidFill>
+                  <a:schemeClr val="accent1"/>
+                </a:solidFill>
+              </a:rPr>
+              <a:t>Visual Wake Words</a:t>
+            </a:r>
+          </a:p>
+        </p:txBody>
+      </p:sp>
+    </p:spTree>
+    <p:extLst>
+      <p:ext uri="{BB962C8B-B14F-4D97-AF65-F5344CB8AC3E}">
+        <p14:creationId xmlns:p14="http://schemas.microsoft.com/office/powerpoint/2010/main" val="786911379"/>
+      </p:ext>
+    </p:extLst>
+  </p:cSld>
+  <p:clrMapOvr>
+    <a:masterClrMapping/>
+  </p:clrMapOvr>
+  <mc:AlternateContent xmlns:mc="http://schemas.openxmlformats.org/markup-compatibility/2006" xmlns:p14="http://schemas.microsoft.com/office/powerpoint/2010/main">
+    <mc:Choice Requires="p14">
+      <p:transition p14:dur="0"/>
+    </mc:Choice>
+    <mc:Fallback xmlns="">
+      <p:transition/>
+    </mc:Fallback>
+  </mc:AlternateContent>
+</p:sld>
+</file>
+
+<file path=ppt/slides/slide7.xml><?xml version="1.0" encoding="utf-8"?>
+<p:sld xmlns:a="http://schemas.openxmlformats.org/drawingml/2006/main" xmlns:r="http://schemas.openxmlformats.org/officeDocument/2006/relationships" xmlns:p="http://schemas.openxmlformats.org/presentationml/2006/main">
+  <p:cSld>
+    <p:spTree>
+      <p:nvGrpSpPr>
+        <p:cNvPr id="1" name=""/>
+        <p:cNvGrpSpPr/>
+        <p:nvPr/>
+      </p:nvGrpSpPr>
+      <p:grpSpPr>
+        <a:xfrm>
+          <a:off x="0" y="0"/>
+          <a:ext cx="0" cy="0"/>
+          <a:chOff x="0" y="0"/>
+          <a:chExt cx="0" cy="0"/>
+        </a:xfrm>
+      </p:grpSpPr>
+      <p:sp>
+        <p:nvSpPr>
+          <p:cNvPr id="20" name="Freeform: Shape 19">
+            <a:extLst>
+              <a:ext uri="{FF2B5EF4-FFF2-40B4-BE49-F238E27FC236}">
+                <a16:creationId xmlns:a16="http://schemas.microsoft.com/office/drawing/2014/main" id="{57DD0ACC-4BDE-4C74-B23E-3BEAD910C0DA}"/>
+              </a:ext>
+            </a:extLst>
+          </p:cNvPr>
+          <p:cNvSpPr/>
+          <p:nvPr/>
+        </p:nvSpPr>
+        <p:spPr>
+          <a:xfrm>
+            <a:off x="11446954" y="621316"/>
+            <a:ext cx="228600" cy="228600"/>
+          </a:xfrm>
+          <a:custGeom>
+            <a:avLst/>
+            <a:gdLst>
+              <a:gd name="connsiteX0" fmla="*/ 222218 w 228600"/>
+              <a:gd name="connsiteY0" fmla="*/ 114681 h 228600"/>
+              <a:gd name="connsiteX1" fmla="*/ 114680 w 228600"/>
+              <a:gd name="connsiteY1" fmla="*/ 222218 h 228600"/>
+              <a:gd name="connsiteX2" fmla="*/ 7143 w 228600"/>
+              <a:gd name="connsiteY2" fmla="*/ 114681 h 228600"/>
+              <a:gd name="connsiteX3" fmla="*/ 114680 w 228600"/>
+              <a:gd name="connsiteY3" fmla="*/ 7144 h 228600"/>
+              <a:gd name="connsiteX4" fmla="*/ 222218 w 228600"/>
+              <a:gd name="connsiteY4" fmla="*/ 114681 h 228600"/>
+            </a:gdLst>
+            <a:ahLst/>
+            <a:cxnLst>
+              <a:cxn ang="0">
+                <a:pos x="connsiteX0" y="connsiteY0"/>
+              </a:cxn>
+              <a:cxn ang="0">
+                <a:pos x="connsiteX1" y="connsiteY1"/>
+              </a:cxn>
+              <a:cxn ang="0">
+                <a:pos x="connsiteX2" y="connsiteY2"/>
+              </a:cxn>
+              <a:cxn ang="0">
+                <a:pos x="connsiteX3" y="connsiteY3"/>
+              </a:cxn>
+              <a:cxn ang="0">
+                <a:pos x="connsiteX4" y="connsiteY4"/>
+              </a:cxn>
+            </a:cxnLst>
+            <a:rect l="l" t="t" r="r" b="b"/>
+            <a:pathLst>
+              <a:path w="228600" h="228600">
+                <a:moveTo>
+                  <a:pt x="222218" y="114681"/>
+                </a:moveTo>
+                <a:cubicBezTo>
+                  <a:pt x="222218" y="174072"/>
+                  <a:pt x="174072" y="222218"/>
+                  <a:pt x="114680" y="222218"/>
+                </a:cubicBezTo>
+                <a:cubicBezTo>
+                  <a:pt x="55289" y="222218"/>
+                  <a:pt x="7143" y="174072"/>
+                  <a:pt x="7143" y="114681"/>
+                </a:cubicBezTo>
+                <a:cubicBezTo>
+                  <a:pt x="7143" y="55290"/>
+                  <a:pt x="55289" y="7144"/>
+                  <a:pt x="114680" y="7144"/>
+                </a:cubicBezTo>
+                <a:cubicBezTo>
+                  <a:pt x="174072" y="7144"/>
+                  <a:pt x="222218" y="55290"/>
+                  <a:pt x="222218" y="114681"/>
+                </a:cubicBezTo>
+                <a:close/>
+              </a:path>
+            </a:pathLst>
+          </a:custGeom>
+          <a:solidFill>
+            <a:srgbClr val="FFC947"/>
+          </a:solidFill>
+          <a:ln w="9525" cap="flat">
+            <a:noFill/>
+            <a:prstDash val="solid"/>
+            <a:miter/>
+          </a:ln>
+        </p:spPr>
+        <p:txBody>
+          <a:bodyPr rtlCol="0" anchor="ctr"/>
+          <a:lstStyle/>
+          <a:p>
+            <a:endParaRPr lang="en-US"/>
+          </a:p>
+        </p:txBody>
+      </p:sp>
+      <p:grpSp>
+        <p:nvGrpSpPr>
+          <p:cNvPr id="2" name="Group 1">
+            <a:extLst>
+              <a:ext uri="{FF2B5EF4-FFF2-40B4-BE49-F238E27FC236}">
+                <a16:creationId xmlns:a16="http://schemas.microsoft.com/office/drawing/2014/main" id="{517534A5-EF7C-44F2-A4D2-B5A06D74FF29}"/>
+              </a:ext>
+            </a:extLst>
+          </p:cNvPr>
+          <p:cNvGrpSpPr/>
+          <p:nvPr/>
+        </p:nvGrpSpPr>
+        <p:grpSpPr>
+          <a:xfrm>
+            <a:off x="4178300" y="-7144"/>
+            <a:ext cx="4051300" cy="1266825"/>
+            <a:chOff x="4178300" y="-7144"/>
+            <a:chExt cx="4051300" cy="1266825"/>
+          </a:xfrm>
+        </p:grpSpPr>
+        <p:sp>
+          <p:nvSpPr>
+            <p:cNvPr id="8" name="Freeform: Shape 7">
+              <a:extLst>
+                <a:ext uri="{FF2B5EF4-FFF2-40B4-BE49-F238E27FC236}">
+                  <a16:creationId xmlns:a16="http://schemas.microsoft.com/office/drawing/2014/main" id="{476EF7DD-17FF-4BFF-B026-99B4E8C9A712}"/>
+                </a:ext>
+              </a:extLst>
+            </p:cNvPr>
+            <p:cNvSpPr/>
+            <p:nvPr/>
+          </p:nvSpPr>
+          <p:spPr>
+            <a:xfrm>
+              <a:off x="4178300" y="-7144"/>
+              <a:ext cx="4051300" cy="1266825"/>
+            </a:xfrm>
+            <a:custGeom>
+              <a:avLst/>
+              <a:gdLst>
+                <a:gd name="connsiteX0" fmla="*/ 3253264 w 3543300"/>
+                <a:gd name="connsiteY0" fmla="*/ 1263968 h 1266825"/>
+                <a:gd name="connsiteX1" fmla="*/ 292894 w 3543300"/>
+                <a:gd name="connsiteY1" fmla="*/ 1263968 h 1266825"/>
+                <a:gd name="connsiteX2" fmla="*/ 7144 w 3543300"/>
+                <a:gd name="connsiteY2" fmla="*/ 978218 h 1266825"/>
+                <a:gd name="connsiteX3" fmla="*/ 7144 w 3543300"/>
+                <a:gd name="connsiteY3" fmla="*/ 7144 h 1266825"/>
+                <a:gd name="connsiteX4" fmla="*/ 3539014 w 3543300"/>
+                <a:gd name="connsiteY4" fmla="*/ 7144 h 1266825"/>
+                <a:gd name="connsiteX5" fmla="*/ 3539014 w 3543300"/>
+                <a:gd name="connsiteY5" fmla="*/ 978218 h 1266825"/>
+                <a:gd name="connsiteX6" fmla="*/ 3253264 w 3543300"/>
+                <a:gd name="connsiteY6" fmla="*/ 1263968 h 1266825"/>
+              </a:gdLst>
+              <a:ahLst/>
+              <a:cxnLst>
+                <a:cxn ang="0">
+                  <a:pos x="connsiteX0" y="connsiteY0"/>
+                </a:cxn>
+                <a:cxn ang="0">
+                  <a:pos x="connsiteX1" y="connsiteY1"/>
+                </a:cxn>
+                <a:cxn ang="0">
+                  <a:pos x="connsiteX2" y="connsiteY2"/>
+                </a:cxn>
+                <a:cxn ang="0">
+                  <a:pos x="connsiteX3" y="connsiteY3"/>
+                </a:cxn>
+                <a:cxn ang="0">
+                  <a:pos x="connsiteX4" y="connsiteY4"/>
+                </a:cxn>
+                <a:cxn ang="0">
+                  <a:pos x="connsiteX5" y="connsiteY5"/>
+                </a:cxn>
+                <a:cxn ang="0">
+                  <a:pos x="connsiteX6" y="connsiteY6"/>
+                </a:cxn>
+              </a:cxnLst>
+              <a:rect l="l" t="t" r="r" b="b"/>
+              <a:pathLst>
+                <a:path w="3543300" h="1266825">
+                  <a:moveTo>
+                    <a:pt x="3253264" y="1263968"/>
+                  </a:moveTo>
+                  <a:lnTo>
+                    <a:pt x="292894" y="1263968"/>
+                  </a:lnTo>
+                  <a:cubicBezTo>
+                    <a:pt x="135064" y="1263968"/>
+                    <a:pt x="7144" y="1136047"/>
+                    <a:pt x="7144" y="978218"/>
+                  </a:cubicBezTo>
+                  <a:lnTo>
+                    <a:pt x="7144" y="7144"/>
+                  </a:lnTo>
+                  <a:lnTo>
+                    <a:pt x="3539014" y="7144"/>
+                  </a:lnTo>
+                  <a:lnTo>
+                    <a:pt x="3539014" y="978218"/>
+                  </a:lnTo>
+                  <a:cubicBezTo>
+                    <a:pt x="3539014" y="1136047"/>
+                    <a:pt x="3411093" y="1263968"/>
+                    <a:pt x="3253264" y="1263968"/>
+                  </a:cubicBezTo>
+                  <a:close/>
+                </a:path>
+              </a:pathLst>
+            </a:custGeom>
+            <a:solidFill>
+              <a:srgbClr val="0A1931"/>
+            </a:solidFill>
+            <a:ln w="9525" cap="flat">
+              <a:noFill/>
+              <a:prstDash val="solid"/>
+              <a:miter/>
+            </a:ln>
+          </p:spPr>
+          <p:txBody>
+            <a:bodyPr rtlCol="0" anchor="ctr"/>
+            <a:lstStyle/>
+            <a:p>
+              <a:pPr algn="ctr"/>
+              <a:endParaRPr lang="en-US" b="1" dirty="0"/>
+            </a:p>
+          </p:txBody>
+        </p:sp>
+        <p:sp>
+          <p:nvSpPr>
+            <p:cNvPr id="32" name="TextBox 31">
+              <a:extLst>
+                <a:ext uri="{FF2B5EF4-FFF2-40B4-BE49-F238E27FC236}">
+                  <a16:creationId xmlns:a16="http://schemas.microsoft.com/office/drawing/2014/main" id="{F8999262-5267-4978-9C63-12E591013E47}"/>
+                </a:ext>
+              </a:extLst>
+            </p:cNvPr>
+            <p:cNvSpPr txBox="1"/>
+            <p:nvPr/>
+          </p:nvSpPr>
+          <p:spPr>
+            <a:xfrm>
+              <a:off x="4481559" y="69933"/>
+              <a:ext cx="3470823" cy="1015663"/>
+            </a:xfrm>
+            <a:prstGeom prst="rect">
+              <a:avLst/>
+            </a:prstGeom>
+            <a:noFill/>
+          </p:spPr>
+          <p:txBody>
+            <a:bodyPr wrap="none" rtlCol="0">
+              <a:spAutoFit/>
+            </a:bodyPr>
+            <a:lstStyle/>
+            <a:p>
+              <a:pPr algn="ctr"/>
+              <a:r>
+                <a:rPr lang="en-US" sz="6000" b="1" dirty="0" err="1">
+                  <a:solidFill>
+                    <a:schemeClr val="bg1"/>
+                  </a:solidFill>
+                  <a:latin typeface="+mj-lt"/>
+                </a:rPr>
+                <a:t>Bộ</a:t>
+              </a:r>
+              <a:r>
+                <a:rPr lang="en-US" sz="6000" b="1" dirty="0">
+                  <a:solidFill>
+                    <a:schemeClr val="bg1"/>
+                  </a:solidFill>
+                  <a:latin typeface="+mj-lt"/>
+                </a:rPr>
+                <a:t> </a:t>
+              </a:r>
+              <a:r>
+                <a:rPr lang="en-US" sz="6000" b="1" dirty="0" err="1">
+                  <a:solidFill>
+                    <a:schemeClr val="bg1"/>
+                  </a:solidFill>
+                  <a:latin typeface="+mj-lt"/>
+                </a:rPr>
+                <a:t>dữ</a:t>
+              </a:r>
+              <a:r>
+                <a:rPr lang="en-US" sz="6000" b="1" dirty="0">
+                  <a:solidFill>
+                    <a:schemeClr val="bg1"/>
+                  </a:solidFill>
+                  <a:latin typeface="+mj-lt"/>
+                </a:rPr>
+                <a:t> </a:t>
+              </a:r>
+              <a:r>
+                <a:rPr lang="en-US" sz="6000" b="1" dirty="0" err="1">
+                  <a:solidFill>
+                    <a:schemeClr val="bg1"/>
+                  </a:solidFill>
+                  <a:latin typeface="+mj-lt"/>
+                </a:rPr>
+                <a:t>liệu</a:t>
+              </a:r>
+              <a:endParaRPr lang="en-US" sz="6000" b="1" dirty="0">
+                <a:solidFill>
+                  <a:schemeClr val="bg1"/>
+                </a:solidFill>
+                <a:latin typeface="+mj-lt"/>
+              </a:endParaRPr>
+            </a:p>
+          </p:txBody>
+        </p:sp>
+      </p:grpSp>
+      <p:pic>
+        <p:nvPicPr>
+          <p:cNvPr id="9" name="Picture 8" descr="A person looking through a window&#10;&#10;Description automatically generated">
+            <a:extLst>
+              <a:ext uri="{FF2B5EF4-FFF2-40B4-BE49-F238E27FC236}">
+                <a16:creationId xmlns:a16="http://schemas.microsoft.com/office/drawing/2014/main" id="{8371114B-5AA4-AF4C-06BA-032678AC951F}"/>
+              </a:ext>
+            </a:extLst>
+          </p:cNvPr>
+          <p:cNvPicPr>
+            <a:picLocks noChangeAspect="1"/>
+          </p:cNvPicPr>
+          <p:nvPr/>
+        </p:nvPicPr>
+        <p:blipFill>
+          <a:blip r:embed="rId2">
+            <a:extLst>
+              <a:ext uri="{28A0092B-C50C-407E-A947-70E740481C1C}">
+                <a14:useLocalDpi xmlns:a14="http://schemas.microsoft.com/office/drawing/2010/main" val="0"/>
+              </a:ext>
+            </a:extLst>
+          </a:blip>
+          <a:stretch>
+            <a:fillRect/>
+          </a:stretch>
+        </p:blipFill>
+        <p:spPr>
+          <a:xfrm>
+            <a:off x="6536616" y="1881348"/>
+            <a:ext cx="5138938" cy="1847092"/>
+          </a:xfrm>
+          <a:prstGeom prst="rect">
+            <a:avLst/>
+          </a:prstGeom>
+        </p:spPr>
+      </p:pic>
+      <p:pic>
+        <p:nvPicPr>
+          <p:cNvPr id="11" name="Picture 10" descr="A collage of a person and a child&#10;&#10;Description automatically generated">
+            <a:extLst>
+              <a:ext uri="{FF2B5EF4-FFF2-40B4-BE49-F238E27FC236}">
+                <a16:creationId xmlns:a16="http://schemas.microsoft.com/office/drawing/2014/main" id="{B0CC7109-74A5-54F4-411B-5DE1AFB73B6D}"/>
+              </a:ext>
+            </a:extLst>
+          </p:cNvPr>
+          <p:cNvPicPr>
+            <a:picLocks noChangeAspect="1"/>
+          </p:cNvPicPr>
+          <p:nvPr/>
+        </p:nvPicPr>
+        <p:blipFill>
+          <a:blip r:embed="rId3">
+            <a:extLst>
+              <a:ext uri="{28A0092B-C50C-407E-A947-70E740481C1C}">
+                <a14:useLocalDpi xmlns:a14="http://schemas.microsoft.com/office/drawing/2010/main" val="0"/>
+              </a:ext>
+            </a:extLst>
+          </a:blip>
+          <a:stretch>
+            <a:fillRect/>
+          </a:stretch>
+        </p:blipFill>
+        <p:spPr>
+          <a:xfrm>
+            <a:off x="6518328" y="4759872"/>
+            <a:ext cx="5175514" cy="1335027"/>
+          </a:xfrm>
+          <a:prstGeom prst="rect">
+            <a:avLst/>
+          </a:prstGeom>
+        </p:spPr>
+      </p:pic>
+      <p:pic>
+        <p:nvPicPr>
+          <p:cNvPr id="13" name="Picture 12" descr="A comparison of a double decker bus&#10;&#10;Description automatically generated">
+            <a:extLst>
+              <a:ext uri="{FF2B5EF4-FFF2-40B4-BE49-F238E27FC236}">
+                <a16:creationId xmlns:a16="http://schemas.microsoft.com/office/drawing/2014/main" id="{20369AC8-4824-D9C5-6E66-66565D0062E4}"/>
+              </a:ext>
+            </a:extLst>
+          </p:cNvPr>
+          <p:cNvPicPr>
+            <a:picLocks noChangeAspect="1"/>
+          </p:cNvPicPr>
+          <p:nvPr/>
+        </p:nvPicPr>
+        <p:blipFill>
+          <a:blip r:embed="rId4">
+            <a:extLst>
+              <a:ext uri="{28A0092B-C50C-407E-A947-70E740481C1C}">
+                <a14:useLocalDpi xmlns:a14="http://schemas.microsoft.com/office/drawing/2010/main" val="0"/>
+              </a:ext>
+            </a:extLst>
+          </a:blip>
+          <a:stretch>
+            <a:fillRect/>
+          </a:stretch>
+        </p:blipFill>
+        <p:spPr>
+          <a:xfrm>
+            <a:off x="793324" y="1881348"/>
+            <a:ext cx="5175514" cy="1417323"/>
+          </a:xfrm>
+          <a:prstGeom prst="rect">
+            <a:avLst/>
+          </a:prstGeom>
+        </p:spPr>
+      </p:pic>
+      <p:pic>
+        <p:nvPicPr>
+          <p:cNvPr id="15" name="Picture 14" descr="A train passing through a city&#10;&#10;Description automatically generated with medium confidence">
+            <a:extLst>
+              <a:ext uri="{FF2B5EF4-FFF2-40B4-BE49-F238E27FC236}">
+                <a16:creationId xmlns:a16="http://schemas.microsoft.com/office/drawing/2014/main" id="{7B6C5BEE-BC0B-BAF5-23EE-035B6A785E90}"/>
+              </a:ext>
+            </a:extLst>
+          </p:cNvPr>
+          <p:cNvPicPr>
+            <a:picLocks noChangeAspect="1"/>
+          </p:cNvPicPr>
+          <p:nvPr/>
+        </p:nvPicPr>
+        <p:blipFill>
+          <a:blip r:embed="rId5">
+            <a:extLst>
+              <a:ext uri="{28A0092B-C50C-407E-A947-70E740481C1C}">
+                <a14:useLocalDpi xmlns:a14="http://schemas.microsoft.com/office/drawing/2010/main" val="0"/>
+              </a:ext>
+            </a:extLst>
+          </a:blip>
+          <a:stretch>
+            <a:fillRect/>
+          </a:stretch>
+        </p:blipFill>
+        <p:spPr>
+          <a:xfrm>
+            <a:off x="694779" y="4448976"/>
+            <a:ext cx="5120650" cy="1645923"/>
+          </a:xfrm>
+          <a:prstGeom prst="rect">
+            <a:avLst/>
+          </a:prstGeom>
+        </p:spPr>
+      </p:pic>
+      <p:sp>
+        <p:nvSpPr>
+          <p:cNvPr id="16" name="Rectangle 15">
+            <a:extLst>
+              <a:ext uri="{FF2B5EF4-FFF2-40B4-BE49-F238E27FC236}">
+                <a16:creationId xmlns:a16="http://schemas.microsoft.com/office/drawing/2014/main" id="{88AF1520-80DF-C716-B8CF-210ECAF9A0FA}"/>
+              </a:ext>
+            </a:extLst>
+          </p:cNvPr>
+          <p:cNvSpPr/>
+          <p:nvPr/>
+        </p:nvSpPr>
+        <p:spPr>
+          <a:xfrm>
+            <a:off x="539094" y="3598347"/>
+            <a:ext cx="5713633" cy="461665"/>
+          </a:xfrm>
+          <a:prstGeom prst="rect">
+            <a:avLst/>
+          </a:prstGeom>
+        </p:spPr>
+        <p:txBody>
+          <a:bodyPr wrap="square">
+            <a:spAutoFit/>
+          </a:bodyPr>
+          <a:lstStyle/>
+          <a:p>
+            <a:pPr algn="ctr"/>
+            <a:r>
+              <a:rPr lang="en-US" sz="2400" dirty="0">
+                <a:solidFill>
+                  <a:schemeClr val="accent1"/>
+                </a:solidFill>
+              </a:rPr>
+              <a:t>Left</a:t>
+            </a:r>
+          </a:p>
+        </p:txBody>
+      </p:sp>
+      <p:sp>
+        <p:nvSpPr>
+          <p:cNvPr id="17" name="Rectangle 16">
+            <a:extLst>
+              <a:ext uri="{FF2B5EF4-FFF2-40B4-BE49-F238E27FC236}">
+                <a16:creationId xmlns:a16="http://schemas.microsoft.com/office/drawing/2014/main" id="{7609EE1C-2A12-6740-2C2A-48558FE016BF}"/>
+              </a:ext>
+            </a:extLst>
+          </p:cNvPr>
+          <p:cNvSpPr/>
+          <p:nvPr/>
+        </p:nvSpPr>
+        <p:spPr>
+          <a:xfrm>
+            <a:off x="382367" y="6094899"/>
+            <a:ext cx="5713633" cy="461665"/>
+          </a:xfrm>
+          <a:prstGeom prst="rect">
+            <a:avLst/>
+          </a:prstGeom>
+        </p:spPr>
+        <p:txBody>
+          <a:bodyPr wrap="square">
+            <a:spAutoFit/>
+          </a:bodyPr>
+          <a:lstStyle/>
+          <a:p>
+            <a:pPr algn="ctr"/>
+            <a:r>
+              <a:rPr lang="en-US" sz="2400" dirty="0">
+                <a:solidFill>
+                  <a:schemeClr val="accent1"/>
+                </a:solidFill>
+              </a:rPr>
+              <a:t>No</a:t>
+            </a:r>
+          </a:p>
+        </p:txBody>
+      </p:sp>
+      <p:sp>
+        <p:nvSpPr>
+          <p:cNvPr id="18" name="Rectangle 17">
+            <a:extLst>
+              <a:ext uri="{FF2B5EF4-FFF2-40B4-BE49-F238E27FC236}">
+                <a16:creationId xmlns:a16="http://schemas.microsoft.com/office/drawing/2014/main" id="{65368E16-3E45-590F-C46C-A39A257850AC}"/>
+              </a:ext>
+            </a:extLst>
+          </p:cNvPr>
+          <p:cNvSpPr/>
+          <p:nvPr/>
+        </p:nvSpPr>
+        <p:spPr>
+          <a:xfrm>
+            <a:off x="6216970" y="6220032"/>
+            <a:ext cx="5713633" cy="461665"/>
+          </a:xfrm>
+          <a:prstGeom prst="rect">
+            <a:avLst/>
+          </a:prstGeom>
+        </p:spPr>
+        <p:txBody>
+          <a:bodyPr wrap="square">
+            <a:spAutoFit/>
+          </a:bodyPr>
+          <a:lstStyle/>
+          <a:p>
+            <a:pPr algn="ctr"/>
+            <a:r>
+              <a:rPr lang="en-US" sz="2400" dirty="0">
+                <a:solidFill>
+                  <a:schemeClr val="accent1"/>
+                </a:solidFill>
+              </a:rPr>
+              <a:t>Both</a:t>
+            </a:r>
+          </a:p>
+        </p:txBody>
+      </p:sp>
+      <p:sp>
+        <p:nvSpPr>
+          <p:cNvPr id="19" name="Rectangle 18">
+            <a:extLst>
+              <a:ext uri="{FF2B5EF4-FFF2-40B4-BE49-F238E27FC236}">
+                <a16:creationId xmlns:a16="http://schemas.microsoft.com/office/drawing/2014/main" id="{CB081D64-063C-3BAC-56D8-52EA4412BAA4}"/>
+              </a:ext>
+            </a:extLst>
+          </p:cNvPr>
+          <p:cNvSpPr/>
+          <p:nvPr/>
+        </p:nvSpPr>
+        <p:spPr>
+          <a:xfrm>
+            <a:off x="6096000" y="3829179"/>
+            <a:ext cx="5713633" cy="461665"/>
+          </a:xfrm>
+          <a:prstGeom prst="rect">
+            <a:avLst/>
+          </a:prstGeom>
+        </p:spPr>
+        <p:txBody>
+          <a:bodyPr wrap="square">
+            <a:spAutoFit/>
+          </a:bodyPr>
+          <a:lstStyle/>
+          <a:p>
+            <a:pPr algn="ctr"/>
+            <a:r>
+              <a:rPr lang="en-US" sz="2400" dirty="0">
+                <a:solidFill>
+                  <a:schemeClr val="accent1"/>
+                </a:solidFill>
+              </a:rPr>
+              <a:t>Right</a:t>
+            </a:r>
+          </a:p>
+        </p:txBody>
+      </p:sp>
+    </p:spTree>
+    <p:extLst>
+      <p:ext uri="{BB962C8B-B14F-4D97-AF65-F5344CB8AC3E}">
+        <p14:creationId xmlns:p14="http://schemas.microsoft.com/office/powerpoint/2010/main" val="1528985677"/>
+      </p:ext>
+    </p:extLst>
+  </p:cSld>
+  <p:clrMapOvr>
+    <a:masterClrMapping/>
+  </p:clrMapOvr>
+  <mc:AlternateContent xmlns:mc="http://schemas.openxmlformats.org/markup-compatibility/2006" xmlns:p14="http://schemas.microsoft.com/office/powerpoint/2010/main">
+    <mc:Choice Requires="p14">
+      <p:transition p14:dur="0"/>
+    </mc:Choice>
+    <mc:Fallback xmlns="">
+      <p:transition/>
+    </mc:Fallback>
+  </mc:AlternateContent>
+</p:sld>
+</file>
+
+<file path=ppt/slides/slide8.xml><?xml version="1.0" encoding="utf-8"?>
 <p:sld xmlns:a="http://schemas.openxmlformats.org/drawingml/2006/main" xmlns:r="http://schemas.openxmlformats.org/officeDocument/2006/relationships" xmlns:p="http://schemas.openxmlformats.org/presentationml/2006/main">
   <p:cSld>
     <p:spTree>
@@ -20688,8 +17665,8 @@
         </p:nvSpPr>
         <p:spPr>
           <a:xfrm>
-            <a:off x="4852983" y="69933"/>
-            <a:ext cx="2727991" cy="1015663"/>
+            <a:off x="4778926" y="69933"/>
+            <a:ext cx="2876108" cy="1015663"/>
           </a:xfrm>
           <a:prstGeom prst="rect">
             <a:avLst/>
@@ -20710,7 +17687,7 @@
                 </a:solidFill>
                 <a:latin typeface="+mj-lt"/>
               </a:rPr>
-              <a:t>Thiết</a:t>
+              <a:t>Mô</a:t>
             </a:r>
             <a:r>
               <a:rPr lang="en-US" sz="6000" b="1" dirty="0">
@@ -20728,7 +17705,7 @@
                 </a:solidFill>
                 <a:latin typeface="+mj-lt"/>
               </a:rPr>
-              <a:t>kế</a:t>
+              <a:t>hình</a:t>
             </a:r>
             <a:endParaRPr lang="en-US" sz="6000" b="1" dirty="0">
               <a:solidFill>
@@ -20739,871 +17716,12 @@
           </a:p>
         </p:txBody>
       </p:sp>
-      <p:sp>
-        <p:nvSpPr>
-          <p:cNvPr id="2" name="Rectangle 1">
+      <p:pic>
+        <p:nvPicPr>
+          <p:cNvPr id="5122" name="Picture 2" descr="The architecture of MobileNet V1 [30]. | Download Scientific Diagram">
             <a:extLst>
               <a:ext uri="{FF2B5EF4-FFF2-40B4-BE49-F238E27FC236}">
-                <a16:creationId xmlns:a16="http://schemas.microsoft.com/office/drawing/2014/main" id="{825CAA1B-B1BF-530A-5492-9E48222FD45F}"/>
-              </a:ext>
-            </a:extLst>
-          </p:cNvPr>
-          <p:cNvSpPr/>
-          <p:nvPr/>
-        </p:nvSpPr>
-        <p:spPr>
-          <a:xfrm>
-            <a:off x="25946" y="1666307"/>
-            <a:ext cx="12166054" cy="2369880"/>
-          </a:xfrm>
-          <a:prstGeom prst="rect">
-            <a:avLst/>
-          </a:prstGeom>
-        </p:spPr>
-        <p:txBody>
-          <a:bodyPr wrap="square">
-            <a:spAutoFit/>
-          </a:bodyPr>
-          <a:lstStyle/>
-          <a:p>
-            <a:r>
-              <a:rPr lang="en-US" sz="2800" b="1" dirty="0">
-                <a:solidFill>
-                  <a:schemeClr val="accent1"/>
-                </a:solidFill>
-                <a:latin typeface="Tahoma" panose="020B0604030504040204" pitchFamily="34" charset="0"/>
-                <a:ea typeface="Tahoma" panose="020B0604030504040204" pitchFamily="34" charset="0"/>
-                <a:cs typeface="Tahoma" panose="020B0604030504040204" pitchFamily="34" charset="0"/>
-              </a:rPr>
-              <a:t>3 </a:t>
-            </a:r>
-            <a:r>
-              <a:rPr lang="en-US" sz="2800" b="1" dirty="0" err="1">
-                <a:solidFill>
-                  <a:schemeClr val="accent1"/>
-                </a:solidFill>
-                <a:latin typeface="Tahoma" panose="020B0604030504040204" pitchFamily="34" charset="0"/>
-                <a:ea typeface="Tahoma" panose="020B0604030504040204" pitchFamily="34" charset="0"/>
-                <a:cs typeface="Tahoma" panose="020B0604030504040204" pitchFamily="34" charset="0"/>
-              </a:rPr>
-              <a:t>thành</a:t>
-            </a:r>
-            <a:r>
-              <a:rPr lang="en-US" sz="2800" b="1" dirty="0">
-                <a:solidFill>
-                  <a:schemeClr val="accent1"/>
-                </a:solidFill>
-                <a:latin typeface="Tahoma" panose="020B0604030504040204" pitchFamily="34" charset="0"/>
-                <a:ea typeface="Tahoma" panose="020B0604030504040204" pitchFamily="34" charset="0"/>
-                <a:cs typeface="Tahoma" panose="020B0604030504040204" pitchFamily="34" charset="0"/>
-              </a:rPr>
-              <a:t> </a:t>
-            </a:r>
-            <a:r>
-              <a:rPr lang="en-US" sz="2800" b="1" dirty="0" err="1">
-                <a:solidFill>
-                  <a:schemeClr val="accent1"/>
-                </a:solidFill>
-                <a:latin typeface="Tahoma" panose="020B0604030504040204" pitchFamily="34" charset="0"/>
-                <a:ea typeface="Tahoma" panose="020B0604030504040204" pitchFamily="34" charset="0"/>
-                <a:cs typeface="Tahoma" panose="020B0604030504040204" pitchFamily="34" charset="0"/>
-              </a:rPr>
-              <a:t>phần</a:t>
-            </a:r>
-            <a:r>
-              <a:rPr lang="en-US" sz="2800" b="1" dirty="0">
-                <a:solidFill>
-                  <a:schemeClr val="accent1"/>
-                </a:solidFill>
-                <a:latin typeface="Tahoma" panose="020B0604030504040204" pitchFamily="34" charset="0"/>
-                <a:ea typeface="Tahoma" panose="020B0604030504040204" pitchFamily="34" charset="0"/>
-                <a:cs typeface="Tahoma" panose="020B0604030504040204" pitchFamily="34" charset="0"/>
-              </a:rPr>
-              <a:t>:</a:t>
-            </a:r>
-          </a:p>
-          <a:p>
-            <a:pPr marL="342900" indent="-342900">
-              <a:buFont typeface="Arial" panose="020B0604020202020204" pitchFamily="34" charset="0"/>
-              <a:buChar char="•"/>
-            </a:pPr>
-            <a:r>
-              <a:rPr lang="vi-VN" sz="2400" dirty="0">
-                <a:solidFill>
-                  <a:schemeClr val="accent1"/>
-                </a:solidFill>
-                <a:latin typeface="Tahoma" panose="020B0604030504040204" pitchFamily="34" charset="0"/>
-                <a:ea typeface="Tahoma" panose="020B0604030504040204" pitchFamily="34" charset="0"/>
-                <a:cs typeface="Tahoma" panose="020B0604030504040204" pitchFamily="34" charset="0"/>
-              </a:rPr>
-              <a:t>Cảm biến: </a:t>
-            </a:r>
-            <a:r>
-              <a:rPr lang="en-US" sz="2400" dirty="0">
-                <a:solidFill>
-                  <a:schemeClr val="accent1"/>
-                </a:solidFill>
-                <a:latin typeface="Tahoma" panose="020B0604030504040204" pitchFamily="34" charset="0"/>
-                <a:ea typeface="Tahoma" panose="020B0604030504040204" pitchFamily="34" charset="0"/>
-                <a:cs typeface="Tahoma" panose="020B0604030504040204" pitchFamily="34" charset="0"/>
-              </a:rPr>
-              <a:t>T</a:t>
-            </a:r>
-            <a:r>
-              <a:rPr lang="vi-VN" sz="2400" dirty="0">
-                <a:solidFill>
-                  <a:schemeClr val="accent1"/>
-                </a:solidFill>
-                <a:latin typeface="Tahoma" panose="020B0604030504040204" pitchFamily="34" charset="0"/>
-                <a:ea typeface="Tahoma" panose="020B0604030504040204" pitchFamily="34" charset="0"/>
-                <a:cs typeface="Tahoma" panose="020B0604030504040204" pitchFamily="34" charset="0"/>
-              </a:rPr>
-              <a:t>hu thập thông tin từ môi trường và gửi đến máy chủ.</a:t>
-            </a:r>
-            <a:r>
-              <a:rPr lang="en-US" sz="2400" dirty="0">
-                <a:solidFill>
-                  <a:schemeClr val="accent1"/>
-                </a:solidFill>
-                <a:latin typeface="Tahoma" panose="020B0604030504040204" pitchFamily="34" charset="0"/>
-                <a:ea typeface="Tahoma" panose="020B0604030504040204" pitchFamily="34" charset="0"/>
-                <a:cs typeface="Tahoma" panose="020B0604030504040204" pitchFamily="34" charset="0"/>
-              </a:rPr>
-              <a:t> Bao </a:t>
-            </a:r>
-            <a:r>
-              <a:rPr lang="en-US" sz="2400" dirty="0" err="1">
-                <a:solidFill>
-                  <a:schemeClr val="accent1"/>
-                </a:solidFill>
-                <a:latin typeface="Tahoma" panose="020B0604030504040204" pitchFamily="34" charset="0"/>
-                <a:ea typeface="Tahoma" panose="020B0604030504040204" pitchFamily="34" charset="0"/>
-                <a:cs typeface="Tahoma" panose="020B0604030504040204" pitchFamily="34" charset="0"/>
-              </a:rPr>
-              <a:t>gồm</a:t>
-            </a:r>
-            <a:r>
-              <a:rPr lang="en-US" sz="2400" dirty="0">
-                <a:solidFill>
-                  <a:schemeClr val="accent1"/>
-                </a:solidFill>
-                <a:latin typeface="Tahoma" panose="020B0604030504040204" pitchFamily="34" charset="0"/>
-                <a:ea typeface="Tahoma" panose="020B0604030504040204" pitchFamily="34" charset="0"/>
-                <a:cs typeface="Tahoma" panose="020B0604030504040204" pitchFamily="34" charset="0"/>
-              </a:rPr>
-              <a:t> vi </a:t>
-            </a:r>
-            <a:r>
-              <a:rPr lang="en-US" sz="2400" dirty="0" err="1">
-                <a:solidFill>
-                  <a:schemeClr val="accent1"/>
-                </a:solidFill>
-                <a:latin typeface="Tahoma" panose="020B0604030504040204" pitchFamily="34" charset="0"/>
-                <a:ea typeface="Tahoma" panose="020B0604030504040204" pitchFamily="34" charset="0"/>
-                <a:cs typeface="Tahoma" panose="020B0604030504040204" pitchFamily="34" charset="0"/>
-              </a:rPr>
-              <a:t>điều</a:t>
-            </a:r>
-            <a:r>
-              <a:rPr lang="en-US" sz="2400" dirty="0">
-                <a:solidFill>
-                  <a:schemeClr val="accent1"/>
-                </a:solidFill>
-                <a:latin typeface="Tahoma" panose="020B0604030504040204" pitchFamily="34" charset="0"/>
-                <a:ea typeface="Tahoma" panose="020B0604030504040204" pitchFamily="34" charset="0"/>
-                <a:cs typeface="Tahoma" panose="020B0604030504040204" pitchFamily="34" charset="0"/>
-              </a:rPr>
-              <a:t> </a:t>
-            </a:r>
-            <a:r>
-              <a:rPr lang="en-US" sz="2400" dirty="0" err="1">
-                <a:solidFill>
-                  <a:schemeClr val="accent1"/>
-                </a:solidFill>
-                <a:latin typeface="Tahoma" panose="020B0604030504040204" pitchFamily="34" charset="0"/>
-                <a:ea typeface="Tahoma" panose="020B0604030504040204" pitchFamily="34" charset="0"/>
-                <a:cs typeface="Tahoma" panose="020B0604030504040204" pitchFamily="34" charset="0"/>
-              </a:rPr>
-              <a:t>khiển</a:t>
-            </a:r>
-            <a:r>
-              <a:rPr lang="en-US" sz="2400" dirty="0">
-                <a:solidFill>
-                  <a:schemeClr val="accent1"/>
-                </a:solidFill>
-                <a:latin typeface="Tahoma" panose="020B0604030504040204" pitchFamily="34" charset="0"/>
-                <a:ea typeface="Tahoma" panose="020B0604030504040204" pitchFamily="34" charset="0"/>
-                <a:cs typeface="Tahoma" panose="020B0604030504040204" pitchFamily="34" charset="0"/>
-              </a:rPr>
-              <a:t> </a:t>
-            </a:r>
-            <a:r>
-              <a:rPr lang="en-US" sz="2400" dirty="0" err="1">
-                <a:solidFill>
-                  <a:schemeClr val="accent1"/>
-                </a:solidFill>
-                <a:latin typeface="Tahoma" panose="020B0604030504040204" pitchFamily="34" charset="0"/>
-                <a:ea typeface="Tahoma" panose="020B0604030504040204" pitchFamily="34" charset="0"/>
-                <a:cs typeface="Tahoma" panose="020B0604030504040204" pitchFamily="34" charset="0"/>
-              </a:rPr>
-              <a:t>và</a:t>
-            </a:r>
-            <a:r>
-              <a:rPr lang="en-US" sz="2400" dirty="0">
-                <a:solidFill>
-                  <a:schemeClr val="accent1"/>
-                </a:solidFill>
-                <a:latin typeface="Tahoma" panose="020B0604030504040204" pitchFamily="34" charset="0"/>
-                <a:ea typeface="Tahoma" panose="020B0604030504040204" pitchFamily="34" charset="0"/>
-                <a:cs typeface="Tahoma" panose="020B0604030504040204" pitchFamily="34" charset="0"/>
-              </a:rPr>
-              <a:t> </a:t>
-            </a:r>
-            <a:r>
-              <a:rPr lang="en-US" sz="2400" dirty="0" err="1">
-                <a:solidFill>
-                  <a:schemeClr val="accent1"/>
-                </a:solidFill>
-                <a:latin typeface="Tahoma" panose="020B0604030504040204" pitchFamily="34" charset="0"/>
-                <a:ea typeface="Tahoma" panose="020B0604030504040204" pitchFamily="34" charset="0"/>
-                <a:cs typeface="Tahoma" panose="020B0604030504040204" pitchFamily="34" charset="0"/>
-              </a:rPr>
-              <a:t>cảm</a:t>
-            </a:r>
-            <a:r>
-              <a:rPr lang="en-US" sz="2400" dirty="0">
-                <a:solidFill>
-                  <a:schemeClr val="accent1"/>
-                </a:solidFill>
-                <a:latin typeface="Tahoma" panose="020B0604030504040204" pitchFamily="34" charset="0"/>
-                <a:ea typeface="Tahoma" panose="020B0604030504040204" pitchFamily="34" charset="0"/>
-                <a:cs typeface="Tahoma" panose="020B0604030504040204" pitchFamily="34" charset="0"/>
-              </a:rPr>
-              <a:t> </a:t>
-            </a:r>
-            <a:r>
-              <a:rPr lang="en-US" sz="2400" dirty="0" err="1">
-                <a:solidFill>
-                  <a:schemeClr val="accent1"/>
-                </a:solidFill>
-                <a:latin typeface="Tahoma" panose="020B0604030504040204" pitchFamily="34" charset="0"/>
-                <a:ea typeface="Tahoma" panose="020B0604030504040204" pitchFamily="34" charset="0"/>
-                <a:cs typeface="Tahoma" panose="020B0604030504040204" pitchFamily="34" charset="0"/>
-              </a:rPr>
-              <a:t>biến</a:t>
-            </a:r>
-            <a:r>
-              <a:rPr lang="en-US" sz="2400" dirty="0">
-                <a:solidFill>
-                  <a:schemeClr val="accent1"/>
-                </a:solidFill>
-                <a:latin typeface="Tahoma" panose="020B0604030504040204" pitchFamily="34" charset="0"/>
-                <a:ea typeface="Tahoma" panose="020B0604030504040204" pitchFamily="34" charset="0"/>
-                <a:cs typeface="Tahoma" panose="020B0604030504040204" pitchFamily="34" charset="0"/>
-              </a:rPr>
-              <a:t>.</a:t>
-            </a:r>
-            <a:r>
-              <a:rPr lang="vi-VN" sz="2400" dirty="0">
-                <a:solidFill>
-                  <a:schemeClr val="accent1"/>
-                </a:solidFill>
-                <a:latin typeface="Tahoma" panose="020B0604030504040204" pitchFamily="34" charset="0"/>
-                <a:ea typeface="Tahoma" panose="020B0604030504040204" pitchFamily="34" charset="0"/>
-                <a:cs typeface="Tahoma" panose="020B0604030504040204" pitchFamily="34" charset="0"/>
-              </a:rPr>
-              <a:t>    </a:t>
-            </a:r>
-            <a:endParaRPr lang="en-US" sz="2400" dirty="0">
-              <a:solidFill>
-                <a:schemeClr val="accent1"/>
-              </a:solidFill>
-              <a:latin typeface="Tahoma" panose="020B0604030504040204" pitchFamily="34" charset="0"/>
-              <a:ea typeface="Tahoma" panose="020B0604030504040204" pitchFamily="34" charset="0"/>
-              <a:cs typeface="Tahoma" panose="020B0604030504040204" pitchFamily="34" charset="0"/>
-            </a:endParaRPr>
-          </a:p>
-          <a:p>
-            <a:pPr marL="342900" indent="-342900">
-              <a:buFont typeface="Arial" panose="020B0604020202020204" pitchFamily="34" charset="0"/>
-              <a:buChar char="•"/>
-            </a:pPr>
-            <a:r>
-              <a:rPr lang="vi-VN" sz="2400" dirty="0">
-                <a:solidFill>
-                  <a:schemeClr val="accent1"/>
-                </a:solidFill>
-                <a:latin typeface="Tahoma" panose="020B0604030504040204" pitchFamily="34" charset="0"/>
-                <a:ea typeface="Tahoma" panose="020B0604030504040204" pitchFamily="34" charset="0"/>
-                <a:cs typeface="Tahoma" panose="020B0604030504040204" pitchFamily="34" charset="0"/>
-              </a:rPr>
-              <a:t>Máy chủ: </a:t>
-            </a:r>
-            <a:r>
-              <a:rPr lang="en-US" sz="2400" dirty="0">
-                <a:solidFill>
-                  <a:schemeClr val="accent1"/>
-                </a:solidFill>
-                <a:latin typeface="Tahoma" panose="020B0604030504040204" pitchFamily="34" charset="0"/>
-                <a:ea typeface="Tahoma" panose="020B0604030504040204" pitchFamily="34" charset="0"/>
-                <a:cs typeface="Tahoma" panose="020B0604030504040204" pitchFamily="34" charset="0"/>
-              </a:rPr>
-              <a:t>X</a:t>
-            </a:r>
-            <a:r>
-              <a:rPr lang="vi-VN" sz="2400" dirty="0">
-                <a:solidFill>
-                  <a:schemeClr val="accent1"/>
-                </a:solidFill>
-                <a:latin typeface="Tahoma" panose="020B0604030504040204" pitchFamily="34" charset="0"/>
-                <a:ea typeface="Tahoma" panose="020B0604030504040204" pitchFamily="34" charset="0"/>
-                <a:cs typeface="Tahoma" panose="020B0604030504040204" pitchFamily="34" charset="0"/>
-              </a:rPr>
-              <a:t>ử lý thông tin và gửi thông tin cho giao diện.</a:t>
-            </a:r>
-            <a:r>
-              <a:rPr lang="en-US" sz="2400" dirty="0">
-                <a:solidFill>
-                  <a:schemeClr val="accent1"/>
-                </a:solidFill>
-                <a:latin typeface="Tahoma" panose="020B0604030504040204" pitchFamily="34" charset="0"/>
-                <a:ea typeface="Tahoma" panose="020B0604030504040204" pitchFamily="34" charset="0"/>
-                <a:cs typeface="Tahoma" panose="020B0604030504040204" pitchFamily="34" charset="0"/>
-              </a:rPr>
-              <a:t> Bao </a:t>
-            </a:r>
-            <a:r>
-              <a:rPr lang="en-US" sz="2400" dirty="0" err="1">
-                <a:solidFill>
-                  <a:schemeClr val="accent1"/>
-                </a:solidFill>
-                <a:latin typeface="Tahoma" panose="020B0604030504040204" pitchFamily="34" charset="0"/>
-                <a:ea typeface="Tahoma" panose="020B0604030504040204" pitchFamily="34" charset="0"/>
-                <a:cs typeface="Tahoma" panose="020B0604030504040204" pitchFamily="34" charset="0"/>
-              </a:rPr>
-              <a:t>gồm</a:t>
-            </a:r>
-            <a:r>
-              <a:rPr lang="en-US" sz="2400" dirty="0">
-                <a:solidFill>
-                  <a:schemeClr val="accent1"/>
-                </a:solidFill>
-                <a:latin typeface="Tahoma" panose="020B0604030504040204" pitchFamily="34" charset="0"/>
-                <a:ea typeface="Tahoma" panose="020B0604030504040204" pitchFamily="34" charset="0"/>
-                <a:cs typeface="Tahoma" panose="020B0604030504040204" pitchFamily="34" charset="0"/>
-              </a:rPr>
-              <a:t> 1 laptop.</a:t>
-            </a:r>
-          </a:p>
-          <a:p>
-            <a:pPr marL="342900" indent="-342900">
-              <a:buFont typeface="Arial" panose="020B0604020202020204" pitchFamily="34" charset="0"/>
-              <a:buChar char="•"/>
-            </a:pPr>
-            <a:r>
-              <a:rPr lang="vi-VN" sz="2400" dirty="0">
-                <a:solidFill>
-                  <a:schemeClr val="accent1"/>
-                </a:solidFill>
-                <a:latin typeface="Tahoma" panose="020B0604030504040204" pitchFamily="34" charset="0"/>
-                <a:ea typeface="Tahoma" panose="020B0604030504040204" pitchFamily="34" charset="0"/>
-                <a:cs typeface="Tahoma" panose="020B0604030504040204" pitchFamily="34" charset="0"/>
-              </a:rPr>
-              <a:t>Giao diện: </a:t>
-            </a:r>
-            <a:r>
-              <a:rPr lang="en-US" sz="2400" dirty="0">
-                <a:solidFill>
-                  <a:schemeClr val="accent1"/>
-                </a:solidFill>
-                <a:latin typeface="Tahoma" panose="020B0604030504040204" pitchFamily="34" charset="0"/>
-                <a:ea typeface="Tahoma" panose="020B0604030504040204" pitchFamily="34" charset="0"/>
-                <a:cs typeface="Tahoma" panose="020B0604030504040204" pitchFamily="34" charset="0"/>
-              </a:rPr>
-              <a:t>H</a:t>
-            </a:r>
-            <a:r>
-              <a:rPr lang="vi-VN" sz="2400" dirty="0" err="1">
-                <a:solidFill>
-                  <a:schemeClr val="accent1"/>
-                </a:solidFill>
-                <a:latin typeface="Tahoma" panose="020B0604030504040204" pitchFamily="34" charset="0"/>
-                <a:ea typeface="Tahoma" panose="020B0604030504040204" pitchFamily="34" charset="0"/>
-                <a:cs typeface="Tahoma" panose="020B0604030504040204" pitchFamily="34" charset="0"/>
-              </a:rPr>
-              <a:t>iển</a:t>
-            </a:r>
-            <a:r>
-              <a:rPr lang="vi-VN" sz="2400" dirty="0">
-                <a:solidFill>
-                  <a:schemeClr val="accent1"/>
-                </a:solidFill>
-                <a:latin typeface="Tahoma" panose="020B0604030504040204" pitchFamily="34" charset="0"/>
-                <a:ea typeface="Tahoma" panose="020B0604030504040204" pitchFamily="34" charset="0"/>
-                <a:cs typeface="Tahoma" panose="020B0604030504040204" pitchFamily="34" charset="0"/>
-              </a:rPr>
-              <a:t> thị thông tin cho người dùng.</a:t>
-            </a:r>
-            <a:r>
-              <a:rPr lang="en-US" sz="2400" dirty="0">
-                <a:solidFill>
-                  <a:schemeClr val="accent1"/>
-                </a:solidFill>
-                <a:latin typeface="Tahoma" panose="020B0604030504040204" pitchFamily="34" charset="0"/>
-                <a:ea typeface="Tahoma" panose="020B0604030504040204" pitchFamily="34" charset="0"/>
-                <a:cs typeface="Tahoma" panose="020B0604030504040204" pitchFamily="34" charset="0"/>
-              </a:rPr>
-              <a:t> </a:t>
-            </a:r>
-            <a:r>
-              <a:rPr lang="en-US" sz="2400" dirty="0" err="1">
-                <a:solidFill>
-                  <a:schemeClr val="accent1"/>
-                </a:solidFill>
-                <a:latin typeface="Tahoma" panose="020B0604030504040204" pitchFamily="34" charset="0"/>
-                <a:ea typeface="Tahoma" panose="020B0604030504040204" pitchFamily="34" charset="0"/>
-                <a:cs typeface="Tahoma" panose="020B0604030504040204" pitchFamily="34" charset="0"/>
-              </a:rPr>
-              <a:t>Có</a:t>
-            </a:r>
-            <a:r>
-              <a:rPr lang="en-US" sz="2400" dirty="0">
-                <a:solidFill>
-                  <a:schemeClr val="accent1"/>
-                </a:solidFill>
-                <a:latin typeface="Tahoma" panose="020B0604030504040204" pitchFamily="34" charset="0"/>
-                <a:ea typeface="Tahoma" panose="020B0604030504040204" pitchFamily="34" charset="0"/>
-                <a:cs typeface="Tahoma" panose="020B0604030504040204" pitchFamily="34" charset="0"/>
-              </a:rPr>
-              <a:t> </a:t>
-            </a:r>
-            <a:r>
-              <a:rPr lang="en-US" sz="2400" dirty="0" err="1">
-                <a:solidFill>
-                  <a:schemeClr val="accent1"/>
-                </a:solidFill>
-                <a:latin typeface="Tahoma" panose="020B0604030504040204" pitchFamily="34" charset="0"/>
-                <a:ea typeface="Tahoma" panose="020B0604030504040204" pitchFamily="34" charset="0"/>
-                <a:cs typeface="Tahoma" panose="020B0604030504040204" pitchFamily="34" charset="0"/>
-              </a:rPr>
-              <a:t>thể</a:t>
-            </a:r>
-            <a:r>
-              <a:rPr lang="en-US" sz="2400" dirty="0">
-                <a:solidFill>
-                  <a:schemeClr val="accent1"/>
-                </a:solidFill>
-                <a:latin typeface="Tahoma" panose="020B0604030504040204" pitchFamily="34" charset="0"/>
-                <a:ea typeface="Tahoma" panose="020B0604030504040204" pitchFamily="34" charset="0"/>
-                <a:cs typeface="Tahoma" panose="020B0604030504040204" pitchFamily="34" charset="0"/>
-              </a:rPr>
-              <a:t> </a:t>
-            </a:r>
-            <a:r>
-              <a:rPr lang="en-US" sz="2400" dirty="0" err="1">
-                <a:solidFill>
-                  <a:schemeClr val="accent1"/>
-                </a:solidFill>
-                <a:latin typeface="Tahoma" panose="020B0604030504040204" pitchFamily="34" charset="0"/>
-                <a:ea typeface="Tahoma" panose="020B0604030504040204" pitchFamily="34" charset="0"/>
-                <a:cs typeface="Tahoma" panose="020B0604030504040204" pitchFamily="34" charset="0"/>
-              </a:rPr>
-              <a:t>là</a:t>
-            </a:r>
-            <a:r>
-              <a:rPr lang="en-US" sz="2400" dirty="0">
-                <a:solidFill>
-                  <a:schemeClr val="accent1"/>
-                </a:solidFill>
-                <a:latin typeface="Tahoma" panose="020B0604030504040204" pitchFamily="34" charset="0"/>
-                <a:ea typeface="Tahoma" panose="020B0604030504040204" pitchFamily="34" charset="0"/>
-                <a:cs typeface="Tahoma" panose="020B0604030504040204" pitchFamily="34" charset="0"/>
-              </a:rPr>
-              <a:t> </a:t>
-            </a:r>
-            <a:r>
-              <a:rPr lang="en-US" sz="2400" dirty="0" err="1">
-                <a:solidFill>
-                  <a:schemeClr val="accent1"/>
-                </a:solidFill>
-                <a:latin typeface="Tahoma" panose="020B0604030504040204" pitchFamily="34" charset="0"/>
-                <a:ea typeface="Tahoma" panose="020B0604030504040204" pitchFamily="34" charset="0"/>
-                <a:cs typeface="Tahoma" panose="020B0604030504040204" pitchFamily="34" charset="0"/>
-              </a:rPr>
-              <a:t>bất</a:t>
-            </a:r>
-            <a:r>
-              <a:rPr lang="en-US" sz="2400" dirty="0">
-                <a:solidFill>
-                  <a:schemeClr val="accent1"/>
-                </a:solidFill>
-                <a:latin typeface="Tahoma" panose="020B0604030504040204" pitchFamily="34" charset="0"/>
-                <a:ea typeface="Tahoma" panose="020B0604030504040204" pitchFamily="34" charset="0"/>
-                <a:cs typeface="Tahoma" panose="020B0604030504040204" pitchFamily="34" charset="0"/>
-              </a:rPr>
-              <a:t> </a:t>
-            </a:r>
-            <a:r>
-              <a:rPr lang="en-US" sz="2400" dirty="0" err="1">
-                <a:solidFill>
-                  <a:schemeClr val="accent1"/>
-                </a:solidFill>
-                <a:latin typeface="Tahoma" panose="020B0604030504040204" pitchFamily="34" charset="0"/>
-                <a:ea typeface="Tahoma" panose="020B0604030504040204" pitchFamily="34" charset="0"/>
-                <a:cs typeface="Tahoma" panose="020B0604030504040204" pitchFamily="34" charset="0"/>
-              </a:rPr>
-              <a:t>cứ</a:t>
-            </a:r>
-            <a:r>
-              <a:rPr lang="en-US" sz="2400" dirty="0">
-                <a:solidFill>
-                  <a:schemeClr val="accent1"/>
-                </a:solidFill>
-                <a:latin typeface="Tahoma" panose="020B0604030504040204" pitchFamily="34" charset="0"/>
-                <a:ea typeface="Tahoma" panose="020B0604030504040204" pitchFamily="34" charset="0"/>
-                <a:cs typeface="Tahoma" panose="020B0604030504040204" pitchFamily="34" charset="0"/>
-              </a:rPr>
-              <a:t> </a:t>
-            </a:r>
-            <a:r>
-              <a:rPr lang="en-US" sz="2400" dirty="0" err="1">
-                <a:solidFill>
-                  <a:schemeClr val="accent1"/>
-                </a:solidFill>
-                <a:latin typeface="Tahoma" panose="020B0604030504040204" pitchFamily="34" charset="0"/>
-                <a:ea typeface="Tahoma" panose="020B0604030504040204" pitchFamily="34" charset="0"/>
-                <a:cs typeface="Tahoma" panose="020B0604030504040204" pitchFamily="34" charset="0"/>
-              </a:rPr>
-              <a:t>thiết</a:t>
-            </a:r>
-            <a:r>
-              <a:rPr lang="en-US" sz="2400" dirty="0">
-                <a:solidFill>
-                  <a:schemeClr val="accent1"/>
-                </a:solidFill>
-                <a:latin typeface="Tahoma" panose="020B0604030504040204" pitchFamily="34" charset="0"/>
-                <a:ea typeface="Tahoma" panose="020B0604030504040204" pitchFamily="34" charset="0"/>
-                <a:cs typeface="Tahoma" panose="020B0604030504040204" pitchFamily="34" charset="0"/>
-              </a:rPr>
-              <a:t> </a:t>
-            </a:r>
-            <a:r>
-              <a:rPr lang="en-US" sz="2400" dirty="0" err="1">
-                <a:solidFill>
-                  <a:schemeClr val="accent1"/>
-                </a:solidFill>
-                <a:latin typeface="Tahoma" panose="020B0604030504040204" pitchFamily="34" charset="0"/>
-                <a:ea typeface="Tahoma" panose="020B0604030504040204" pitchFamily="34" charset="0"/>
-                <a:cs typeface="Tahoma" panose="020B0604030504040204" pitchFamily="34" charset="0"/>
-              </a:rPr>
-              <a:t>bị</a:t>
-            </a:r>
-            <a:r>
-              <a:rPr lang="en-US" sz="2400" dirty="0">
-                <a:solidFill>
-                  <a:schemeClr val="accent1"/>
-                </a:solidFill>
-                <a:latin typeface="Tahoma" panose="020B0604030504040204" pitchFamily="34" charset="0"/>
-                <a:ea typeface="Tahoma" panose="020B0604030504040204" pitchFamily="34" charset="0"/>
-                <a:cs typeface="Tahoma" panose="020B0604030504040204" pitchFamily="34" charset="0"/>
-              </a:rPr>
-              <a:t> </a:t>
-            </a:r>
-            <a:r>
-              <a:rPr lang="en-US" sz="2400" dirty="0" err="1">
-                <a:solidFill>
-                  <a:schemeClr val="accent1"/>
-                </a:solidFill>
-                <a:latin typeface="Tahoma" panose="020B0604030504040204" pitchFamily="34" charset="0"/>
-                <a:ea typeface="Tahoma" panose="020B0604030504040204" pitchFamily="34" charset="0"/>
-                <a:cs typeface="Tahoma" panose="020B0604030504040204" pitchFamily="34" charset="0"/>
-              </a:rPr>
-              <a:t>nào</a:t>
-            </a:r>
-            <a:r>
-              <a:rPr lang="en-US" sz="2400" dirty="0">
-                <a:solidFill>
-                  <a:schemeClr val="accent1"/>
-                </a:solidFill>
-                <a:latin typeface="Tahoma" panose="020B0604030504040204" pitchFamily="34" charset="0"/>
-                <a:ea typeface="Tahoma" panose="020B0604030504040204" pitchFamily="34" charset="0"/>
-                <a:cs typeface="Tahoma" panose="020B0604030504040204" pitchFamily="34" charset="0"/>
-              </a:rPr>
-              <a:t> </a:t>
-            </a:r>
-            <a:r>
-              <a:rPr lang="en-US" sz="2400" dirty="0" err="1">
-                <a:solidFill>
-                  <a:schemeClr val="accent1"/>
-                </a:solidFill>
-                <a:latin typeface="Tahoma" panose="020B0604030504040204" pitchFamily="34" charset="0"/>
-                <a:ea typeface="Tahoma" panose="020B0604030504040204" pitchFamily="34" charset="0"/>
-                <a:cs typeface="Tahoma" panose="020B0604030504040204" pitchFamily="34" charset="0"/>
-              </a:rPr>
-              <a:t>có</a:t>
-            </a:r>
-            <a:r>
-              <a:rPr lang="en-US" sz="2400" dirty="0">
-                <a:solidFill>
-                  <a:schemeClr val="accent1"/>
-                </a:solidFill>
-                <a:latin typeface="Tahoma" panose="020B0604030504040204" pitchFamily="34" charset="0"/>
-                <a:ea typeface="Tahoma" panose="020B0604030504040204" pitchFamily="34" charset="0"/>
-                <a:cs typeface="Tahoma" panose="020B0604030504040204" pitchFamily="34" charset="0"/>
-              </a:rPr>
-              <a:t> </a:t>
-            </a:r>
-            <a:r>
-              <a:rPr lang="en-US" sz="2400" dirty="0" err="1">
-                <a:solidFill>
-                  <a:schemeClr val="accent1"/>
-                </a:solidFill>
-                <a:latin typeface="Tahoma" panose="020B0604030504040204" pitchFamily="34" charset="0"/>
-                <a:ea typeface="Tahoma" panose="020B0604030504040204" pitchFamily="34" charset="0"/>
-                <a:cs typeface="Tahoma" panose="020B0604030504040204" pitchFamily="34" charset="0"/>
-              </a:rPr>
-              <a:t>thể</a:t>
-            </a:r>
-            <a:r>
-              <a:rPr lang="en-US" sz="2400" dirty="0">
-                <a:solidFill>
-                  <a:schemeClr val="accent1"/>
-                </a:solidFill>
-                <a:latin typeface="Tahoma" panose="020B0604030504040204" pitchFamily="34" charset="0"/>
-                <a:ea typeface="Tahoma" panose="020B0604030504040204" pitchFamily="34" charset="0"/>
-                <a:cs typeface="Tahoma" panose="020B0604030504040204" pitchFamily="34" charset="0"/>
-              </a:rPr>
-              <a:t> </a:t>
-            </a:r>
-            <a:r>
-              <a:rPr lang="en-US" sz="2400" dirty="0" err="1">
-                <a:solidFill>
-                  <a:schemeClr val="accent1"/>
-                </a:solidFill>
-                <a:latin typeface="Tahoma" panose="020B0604030504040204" pitchFamily="34" charset="0"/>
-                <a:ea typeface="Tahoma" panose="020B0604030504040204" pitchFamily="34" charset="0"/>
-                <a:cs typeface="Tahoma" panose="020B0604030504040204" pitchFamily="34" charset="0"/>
-              </a:rPr>
-              <a:t>truy</a:t>
-            </a:r>
-            <a:r>
-              <a:rPr lang="en-US" sz="2400" dirty="0">
-                <a:solidFill>
-                  <a:schemeClr val="accent1"/>
-                </a:solidFill>
-                <a:latin typeface="Tahoma" panose="020B0604030504040204" pitchFamily="34" charset="0"/>
-                <a:ea typeface="Tahoma" panose="020B0604030504040204" pitchFamily="34" charset="0"/>
-                <a:cs typeface="Tahoma" panose="020B0604030504040204" pitchFamily="34" charset="0"/>
-              </a:rPr>
-              <a:t> </a:t>
-            </a:r>
-            <a:r>
-              <a:rPr lang="en-US" sz="2400" dirty="0" err="1">
-                <a:solidFill>
-                  <a:schemeClr val="accent1"/>
-                </a:solidFill>
-                <a:latin typeface="Tahoma" panose="020B0604030504040204" pitchFamily="34" charset="0"/>
-                <a:ea typeface="Tahoma" panose="020B0604030504040204" pitchFamily="34" charset="0"/>
-                <a:cs typeface="Tahoma" panose="020B0604030504040204" pitchFamily="34" charset="0"/>
-              </a:rPr>
-              <a:t>cập</a:t>
-            </a:r>
-            <a:r>
-              <a:rPr lang="en-US" sz="2400" dirty="0">
-                <a:solidFill>
-                  <a:schemeClr val="accent1"/>
-                </a:solidFill>
-                <a:latin typeface="Tahoma" panose="020B0604030504040204" pitchFamily="34" charset="0"/>
-                <a:ea typeface="Tahoma" panose="020B0604030504040204" pitchFamily="34" charset="0"/>
-                <a:cs typeface="Tahoma" panose="020B0604030504040204" pitchFamily="34" charset="0"/>
-              </a:rPr>
-              <a:t> </a:t>
-            </a:r>
-            <a:r>
-              <a:rPr lang="en-US" sz="2400" dirty="0" err="1">
-                <a:solidFill>
-                  <a:schemeClr val="accent1"/>
-                </a:solidFill>
-                <a:latin typeface="Tahoma" panose="020B0604030504040204" pitchFamily="34" charset="0"/>
-                <a:ea typeface="Tahoma" panose="020B0604030504040204" pitchFamily="34" charset="0"/>
-                <a:cs typeface="Tahoma" panose="020B0604030504040204" pitchFamily="34" charset="0"/>
-              </a:rPr>
-              <a:t>mạng</a:t>
-            </a:r>
-            <a:r>
-              <a:rPr lang="en-US" sz="2400" dirty="0">
-                <a:solidFill>
-                  <a:schemeClr val="accent1"/>
-                </a:solidFill>
-                <a:latin typeface="Tahoma" panose="020B0604030504040204" pitchFamily="34" charset="0"/>
-                <a:ea typeface="Tahoma" panose="020B0604030504040204" pitchFamily="34" charset="0"/>
-                <a:cs typeface="Tahoma" panose="020B0604030504040204" pitchFamily="34" charset="0"/>
-              </a:rPr>
-              <a:t> </a:t>
-            </a:r>
-            <a:r>
-              <a:rPr lang="en-US" sz="2400" dirty="0" err="1">
-                <a:solidFill>
-                  <a:schemeClr val="accent1"/>
-                </a:solidFill>
-                <a:latin typeface="Tahoma" panose="020B0604030504040204" pitchFamily="34" charset="0"/>
-                <a:ea typeface="Tahoma" panose="020B0604030504040204" pitchFamily="34" charset="0"/>
-                <a:cs typeface="Tahoma" panose="020B0604030504040204" pitchFamily="34" charset="0"/>
-              </a:rPr>
-              <a:t>và</a:t>
-            </a:r>
-            <a:r>
-              <a:rPr lang="en-US" sz="2400" dirty="0">
-                <a:solidFill>
-                  <a:schemeClr val="accent1"/>
-                </a:solidFill>
-                <a:latin typeface="Tahoma" panose="020B0604030504040204" pitchFamily="34" charset="0"/>
-                <a:ea typeface="Tahoma" panose="020B0604030504040204" pitchFamily="34" charset="0"/>
-                <a:cs typeface="Tahoma" panose="020B0604030504040204" pitchFamily="34" charset="0"/>
-              </a:rPr>
-              <a:t> </a:t>
-            </a:r>
-            <a:r>
-              <a:rPr lang="en-US" sz="2400" dirty="0" err="1">
-                <a:solidFill>
-                  <a:schemeClr val="accent1"/>
-                </a:solidFill>
-                <a:latin typeface="Tahoma" panose="020B0604030504040204" pitchFamily="34" charset="0"/>
-                <a:ea typeface="Tahoma" panose="020B0604030504040204" pitchFamily="34" charset="0"/>
-                <a:cs typeface="Tahoma" panose="020B0604030504040204" pitchFamily="34" charset="0"/>
-              </a:rPr>
-              <a:t>có</a:t>
-            </a:r>
-            <a:r>
-              <a:rPr lang="en-US" sz="2400" dirty="0">
-                <a:solidFill>
-                  <a:schemeClr val="accent1"/>
-                </a:solidFill>
-                <a:latin typeface="Tahoma" panose="020B0604030504040204" pitchFamily="34" charset="0"/>
-                <a:ea typeface="Tahoma" panose="020B0604030504040204" pitchFamily="34" charset="0"/>
-                <a:cs typeface="Tahoma" panose="020B0604030504040204" pitchFamily="34" charset="0"/>
-              </a:rPr>
-              <a:t> </a:t>
-            </a:r>
-            <a:r>
-              <a:rPr lang="en-US" sz="2400" dirty="0" err="1">
-                <a:solidFill>
-                  <a:schemeClr val="accent1"/>
-                </a:solidFill>
-                <a:latin typeface="Tahoma" panose="020B0604030504040204" pitchFamily="34" charset="0"/>
-                <a:ea typeface="Tahoma" panose="020B0604030504040204" pitchFamily="34" charset="0"/>
-                <a:cs typeface="Tahoma" panose="020B0604030504040204" pitchFamily="34" charset="0"/>
-              </a:rPr>
-              <a:t>màn</a:t>
-            </a:r>
-            <a:r>
-              <a:rPr lang="en-US" sz="2400" dirty="0">
-                <a:solidFill>
-                  <a:schemeClr val="accent1"/>
-                </a:solidFill>
-                <a:latin typeface="Tahoma" panose="020B0604030504040204" pitchFamily="34" charset="0"/>
-                <a:ea typeface="Tahoma" panose="020B0604030504040204" pitchFamily="34" charset="0"/>
-                <a:cs typeface="Tahoma" panose="020B0604030504040204" pitchFamily="34" charset="0"/>
-              </a:rPr>
-              <a:t> </a:t>
-            </a:r>
-            <a:r>
-              <a:rPr lang="en-US" sz="2400" dirty="0" err="1">
-                <a:solidFill>
-                  <a:schemeClr val="accent1"/>
-                </a:solidFill>
-                <a:latin typeface="Tahoma" panose="020B0604030504040204" pitchFamily="34" charset="0"/>
-                <a:ea typeface="Tahoma" panose="020B0604030504040204" pitchFamily="34" charset="0"/>
-                <a:cs typeface="Tahoma" panose="020B0604030504040204" pitchFamily="34" charset="0"/>
-              </a:rPr>
-              <a:t>hình</a:t>
-            </a:r>
-            <a:r>
-              <a:rPr lang="en-US" sz="2400" dirty="0">
-                <a:solidFill>
-                  <a:schemeClr val="accent1"/>
-                </a:solidFill>
-                <a:latin typeface="Tahoma" panose="020B0604030504040204" pitchFamily="34" charset="0"/>
-                <a:ea typeface="Tahoma" panose="020B0604030504040204" pitchFamily="34" charset="0"/>
-                <a:cs typeface="Tahoma" panose="020B0604030504040204" pitchFamily="34" charset="0"/>
-              </a:rPr>
-              <a:t> </a:t>
-            </a:r>
-            <a:r>
-              <a:rPr lang="en-US" sz="2400" dirty="0" err="1">
-                <a:solidFill>
-                  <a:schemeClr val="accent1"/>
-                </a:solidFill>
-                <a:latin typeface="Tahoma" panose="020B0604030504040204" pitchFamily="34" charset="0"/>
-                <a:ea typeface="Tahoma" panose="020B0604030504040204" pitchFamily="34" charset="0"/>
-                <a:cs typeface="Tahoma" panose="020B0604030504040204" pitchFamily="34" charset="0"/>
-              </a:rPr>
-              <a:t>để</a:t>
-            </a:r>
-            <a:r>
-              <a:rPr lang="en-US" sz="2400" dirty="0">
-                <a:solidFill>
-                  <a:schemeClr val="accent1"/>
-                </a:solidFill>
-                <a:latin typeface="Tahoma" panose="020B0604030504040204" pitchFamily="34" charset="0"/>
-                <a:ea typeface="Tahoma" panose="020B0604030504040204" pitchFamily="34" charset="0"/>
-                <a:cs typeface="Tahoma" panose="020B0604030504040204" pitchFamily="34" charset="0"/>
-              </a:rPr>
-              <a:t> </a:t>
-            </a:r>
-            <a:r>
-              <a:rPr lang="en-US" sz="2400" dirty="0" err="1">
-                <a:solidFill>
-                  <a:schemeClr val="accent1"/>
-                </a:solidFill>
-                <a:latin typeface="Tahoma" panose="020B0604030504040204" pitchFamily="34" charset="0"/>
-                <a:ea typeface="Tahoma" panose="020B0604030504040204" pitchFamily="34" charset="0"/>
-                <a:cs typeface="Tahoma" panose="020B0604030504040204" pitchFamily="34" charset="0"/>
-              </a:rPr>
-              <a:t>hiển</a:t>
-            </a:r>
-            <a:r>
-              <a:rPr lang="en-US" sz="2400" dirty="0">
-                <a:solidFill>
-                  <a:schemeClr val="accent1"/>
-                </a:solidFill>
-                <a:latin typeface="Tahoma" panose="020B0604030504040204" pitchFamily="34" charset="0"/>
-                <a:ea typeface="Tahoma" panose="020B0604030504040204" pitchFamily="34" charset="0"/>
-                <a:cs typeface="Tahoma" panose="020B0604030504040204" pitchFamily="34" charset="0"/>
-              </a:rPr>
-              <a:t> </a:t>
-            </a:r>
-            <a:r>
-              <a:rPr lang="en-US" sz="2400" dirty="0" err="1">
-                <a:solidFill>
-                  <a:schemeClr val="accent1"/>
-                </a:solidFill>
-                <a:latin typeface="Tahoma" panose="020B0604030504040204" pitchFamily="34" charset="0"/>
-                <a:ea typeface="Tahoma" panose="020B0604030504040204" pitchFamily="34" charset="0"/>
-                <a:cs typeface="Tahoma" panose="020B0604030504040204" pitchFamily="34" charset="0"/>
-              </a:rPr>
-              <a:t>thị</a:t>
-            </a:r>
-            <a:r>
-              <a:rPr lang="en-US" sz="2400" dirty="0">
-                <a:solidFill>
-                  <a:schemeClr val="accent1"/>
-                </a:solidFill>
-                <a:latin typeface="Tahoma" panose="020B0604030504040204" pitchFamily="34" charset="0"/>
-                <a:ea typeface="Tahoma" panose="020B0604030504040204" pitchFamily="34" charset="0"/>
-                <a:cs typeface="Tahoma" panose="020B0604030504040204" pitchFamily="34" charset="0"/>
-              </a:rPr>
-              <a:t>.</a:t>
-            </a:r>
-          </a:p>
-        </p:txBody>
-      </p:sp>
-      <p:pic>
-        <p:nvPicPr>
-          <p:cNvPr id="3" name="Picture 2">
-            <a:extLst>
-              <a:ext uri="{FF2B5EF4-FFF2-40B4-BE49-F238E27FC236}">
-                <a16:creationId xmlns:a16="http://schemas.microsoft.com/office/drawing/2014/main" id="{9E119D29-C80F-D9F5-D492-198560842607}"/>
+                <a16:creationId xmlns:a16="http://schemas.microsoft.com/office/drawing/2014/main" id="{9C003C95-0AD6-E0A1-F436-89152ADC45D8}"/>
               </a:ext>
             </a:extLst>
           </p:cNvPr>
@@ -21626,9 +17744,9 @@
           </a:stretch>
         </p:blipFill>
         <p:spPr bwMode="auto">
-          <a:xfrm rot="10800000">
-            <a:off x="5667671" y="3751629"/>
-            <a:ext cx="6392884" cy="2880127"/>
+          <a:xfrm>
+            <a:off x="1362422" y="1164772"/>
+            <a:ext cx="9467156" cy="4528458"/>
           </a:xfrm>
           <a:prstGeom prst="rect">
             <a:avLst/>
@@ -21645,6 +17763,45 @@
           </a:extLst>
         </p:spPr>
       </p:pic>
+      <p:sp>
+        <p:nvSpPr>
+          <p:cNvPr id="2" name="Rectangle 1">
+            <a:extLst>
+              <a:ext uri="{FF2B5EF4-FFF2-40B4-BE49-F238E27FC236}">
+                <a16:creationId xmlns:a16="http://schemas.microsoft.com/office/drawing/2014/main" id="{F2DF4D31-D2E8-B626-C923-D395C7E26730}"/>
+              </a:ext>
+            </a:extLst>
+          </p:cNvPr>
+          <p:cNvSpPr/>
+          <p:nvPr/>
+        </p:nvSpPr>
+        <p:spPr>
+          <a:xfrm>
+            <a:off x="255205" y="6092542"/>
+            <a:ext cx="11681591" cy="461665"/>
+          </a:xfrm>
+          <a:prstGeom prst="rect">
+            <a:avLst/>
+          </a:prstGeom>
+        </p:spPr>
+        <p:txBody>
+          <a:bodyPr wrap="square">
+            <a:spAutoFit/>
+          </a:bodyPr>
+          <a:lstStyle/>
+          <a:p>
+            <a:pPr algn="ctr"/>
+            <a:r>
+              <a:rPr lang="en-US" sz="2400" dirty="0">
+                <a:solidFill>
+                  <a:schemeClr val="accent1"/>
+                </a:solidFill>
+              </a:rPr>
+              <a:t>MobileNetV1 0.25</a:t>
+            </a:r>
+          </a:p>
+        </p:txBody>
+      </p:sp>
     </p:spTree>
     <p:extLst>
       <p:ext uri="{BB962C8B-B14F-4D97-AF65-F5344CB8AC3E}">
@@ -21666,7 +17823,7 @@
 </p:sld>
 </file>
 
-<file path=ppt/slides/slide7.xml><?xml version="1.0" encoding="utf-8"?>
+<file path=ppt/slides/slide9.xml><?xml version="1.0" encoding="utf-8"?>
 <p:sld xmlns:a="http://schemas.openxmlformats.org/drawingml/2006/main" xmlns:r="http://schemas.openxmlformats.org/officeDocument/2006/relationships" xmlns:p="http://schemas.openxmlformats.org/presentationml/2006/main">
   <p:cSld>
     <p:spTree>
@@ -22561,8 +18718,8 @@
         </p:nvSpPr>
         <p:spPr>
           <a:xfrm>
-            <a:off x="4852983" y="69933"/>
-            <a:ext cx="2727991" cy="1015663"/>
+            <a:off x="4778926" y="69933"/>
+            <a:ext cx="2876108" cy="1015663"/>
           </a:xfrm>
           <a:prstGeom prst="rect">
             <a:avLst/>
@@ -22583,7 +18740,7 @@
                 </a:solidFill>
                 <a:latin typeface="+mj-lt"/>
               </a:rPr>
-              <a:t>Thiết</a:t>
+              <a:t>Mô</a:t>
             </a:r>
             <a:r>
               <a:rPr lang="en-US" sz="6000" b="1" dirty="0">
@@ -22601,7 +18758,7 @@
                 </a:solidFill>
                 <a:latin typeface="+mj-lt"/>
               </a:rPr>
-              <a:t>kế</a:t>
+              <a:t>hình</a:t>
             </a:r>
             <a:endParaRPr lang="en-US" sz="6000" b="1" dirty="0">
               <a:solidFill>
@@ -22614,15 +18771,15 @@
       </p:sp>
       <p:pic>
         <p:nvPicPr>
-          <p:cNvPr id="3074" name="Picture 2">
+          <p:cNvPr id="3" name="Picture 2" descr="A diagram of a graph&#10;&#10;Description automatically generated">
             <a:extLst>
               <a:ext uri="{FF2B5EF4-FFF2-40B4-BE49-F238E27FC236}">
-                <a16:creationId xmlns:a16="http://schemas.microsoft.com/office/drawing/2014/main" id="{2AF18351-0114-F1B3-324E-E0991173740D}"/>
+                <a16:creationId xmlns:a16="http://schemas.microsoft.com/office/drawing/2014/main" id="{26D4BF1D-DA63-358D-7043-FA43125C5B3F}"/>
               </a:ext>
             </a:extLst>
           </p:cNvPr>
           <p:cNvPicPr>
-            <a:picLocks noChangeAspect="1" noChangeArrowheads="1"/>
+            <a:picLocks noChangeAspect="1"/>
           </p:cNvPicPr>
           <p:nvPr/>
         </p:nvPicPr>
@@ -22634,1871 +18791,24 @@
               </a:ext>
             </a:extLst>
           </a:blip>
-          <a:srcRect/>
           <a:stretch>
             <a:fillRect/>
           </a:stretch>
         </p:blipFill>
-        <p:spPr bwMode="auto">
+        <p:spPr>
           <a:xfrm>
-            <a:off x="1340498" y="1286547"/>
-            <a:ext cx="9511004" cy="4284906"/>
+            <a:off x="4904028" y="1321296"/>
+            <a:ext cx="2383944" cy="4926818"/>
           </a:xfrm>
           <a:prstGeom prst="rect">
             <a:avLst/>
           </a:prstGeom>
-          <a:noFill/>
-          <a:extLst>
-            <a:ext uri="{909E8E84-426E-40DD-AFC4-6F175D3DCCD1}">
-              <a14:hiddenFill xmlns:a14="http://schemas.microsoft.com/office/drawing/2010/main">
-                <a:solidFill>
-                  <a:srgbClr val="FFFFFF"/>
-                </a:solidFill>
-              </a14:hiddenFill>
-            </a:ext>
-          </a:extLst>
         </p:spPr>
       </p:pic>
     </p:spTree>
     <p:extLst>
       <p:ext uri="{BB962C8B-B14F-4D97-AF65-F5344CB8AC3E}">
-        <p14:creationId xmlns:p14="http://schemas.microsoft.com/office/powerpoint/2010/main" val="1001566430"/>
-      </p:ext>
-    </p:extLst>
-  </p:cSld>
-  <p:clrMapOvr>
-    <a:masterClrMapping/>
-  </p:clrMapOvr>
-  <mc:AlternateContent xmlns:mc="http://schemas.openxmlformats.org/markup-compatibility/2006" xmlns:p14="http://schemas.microsoft.com/office/powerpoint/2010/main">
-    <mc:Choice Requires="p14">
-      <p:transition p14:dur="0"/>
-    </mc:Choice>
-    <mc:Fallback xmlns="">
-      <p:transition/>
-    </mc:Fallback>
-  </mc:AlternateContent>
-</p:sld>
-</file>
-
-<file path=ppt/slides/slide8.xml><?xml version="1.0" encoding="utf-8"?>
-<p:sld xmlns:a="http://schemas.openxmlformats.org/drawingml/2006/main" xmlns:r="http://schemas.openxmlformats.org/officeDocument/2006/relationships" xmlns:p="http://schemas.openxmlformats.org/presentationml/2006/main">
-  <p:cSld>
-    <p:spTree>
-      <p:nvGrpSpPr>
-        <p:cNvPr id="1" name=""/>
-        <p:cNvGrpSpPr/>
-        <p:nvPr/>
-      </p:nvGrpSpPr>
-      <p:grpSpPr>
-        <a:xfrm>
-          <a:off x="0" y="0"/>
-          <a:ext cx="0" cy="0"/>
-          <a:chOff x="0" y="0"/>
-          <a:chExt cx="0" cy="0"/>
-        </a:xfrm>
-      </p:grpSpPr>
-      <p:sp>
-        <p:nvSpPr>
-          <p:cNvPr id="4" name="Freeform: Shape 3">
-            <a:extLst>
-              <a:ext uri="{FF2B5EF4-FFF2-40B4-BE49-F238E27FC236}">
-                <a16:creationId xmlns:a16="http://schemas.microsoft.com/office/drawing/2014/main" id="{7BD3447E-8CAF-43CA-A07C-CB6BC59AA802}"/>
-              </a:ext>
-            </a:extLst>
-          </p:cNvPr>
-          <p:cNvSpPr/>
-          <p:nvPr/>
-        </p:nvSpPr>
-        <p:spPr>
-          <a:xfrm>
-            <a:off x="2757487" y="842867"/>
-            <a:ext cx="228600" cy="228600"/>
-          </a:xfrm>
-          <a:custGeom>
-            <a:avLst/>
-            <a:gdLst>
-              <a:gd name="connsiteX0" fmla="*/ 222218 w 228600"/>
-              <a:gd name="connsiteY0" fmla="*/ 114681 h 228600"/>
-              <a:gd name="connsiteX1" fmla="*/ 114681 w 228600"/>
-              <a:gd name="connsiteY1" fmla="*/ 222218 h 228600"/>
-              <a:gd name="connsiteX2" fmla="*/ 7144 w 228600"/>
-              <a:gd name="connsiteY2" fmla="*/ 114681 h 228600"/>
-              <a:gd name="connsiteX3" fmla="*/ 114681 w 228600"/>
-              <a:gd name="connsiteY3" fmla="*/ 7144 h 228600"/>
-              <a:gd name="connsiteX4" fmla="*/ 222218 w 228600"/>
-              <a:gd name="connsiteY4" fmla="*/ 114681 h 228600"/>
-            </a:gdLst>
-            <a:ahLst/>
-            <a:cxnLst>
-              <a:cxn ang="0">
-                <a:pos x="connsiteX0" y="connsiteY0"/>
-              </a:cxn>
-              <a:cxn ang="0">
-                <a:pos x="connsiteX1" y="connsiteY1"/>
-              </a:cxn>
-              <a:cxn ang="0">
-                <a:pos x="connsiteX2" y="connsiteY2"/>
-              </a:cxn>
-              <a:cxn ang="0">
-                <a:pos x="connsiteX3" y="connsiteY3"/>
-              </a:cxn>
-              <a:cxn ang="0">
-                <a:pos x="connsiteX4" y="connsiteY4"/>
-              </a:cxn>
-            </a:cxnLst>
-            <a:rect l="l" t="t" r="r" b="b"/>
-            <a:pathLst>
-              <a:path w="228600" h="228600">
-                <a:moveTo>
-                  <a:pt x="222218" y="114681"/>
-                </a:moveTo>
-                <a:cubicBezTo>
-                  <a:pt x="222218" y="174072"/>
-                  <a:pt x="174072" y="222218"/>
-                  <a:pt x="114681" y="222218"/>
-                </a:cubicBezTo>
-                <a:cubicBezTo>
-                  <a:pt x="55290" y="222218"/>
-                  <a:pt x="7144" y="174072"/>
-                  <a:pt x="7144" y="114681"/>
-                </a:cubicBezTo>
-                <a:cubicBezTo>
-                  <a:pt x="7144" y="55290"/>
-                  <a:pt x="55290" y="7144"/>
-                  <a:pt x="114681" y="7144"/>
-                </a:cubicBezTo>
-                <a:cubicBezTo>
-                  <a:pt x="174072" y="7144"/>
-                  <a:pt x="222218" y="55290"/>
-                  <a:pt x="222218" y="114681"/>
-                </a:cubicBezTo>
-                <a:close/>
-              </a:path>
-            </a:pathLst>
-          </a:custGeom>
-          <a:solidFill>
-            <a:srgbClr val="FFC947"/>
-          </a:solidFill>
-          <a:ln w="9525" cap="flat">
-            <a:noFill/>
-            <a:prstDash val="solid"/>
-            <a:miter/>
-          </a:ln>
-        </p:spPr>
-        <p:txBody>
-          <a:bodyPr rtlCol="0" anchor="ctr"/>
-          <a:lstStyle/>
-          <a:p>
-            <a:endParaRPr lang="en-US"/>
-          </a:p>
-        </p:txBody>
-      </p:sp>
-      <p:sp>
-        <p:nvSpPr>
-          <p:cNvPr id="5" name="Freeform: Shape 4">
-            <a:extLst>
-              <a:ext uri="{FF2B5EF4-FFF2-40B4-BE49-F238E27FC236}">
-                <a16:creationId xmlns:a16="http://schemas.microsoft.com/office/drawing/2014/main" id="{B5E4CB26-9BF5-4819-A991-22068C3A2B14}"/>
-              </a:ext>
-            </a:extLst>
-          </p:cNvPr>
-          <p:cNvSpPr/>
-          <p:nvPr/>
-        </p:nvSpPr>
-        <p:spPr>
-          <a:xfrm>
-            <a:off x="646557" y="1324737"/>
-            <a:ext cx="228600" cy="228600"/>
-          </a:xfrm>
-          <a:custGeom>
-            <a:avLst/>
-            <a:gdLst>
-              <a:gd name="connsiteX0" fmla="*/ 222218 w 228600"/>
-              <a:gd name="connsiteY0" fmla="*/ 114681 h 228600"/>
-              <a:gd name="connsiteX1" fmla="*/ 114681 w 228600"/>
-              <a:gd name="connsiteY1" fmla="*/ 222218 h 228600"/>
-              <a:gd name="connsiteX2" fmla="*/ 7144 w 228600"/>
-              <a:gd name="connsiteY2" fmla="*/ 114681 h 228600"/>
-              <a:gd name="connsiteX3" fmla="*/ 114681 w 228600"/>
-              <a:gd name="connsiteY3" fmla="*/ 7144 h 228600"/>
-              <a:gd name="connsiteX4" fmla="*/ 222218 w 228600"/>
-              <a:gd name="connsiteY4" fmla="*/ 114681 h 228600"/>
-            </a:gdLst>
-            <a:ahLst/>
-            <a:cxnLst>
-              <a:cxn ang="0">
-                <a:pos x="connsiteX0" y="connsiteY0"/>
-              </a:cxn>
-              <a:cxn ang="0">
-                <a:pos x="connsiteX1" y="connsiteY1"/>
-              </a:cxn>
-              <a:cxn ang="0">
-                <a:pos x="connsiteX2" y="connsiteY2"/>
-              </a:cxn>
-              <a:cxn ang="0">
-                <a:pos x="connsiteX3" y="connsiteY3"/>
-              </a:cxn>
-              <a:cxn ang="0">
-                <a:pos x="connsiteX4" y="connsiteY4"/>
-              </a:cxn>
-            </a:cxnLst>
-            <a:rect l="l" t="t" r="r" b="b"/>
-            <a:pathLst>
-              <a:path w="228600" h="228600">
-                <a:moveTo>
-                  <a:pt x="222218" y="114681"/>
-                </a:moveTo>
-                <a:cubicBezTo>
-                  <a:pt x="222218" y="174072"/>
-                  <a:pt x="174072" y="222218"/>
-                  <a:pt x="114681" y="222218"/>
-                </a:cubicBezTo>
-                <a:cubicBezTo>
-                  <a:pt x="55290" y="222218"/>
-                  <a:pt x="7144" y="174072"/>
-                  <a:pt x="7144" y="114681"/>
-                </a:cubicBezTo>
-                <a:cubicBezTo>
-                  <a:pt x="7144" y="55290"/>
-                  <a:pt x="55290" y="7144"/>
-                  <a:pt x="114681" y="7144"/>
-                </a:cubicBezTo>
-                <a:cubicBezTo>
-                  <a:pt x="174072" y="7144"/>
-                  <a:pt x="222218" y="55290"/>
-                  <a:pt x="222218" y="114681"/>
-                </a:cubicBezTo>
-                <a:close/>
-              </a:path>
-            </a:pathLst>
-          </a:custGeom>
-          <a:solidFill>
-            <a:srgbClr val="FFC947"/>
-          </a:solidFill>
-          <a:ln w="9525" cap="flat">
-            <a:noFill/>
-            <a:prstDash val="solid"/>
-            <a:miter/>
-          </a:ln>
-        </p:spPr>
-        <p:txBody>
-          <a:bodyPr rtlCol="0" anchor="ctr"/>
-          <a:lstStyle/>
-          <a:p>
-            <a:endParaRPr lang="en-US"/>
-          </a:p>
-        </p:txBody>
-      </p:sp>
-      <p:sp>
-        <p:nvSpPr>
-          <p:cNvPr id="6" name="Freeform: Shape 5">
-            <a:extLst>
-              <a:ext uri="{FF2B5EF4-FFF2-40B4-BE49-F238E27FC236}">
-                <a16:creationId xmlns:a16="http://schemas.microsoft.com/office/drawing/2014/main" id="{407BB61C-22CA-4824-9E49-9F3B1B7F3780}"/>
-              </a:ext>
-            </a:extLst>
-          </p:cNvPr>
-          <p:cNvSpPr/>
-          <p:nvPr/>
-        </p:nvSpPr>
-        <p:spPr>
-          <a:xfrm>
-            <a:off x="607218" y="2850737"/>
-            <a:ext cx="228600" cy="228600"/>
-          </a:xfrm>
-          <a:custGeom>
-            <a:avLst/>
-            <a:gdLst>
-              <a:gd name="connsiteX0" fmla="*/ 222218 w 228600"/>
-              <a:gd name="connsiteY0" fmla="*/ 114681 h 228600"/>
-              <a:gd name="connsiteX1" fmla="*/ 114681 w 228600"/>
-              <a:gd name="connsiteY1" fmla="*/ 222218 h 228600"/>
-              <a:gd name="connsiteX2" fmla="*/ 7144 w 228600"/>
-              <a:gd name="connsiteY2" fmla="*/ 114681 h 228600"/>
-              <a:gd name="connsiteX3" fmla="*/ 114681 w 228600"/>
-              <a:gd name="connsiteY3" fmla="*/ 7144 h 228600"/>
-              <a:gd name="connsiteX4" fmla="*/ 222218 w 228600"/>
-              <a:gd name="connsiteY4" fmla="*/ 114681 h 228600"/>
-            </a:gdLst>
-            <a:ahLst/>
-            <a:cxnLst>
-              <a:cxn ang="0">
-                <a:pos x="connsiteX0" y="connsiteY0"/>
-              </a:cxn>
-              <a:cxn ang="0">
-                <a:pos x="connsiteX1" y="connsiteY1"/>
-              </a:cxn>
-              <a:cxn ang="0">
-                <a:pos x="connsiteX2" y="connsiteY2"/>
-              </a:cxn>
-              <a:cxn ang="0">
-                <a:pos x="connsiteX3" y="connsiteY3"/>
-              </a:cxn>
-              <a:cxn ang="0">
-                <a:pos x="connsiteX4" y="connsiteY4"/>
-              </a:cxn>
-            </a:cxnLst>
-            <a:rect l="l" t="t" r="r" b="b"/>
-            <a:pathLst>
-              <a:path w="228600" h="228600">
-                <a:moveTo>
-                  <a:pt x="222218" y="114681"/>
-                </a:moveTo>
-                <a:cubicBezTo>
-                  <a:pt x="222218" y="174072"/>
-                  <a:pt x="174072" y="222218"/>
-                  <a:pt x="114681" y="222218"/>
-                </a:cubicBezTo>
-                <a:cubicBezTo>
-                  <a:pt x="55290" y="222218"/>
-                  <a:pt x="7144" y="174072"/>
-                  <a:pt x="7144" y="114681"/>
-                </a:cubicBezTo>
-                <a:cubicBezTo>
-                  <a:pt x="7144" y="55290"/>
-                  <a:pt x="55290" y="7144"/>
-                  <a:pt x="114681" y="7144"/>
-                </a:cubicBezTo>
-                <a:cubicBezTo>
-                  <a:pt x="174072" y="7144"/>
-                  <a:pt x="222218" y="55290"/>
-                  <a:pt x="222218" y="114681"/>
-                </a:cubicBezTo>
-                <a:close/>
-              </a:path>
-            </a:pathLst>
-          </a:custGeom>
-          <a:solidFill>
-            <a:srgbClr val="FFC947"/>
-          </a:solidFill>
-          <a:ln w="9525" cap="flat">
-            <a:noFill/>
-            <a:prstDash val="solid"/>
-            <a:miter/>
-          </a:ln>
-        </p:spPr>
-        <p:txBody>
-          <a:bodyPr rtlCol="0" anchor="ctr"/>
-          <a:lstStyle/>
-          <a:p>
-            <a:endParaRPr lang="en-US"/>
-          </a:p>
-        </p:txBody>
-      </p:sp>
-      <p:sp>
-        <p:nvSpPr>
-          <p:cNvPr id="7" name="Freeform: Shape 6">
-            <a:extLst>
-              <a:ext uri="{FF2B5EF4-FFF2-40B4-BE49-F238E27FC236}">
-                <a16:creationId xmlns:a16="http://schemas.microsoft.com/office/drawing/2014/main" id="{EDA546CF-914A-4426-B11D-3919F41A59EA}"/>
-              </a:ext>
-            </a:extLst>
-          </p:cNvPr>
-          <p:cNvSpPr/>
-          <p:nvPr/>
-        </p:nvSpPr>
-        <p:spPr>
-          <a:xfrm>
-            <a:off x="8958453" y="378618"/>
-            <a:ext cx="228600" cy="228600"/>
-          </a:xfrm>
-          <a:custGeom>
-            <a:avLst/>
-            <a:gdLst>
-              <a:gd name="connsiteX0" fmla="*/ 222218 w 228600"/>
-              <a:gd name="connsiteY0" fmla="*/ 114681 h 228600"/>
-              <a:gd name="connsiteX1" fmla="*/ 114681 w 228600"/>
-              <a:gd name="connsiteY1" fmla="*/ 222218 h 228600"/>
-              <a:gd name="connsiteX2" fmla="*/ 7144 w 228600"/>
-              <a:gd name="connsiteY2" fmla="*/ 114681 h 228600"/>
-              <a:gd name="connsiteX3" fmla="*/ 114681 w 228600"/>
-              <a:gd name="connsiteY3" fmla="*/ 7144 h 228600"/>
-              <a:gd name="connsiteX4" fmla="*/ 222218 w 228600"/>
-              <a:gd name="connsiteY4" fmla="*/ 114681 h 228600"/>
-            </a:gdLst>
-            <a:ahLst/>
-            <a:cxnLst>
-              <a:cxn ang="0">
-                <a:pos x="connsiteX0" y="connsiteY0"/>
-              </a:cxn>
-              <a:cxn ang="0">
-                <a:pos x="connsiteX1" y="connsiteY1"/>
-              </a:cxn>
-              <a:cxn ang="0">
-                <a:pos x="connsiteX2" y="connsiteY2"/>
-              </a:cxn>
-              <a:cxn ang="0">
-                <a:pos x="connsiteX3" y="connsiteY3"/>
-              </a:cxn>
-              <a:cxn ang="0">
-                <a:pos x="connsiteX4" y="connsiteY4"/>
-              </a:cxn>
-            </a:cxnLst>
-            <a:rect l="l" t="t" r="r" b="b"/>
-            <a:pathLst>
-              <a:path w="228600" h="228600">
-                <a:moveTo>
-                  <a:pt x="222218" y="114681"/>
-                </a:moveTo>
-                <a:cubicBezTo>
-                  <a:pt x="222218" y="174072"/>
-                  <a:pt x="174072" y="222218"/>
-                  <a:pt x="114681" y="222218"/>
-                </a:cubicBezTo>
-                <a:cubicBezTo>
-                  <a:pt x="55290" y="222218"/>
-                  <a:pt x="7144" y="174072"/>
-                  <a:pt x="7144" y="114681"/>
-                </a:cubicBezTo>
-                <a:cubicBezTo>
-                  <a:pt x="7144" y="55290"/>
-                  <a:pt x="55290" y="7144"/>
-                  <a:pt x="114681" y="7144"/>
-                </a:cubicBezTo>
-                <a:cubicBezTo>
-                  <a:pt x="174072" y="7144"/>
-                  <a:pt x="222218" y="55290"/>
-                  <a:pt x="222218" y="114681"/>
-                </a:cubicBezTo>
-                <a:close/>
-              </a:path>
-            </a:pathLst>
-          </a:custGeom>
-          <a:solidFill>
-            <a:srgbClr val="FFC947"/>
-          </a:solidFill>
-          <a:ln w="9525" cap="flat">
-            <a:noFill/>
-            <a:prstDash val="solid"/>
-            <a:miter/>
-          </a:ln>
-        </p:spPr>
-        <p:txBody>
-          <a:bodyPr rtlCol="0" anchor="ctr"/>
-          <a:lstStyle/>
-          <a:p>
-            <a:endParaRPr lang="en-US"/>
-          </a:p>
-        </p:txBody>
-      </p:sp>
-      <p:sp>
-        <p:nvSpPr>
-          <p:cNvPr id="9" name="Freeform: Shape 8">
-            <a:extLst>
-              <a:ext uri="{FF2B5EF4-FFF2-40B4-BE49-F238E27FC236}">
-                <a16:creationId xmlns:a16="http://schemas.microsoft.com/office/drawing/2014/main" id="{E3E8262C-BC44-4675-B7C1-A150CE5D2971}"/>
-              </a:ext>
-            </a:extLst>
-          </p:cNvPr>
-          <p:cNvSpPr/>
-          <p:nvPr/>
-        </p:nvSpPr>
-        <p:spPr>
-          <a:xfrm>
-            <a:off x="11357514" y="593788"/>
-            <a:ext cx="228600" cy="228600"/>
-          </a:xfrm>
-          <a:custGeom>
-            <a:avLst/>
-            <a:gdLst>
-              <a:gd name="connsiteX0" fmla="*/ 222218 w 228600"/>
-              <a:gd name="connsiteY0" fmla="*/ 114681 h 228600"/>
-              <a:gd name="connsiteX1" fmla="*/ 114680 w 228600"/>
-              <a:gd name="connsiteY1" fmla="*/ 222218 h 228600"/>
-              <a:gd name="connsiteX2" fmla="*/ 7143 w 228600"/>
-              <a:gd name="connsiteY2" fmla="*/ 114681 h 228600"/>
-              <a:gd name="connsiteX3" fmla="*/ 114680 w 228600"/>
-              <a:gd name="connsiteY3" fmla="*/ 7144 h 228600"/>
-              <a:gd name="connsiteX4" fmla="*/ 222218 w 228600"/>
-              <a:gd name="connsiteY4" fmla="*/ 114681 h 228600"/>
-            </a:gdLst>
-            <a:ahLst/>
-            <a:cxnLst>
-              <a:cxn ang="0">
-                <a:pos x="connsiteX0" y="connsiteY0"/>
-              </a:cxn>
-              <a:cxn ang="0">
-                <a:pos x="connsiteX1" y="connsiteY1"/>
-              </a:cxn>
-              <a:cxn ang="0">
-                <a:pos x="connsiteX2" y="connsiteY2"/>
-              </a:cxn>
-              <a:cxn ang="0">
-                <a:pos x="connsiteX3" y="connsiteY3"/>
-              </a:cxn>
-              <a:cxn ang="0">
-                <a:pos x="connsiteX4" y="connsiteY4"/>
-              </a:cxn>
-            </a:cxnLst>
-            <a:rect l="l" t="t" r="r" b="b"/>
-            <a:pathLst>
-              <a:path w="228600" h="228600">
-                <a:moveTo>
-                  <a:pt x="222218" y="114681"/>
-                </a:moveTo>
-                <a:cubicBezTo>
-                  <a:pt x="222218" y="174072"/>
-                  <a:pt x="174072" y="222218"/>
-                  <a:pt x="114680" y="222218"/>
-                </a:cubicBezTo>
-                <a:cubicBezTo>
-                  <a:pt x="55289" y="222218"/>
-                  <a:pt x="7143" y="174072"/>
-                  <a:pt x="7143" y="114681"/>
-                </a:cubicBezTo>
-                <a:cubicBezTo>
-                  <a:pt x="7143" y="55290"/>
-                  <a:pt x="55289" y="7144"/>
-                  <a:pt x="114680" y="7144"/>
-                </a:cubicBezTo>
-                <a:cubicBezTo>
-                  <a:pt x="174072" y="7144"/>
-                  <a:pt x="222218" y="55290"/>
-                  <a:pt x="222218" y="114681"/>
-                </a:cubicBezTo>
-                <a:close/>
-              </a:path>
-            </a:pathLst>
-          </a:custGeom>
-          <a:solidFill>
-            <a:srgbClr val="FFC947"/>
-          </a:solidFill>
-          <a:ln w="9525" cap="flat">
-            <a:noFill/>
-            <a:prstDash val="solid"/>
-            <a:miter/>
-          </a:ln>
-        </p:spPr>
-        <p:txBody>
-          <a:bodyPr rtlCol="0" anchor="ctr"/>
-          <a:lstStyle/>
-          <a:p>
-            <a:endParaRPr lang="en-US"/>
-          </a:p>
-        </p:txBody>
-      </p:sp>
-      <p:sp>
-        <p:nvSpPr>
-          <p:cNvPr id="10" name="Freeform: Shape 9">
-            <a:extLst>
-              <a:ext uri="{FF2B5EF4-FFF2-40B4-BE49-F238E27FC236}">
-                <a16:creationId xmlns:a16="http://schemas.microsoft.com/office/drawing/2014/main" id="{3D22F762-F471-4FEB-B5A0-651DE466D74A}"/>
-              </a:ext>
-            </a:extLst>
-          </p:cNvPr>
-          <p:cNvSpPr/>
-          <p:nvPr/>
-        </p:nvSpPr>
-        <p:spPr>
-          <a:xfrm>
-            <a:off x="6815137" y="6248114"/>
-            <a:ext cx="228600" cy="228600"/>
-          </a:xfrm>
-          <a:custGeom>
-            <a:avLst/>
-            <a:gdLst>
-              <a:gd name="connsiteX0" fmla="*/ 222218 w 228600"/>
-              <a:gd name="connsiteY0" fmla="*/ 114681 h 228600"/>
-              <a:gd name="connsiteX1" fmla="*/ 114681 w 228600"/>
-              <a:gd name="connsiteY1" fmla="*/ 222218 h 228600"/>
-              <a:gd name="connsiteX2" fmla="*/ 7144 w 228600"/>
-              <a:gd name="connsiteY2" fmla="*/ 114681 h 228600"/>
-              <a:gd name="connsiteX3" fmla="*/ 114681 w 228600"/>
-              <a:gd name="connsiteY3" fmla="*/ 7144 h 228600"/>
-              <a:gd name="connsiteX4" fmla="*/ 222218 w 228600"/>
-              <a:gd name="connsiteY4" fmla="*/ 114681 h 228600"/>
-            </a:gdLst>
-            <a:ahLst/>
-            <a:cxnLst>
-              <a:cxn ang="0">
-                <a:pos x="connsiteX0" y="connsiteY0"/>
-              </a:cxn>
-              <a:cxn ang="0">
-                <a:pos x="connsiteX1" y="connsiteY1"/>
-              </a:cxn>
-              <a:cxn ang="0">
-                <a:pos x="connsiteX2" y="connsiteY2"/>
-              </a:cxn>
-              <a:cxn ang="0">
-                <a:pos x="connsiteX3" y="connsiteY3"/>
-              </a:cxn>
-              <a:cxn ang="0">
-                <a:pos x="connsiteX4" y="connsiteY4"/>
-              </a:cxn>
-            </a:cxnLst>
-            <a:rect l="l" t="t" r="r" b="b"/>
-            <a:pathLst>
-              <a:path w="228600" h="228600">
-                <a:moveTo>
-                  <a:pt x="222218" y="114681"/>
-                </a:moveTo>
-                <a:cubicBezTo>
-                  <a:pt x="222218" y="174072"/>
-                  <a:pt x="174073" y="222218"/>
-                  <a:pt x="114681" y="222218"/>
-                </a:cubicBezTo>
-                <a:cubicBezTo>
-                  <a:pt x="55290" y="222218"/>
-                  <a:pt x="7144" y="174072"/>
-                  <a:pt x="7144" y="114681"/>
-                </a:cubicBezTo>
-                <a:cubicBezTo>
-                  <a:pt x="7144" y="55290"/>
-                  <a:pt x="55290" y="7144"/>
-                  <a:pt x="114681" y="7144"/>
-                </a:cubicBezTo>
-                <a:cubicBezTo>
-                  <a:pt x="174073" y="7144"/>
-                  <a:pt x="222218" y="55290"/>
-                  <a:pt x="222218" y="114681"/>
-                </a:cubicBezTo>
-                <a:close/>
-              </a:path>
-            </a:pathLst>
-          </a:custGeom>
-          <a:solidFill>
-            <a:srgbClr val="FFC947"/>
-          </a:solidFill>
-          <a:ln w="9525" cap="flat">
-            <a:noFill/>
-            <a:prstDash val="solid"/>
-            <a:miter/>
-          </a:ln>
-        </p:spPr>
-        <p:txBody>
-          <a:bodyPr rtlCol="0" anchor="ctr"/>
-          <a:lstStyle/>
-          <a:p>
-            <a:endParaRPr lang="en-US"/>
-          </a:p>
-        </p:txBody>
-      </p:sp>
-      <p:sp>
-        <p:nvSpPr>
-          <p:cNvPr id="11" name="Freeform: Shape 10">
-            <a:extLst>
-              <a:ext uri="{FF2B5EF4-FFF2-40B4-BE49-F238E27FC236}">
-                <a16:creationId xmlns:a16="http://schemas.microsoft.com/office/drawing/2014/main" id="{4FFD4216-B852-4A6F-9B63-3CFF51456115}"/>
-              </a:ext>
-            </a:extLst>
-          </p:cNvPr>
-          <p:cNvSpPr/>
-          <p:nvPr/>
-        </p:nvSpPr>
-        <p:spPr>
-          <a:xfrm>
-            <a:off x="646557" y="6248114"/>
-            <a:ext cx="228600" cy="228600"/>
-          </a:xfrm>
-          <a:custGeom>
-            <a:avLst/>
-            <a:gdLst>
-              <a:gd name="connsiteX0" fmla="*/ 222218 w 228600"/>
-              <a:gd name="connsiteY0" fmla="*/ 114681 h 228600"/>
-              <a:gd name="connsiteX1" fmla="*/ 114681 w 228600"/>
-              <a:gd name="connsiteY1" fmla="*/ 222218 h 228600"/>
-              <a:gd name="connsiteX2" fmla="*/ 7144 w 228600"/>
-              <a:gd name="connsiteY2" fmla="*/ 114681 h 228600"/>
-              <a:gd name="connsiteX3" fmla="*/ 114681 w 228600"/>
-              <a:gd name="connsiteY3" fmla="*/ 7144 h 228600"/>
-              <a:gd name="connsiteX4" fmla="*/ 222218 w 228600"/>
-              <a:gd name="connsiteY4" fmla="*/ 114681 h 228600"/>
-            </a:gdLst>
-            <a:ahLst/>
-            <a:cxnLst>
-              <a:cxn ang="0">
-                <a:pos x="connsiteX0" y="connsiteY0"/>
-              </a:cxn>
-              <a:cxn ang="0">
-                <a:pos x="connsiteX1" y="connsiteY1"/>
-              </a:cxn>
-              <a:cxn ang="0">
-                <a:pos x="connsiteX2" y="connsiteY2"/>
-              </a:cxn>
-              <a:cxn ang="0">
-                <a:pos x="connsiteX3" y="connsiteY3"/>
-              </a:cxn>
-              <a:cxn ang="0">
-                <a:pos x="connsiteX4" y="connsiteY4"/>
-              </a:cxn>
-            </a:cxnLst>
-            <a:rect l="l" t="t" r="r" b="b"/>
-            <a:pathLst>
-              <a:path w="228600" h="228600">
-                <a:moveTo>
-                  <a:pt x="222218" y="114681"/>
-                </a:moveTo>
-                <a:cubicBezTo>
-                  <a:pt x="222218" y="174072"/>
-                  <a:pt x="174072" y="222218"/>
-                  <a:pt x="114681" y="222218"/>
-                </a:cubicBezTo>
-                <a:cubicBezTo>
-                  <a:pt x="55290" y="222218"/>
-                  <a:pt x="7144" y="174072"/>
-                  <a:pt x="7144" y="114681"/>
-                </a:cubicBezTo>
-                <a:cubicBezTo>
-                  <a:pt x="7144" y="55290"/>
-                  <a:pt x="55290" y="7144"/>
-                  <a:pt x="114681" y="7144"/>
-                </a:cubicBezTo>
-                <a:cubicBezTo>
-                  <a:pt x="174072" y="7144"/>
-                  <a:pt x="222218" y="55290"/>
-                  <a:pt x="222218" y="114681"/>
-                </a:cubicBezTo>
-                <a:close/>
-              </a:path>
-            </a:pathLst>
-          </a:custGeom>
-          <a:solidFill>
-            <a:srgbClr val="FFC947"/>
-          </a:solidFill>
-          <a:ln w="9525" cap="flat">
-            <a:noFill/>
-            <a:prstDash val="solid"/>
-            <a:miter/>
-          </a:ln>
-        </p:spPr>
-        <p:txBody>
-          <a:bodyPr rtlCol="0" anchor="ctr"/>
-          <a:lstStyle/>
-          <a:p>
-            <a:endParaRPr lang="en-US"/>
-          </a:p>
-        </p:txBody>
-      </p:sp>
-      <p:sp>
-        <p:nvSpPr>
-          <p:cNvPr id="49" name="TextBox 48">
-            <a:extLst>
-              <a:ext uri="{FF2B5EF4-FFF2-40B4-BE49-F238E27FC236}">
-                <a16:creationId xmlns:a16="http://schemas.microsoft.com/office/drawing/2014/main" id="{0E0C35A2-2367-49FB-94AE-53E03758A8B2}"/>
-              </a:ext>
-            </a:extLst>
-          </p:cNvPr>
-          <p:cNvSpPr txBox="1"/>
-          <p:nvPr/>
-        </p:nvSpPr>
-        <p:spPr>
-          <a:xfrm>
-            <a:off x="4852983" y="69933"/>
-            <a:ext cx="2727991" cy="1015663"/>
-          </a:xfrm>
-          <a:prstGeom prst="rect">
-            <a:avLst/>
-          </a:prstGeom>
-          <a:noFill/>
-        </p:spPr>
-        <p:txBody>
-          <a:bodyPr wrap="none" rtlCol="0">
-            <a:spAutoFit/>
-          </a:bodyPr>
-          <a:lstStyle/>
-          <a:p>
-            <a:pPr algn="ctr"/>
-            <a:r>
-              <a:rPr lang="en-US" sz="6000" b="1" dirty="0" err="1">
-                <a:solidFill>
-                  <a:schemeClr val="accent1"/>
-                </a:solidFill>
-                <a:latin typeface="+mj-lt"/>
-              </a:rPr>
-              <a:t>Thiết</a:t>
-            </a:r>
-            <a:r>
-              <a:rPr lang="en-US" sz="6000" b="1" dirty="0">
-                <a:solidFill>
-                  <a:schemeClr val="accent2"/>
-                </a:solidFill>
-                <a:latin typeface="+mj-lt"/>
-              </a:rPr>
-              <a:t> </a:t>
-            </a:r>
-            <a:r>
-              <a:rPr lang="en-US" sz="6000" b="1" dirty="0" err="1">
-                <a:solidFill>
-                  <a:schemeClr val="accent2"/>
-                </a:solidFill>
-                <a:latin typeface="+mj-lt"/>
-              </a:rPr>
-              <a:t>kế</a:t>
-            </a:r>
-            <a:endParaRPr lang="en-US" sz="6000" b="1" dirty="0">
-              <a:solidFill>
-                <a:schemeClr val="accent2"/>
-              </a:solidFill>
-              <a:latin typeface="+mj-lt"/>
-            </a:endParaRPr>
-          </a:p>
-        </p:txBody>
-      </p:sp>
-      <p:pic>
-        <p:nvPicPr>
-          <p:cNvPr id="4098" name="Picture 2">
-            <a:extLst>
-              <a:ext uri="{FF2B5EF4-FFF2-40B4-BE49-F238E27FC236}">
-                <a16:creationId xmlns:a16="http://schemas.microsoft.com/office/drawing/2014/main" id="{2086D259-7448-6E7B-4430-21E28EEBD50C}"/>
-              </a:ext>
-            </a:extLst>
-          </p:cNvPr>
-          <p:cNvPicPr>
-            <a:picLocks noChangeAspect="1" noChangeArrowheads="1"/>
-          </p:cNvPicPr>
-          <p:nvPr/>
-        </p:nvPicPr>
-        <p:blipFill>
-          <a:blip r:embed="rId2">
-            <a:extLst>
-              <a:ext uri="{28A0092B-C50C-407E-A947-70E740481C1C}">
-                <a14:useLocalDpi xmlns:a14="http://schemas.microsoft.com/office/drawing/2010/main" val="0"/>
-              </a:ext>
-            </a:extLst>
-          </a:blip>
-          <a:srcRect/>
-          <a:stretch>
-            <a:fillRect/>
-          </a:stretch>
-        </p:blipFill>
-        <p:spPr bwMode="auto">
-          <a:xfrm>
-            <a:off x="1932680" y="1553337"/>
-            <a:ext cx="8326640" cy="3751326"/>
-          </a:xfrm>
-          <a:prstGeom prst="rect">
-            <a:avLst/>
-          </a:prstGeom>
-          <a:noFill/>
-          <a:extLst>
-            <a:ext uri="{909E8E84-426E-40DD-AFC4-6F175D3DCCD1}">
-              <a14:hiddenFill xmlns:a14="http://schemas.microsoft.com/office/drawing/2010/main">
-                <a:solidFill>
-                  <a:srgbClr val="FFFFFF"/>
-                </a:solidFill>
-              </a14:hiddenFill>
-            </a:ext>
-          </a:extLst>
-        </p:spPr>
-      </p:pic>
-    </p:spTree>
-    <p:extLst>
-      <p:ext uri="{BB962C8B-B14F-4D97-AF65-F5344CB8AC3E}">
-        <p14:creationId xmlns:p14="http://schemas.microsoft.com/office/powerpoint/2010/main" val="3887301802"/>
-      </p:ext>
-    </p:extLst>
-  </p:cSld>
-  <p:clrMapOvr>
-    <a:masterClrMapping/>
-  </p:clrMapOvr>
-  <mc:AlternateContent xmlns:mc="http://schemas.openxmlformats.org/markup-compatibility/2006" xmlns:p14="http://schemas.microsoft.com/office/powerpoint/2010/main">
-    <mc:Choice Requires="p14">
-      <p:transition p14:dur="0"/>
-    </mc:Choice>
-    <mc:Fallback xmlns="">
-      <p:transition/>
-    </mc:Fallback>
-  </mc:AlternateContent>
-</p:sld>
-</file>
-
-<file path=ppt/slides/slide9.xml><?xml version="1.0" encoding="utf-8"?>
-<p:sld xmlns:a="http://schemas.openxmlformats.org/drawingml/2006/main" xmlns:r="http://schemas.openxmlformats.org/officeDocument/2006/relationships" xmlns:p="http://schemas.openxmlformats.org/presentationml/2006/main">
-  <p:cSld>
-    <p:spTree>
-      <p:nvGrpSpPr>
-        <p:cNvPr id="1" name=""/>
-        <p:cNvGrpSpPr/>
-        <p:nvPr/>
-      </p:nvGrpSpPr>
-      <p:grpSpPr>
-        <a:xfrm>
-          <a:off x="0" y="0"/>
-          <a:ext cx="0" cy="0"/>
-          <a:chOff x="0" y="0"/>
-          <a:chExt cx="0" cy="0"/>
-        </a:xfrm>
-      </p:grpSpPr>
-      <p:sp>
-        <p:nvSpPr>
-          <p:cNvPr id="4" name="Freeform: Shape 3">
-            <a:extLst>
-              <a:ext uri="{FF2B5EF4-FFF2-40B4-BE49-F238E27FC236}">
-                <a16:creationId xmlns:a16="http://schemas.microsoft.com/office/drawing/2014/main" id="{7BD3447E-8CAF-43CA-A07C-CB6BC59AA802}"/>
-              </a:ext>
-            </a:extLst>
-          </p:cNvPr>
-          <p:cNvSpPr/>
-          <p:nvPr/>
-        </p:nvSpPr>
-        <p:spPr>
-          <a:xfrm>
-            <a:off x="2757487" y="842867"/>
-            <a:ext cx="228600" cy="228600"/>
-          </a:xfrm>
-          <a:custGeom>
-            <a:avLst/>
-            <a:gdLst>
-              <a:gd name="connsiteX0" fmla="*/ 222218 w 228600"/>
-              <a:gd name="connsiteY0" fmla="*/ 114681 h 228600"/>
-              <a:gd name="connsiteX1" fmla="*/ 114681 w 228600"/>
-              <a:gd name="connsiteY1" fmla="*/ 222218 h 228600"/>
-              <a:gd name="connsiteX2" fmla="*/ 7144 w 228600"/>
-              <a:gd name="connsiteY2" fmla="*/ 114681 h 228600"/>
-              <a:gd name="connsiteX3" fmla="*/ 114681 w 228600"/>
-              <a:gd name="connsiteY3" fmla="*/ 7144 h 228600"/>
-              <a:gd name="connsiteX4" fmla="*/ 222218 w 228600"/>
-              <a:gd name="connsiteY4" fmla="*/ 114681 h 228600"/>
-            </a:gdLst>
-            <a:ahLst/>
-            <a:cxnLst>
-              <a:cxn ang="0">
-                <a:pos x="connsiteX0" y="connsiteY0"/>
-              </a:cxn>
-              <a:cxn ang="0">
-                <a:pos x="connsiteX1" y="connsiteY1"/>
-              </a:cxn>
-              <a:cxn ang="0">
-                <a:pos x="connsiteX2" y="connsiteY2"/>
-              </a:cxn>
-              <a:cxn ang="0">
-                <a:pos x="connsiteX3" y="connsiteY3"/>
-              </a:cxn>
-              <a:cxn ang="0">
-                <a:pos x="connsiteX4" y="connsiteY4"/>
-              </a:cxn>
-            </a:cxnLst>
-            <a:rect l="l" t="t" r="r" b="b"/>
-            <a:pathLst>
-              <a:path w="228600" h="228600">
-                <a:moveTo>
-                  <a:pt x="222218" y="114681"/>
-                </a:moveTo>
-                <a:cubicBezTo>
-                  <a:pt x="222218" y="174072"/>
-                  <a:pt x="174072" y="222218"/>
-                  <a:pt x="114681" y="222218"/>
-                </a:cubicBezTo>
-                <a:cubicBezTo>
-                  <a:pt x="55290" y="222218"/>
-                  <a:pt x="7144" y="174072"/>
-                  <a:pt x="7144" y="114681"/>
-                </a:cubicBezTo>
-                <a:cubicBezTo>
-                  <a:pt x="7144" y="55290"/>
-                  <a:pt x="55290" y="7144"/>
-                  <a:pt x="114681" y="7144"/>
-                </a:cubicBezTo>
-                <a:cubicBezTo>
-                  <a:pt x="174072" y="7144"/>
-                  <a:pt x="222218" y="55290"/>
-                  <a:pt x="222218" y="114681"/>
-                </a:cubicBezTo>
-                <a:close/>
-              </a:path>
-            </a:pathLst>
-          </a:custGeom>
-          <a:solidFill>
-            <a:srgbClr val="FFC947"/>
-          </a:solidFill>
-          <a:ln w="9525" cap="flat">
-            <a:noFill/>
-            <a:prstDash val="solid"/>
-            <a:miter/>
-          </a:ln>
-        </p:spPr>
-        <p:txBody>
-          <a:bodyPr rtlCol="0" anchor="ctr"/>
-          <a:lstStyle/>
-          <a:p>
-            <a:endParaRPr lang="en-US"/>
-          </a:p>
-        </p:txBody>
-      </p:sp>
-      <p:sp>
-        <p:nvSpPr>
-          <p:cNvPr id="5" name="Freeform: Shape 4">
-            <a:extLst>
-              <a:ext uri="{FF2B5EF4-FFF2-40B4-BE49-F238E27FC236}">
-                <a16:creationId xmlns:a16="http://schemas.microsoft.com/office/drawing/2014/main" id="{B5E4CB26-9BF5-4819-A991-22068C3A2B14}"/>
-              </a:ext>
-            </a:extLst>
-          </p:cNvPr>
-          <p:cNvSpPr/>
-          <p:nvPr/>
-        </p:nvSpPr>
-        <p:spPr>
-          <a:xfrm>
-            <a:off x="646557" y="1324737"/>
-            <a:ext cx="228600" cy="228600"/>
-          </a:xfrm>
-          <a:custGeom>
-            <a:avLst/>
-            <a:gdLst>
-              <a:gd name="connsiteX0" fmla="*/ 222218 w 228600"/>
-              <a:gd name="connsiteY0" fmla="*/ 114681 h 228600"/>
-              <a:gd name="connsiteX1" fmla="*/ 114681 w 228600"/>
-              <a:gd name="connsiteY1" fmla="*/ 222218 h 228600"/>
-              <a:gd name="connsiteX2" fmla="*/ 7144 w 228600"/>
-              <a:gd name="connsiteY2" fmla="*/ 114681 h 228600"/>
-              <a:gd name="connsiteX3" fmla="*/ 114681 w 228600"/>
-              <a:gd name="connsiteY3" fmla="*/ 7144 h 228600"/>
-              <a:gd name="connsiteX4" fmla="*/ 222218 w 228600"/>
-              <a:gd name="connsiteY4" fmla="*/ 114681 h 228600"/>
-            </a:gdLst>
-            <a:ahLst/>
-            <a:cxnLst>
-              <a:cxn ang="0">
-                <a:pos x="connsiteX0" y="connsiteY0"/>
-              </a:cxn>
-              <a:cxn ang="0">
-                <a:pos x="connsiteX1" y="connsiteY1"/>
-              </a:cxn>
-              <a:cxn ang="0">
-                <a:pos x="connsiteX2" y="connsiteY2"/>
-              </a:cxn>
-              <a:cxn ang="0">
-                <a:pos x="connsiteX3" y="connsiteY3"/>
-              </a:cxn>
-              <a:cxn ang="0">
-                <a:pos x="connsiteX4" y="connsiteY4"/>
-              </a:cxn>
-            </a:cxnLst>
-            <a:rect l="l" t="t" r="r" b="b"/>
-            <a:pathLst>
-              <a:path w="228600" h="228600">
-                <a:moveTo>
-                  <a:pt x="222218" y="114681"/>
-                </a:moveTo>
-                <a:cubicBezTo>
-                  <a:pt x="222218" y="174072"/>
-                  <a:pt x="174072" y="222218"/>
-                  <a:pt x="114681" y="222218"/>
-                </a:cubicBezTo>
-                <a:cubicBezTo>
-                  <a:pt x="55290" y="222218"/>
-                  <a:pt x="7144" y="174072"/>
-                  <a:pt x="7144" y="114681"/>
-                </a:cubicBezTo>
-                <a:cubicBezTo>
-                  <a:pt x="7144" y="55290"/>
-                  <a:pt x="55290" y="7144"/>
-                  <a:pt x="114681" y="7144"/>
-                </a:cubicBezTo>
-                <a:cubicBezTo>
-                  <a:pt x="174072" y="7144"/>
-                  <a:pt x="222218" y="55290"/>
-                  <a:pt x="222218" y="114681"/>
-                </a:cubicBezTo>
-                <a:close/>
-              </a:path>
-            </a:pathLst>
-          </a:custGeom>
-          <a:solidFill>
-            <a:srgbClr val="FFC947"/>
-          </a:solidFill>
-          <a:ln w="9525" cap="flat">
-            <a:noFill/>
-            <a:prstDash val="solid"/>
-            <a:miter/>
-          </a:ln>
-        </p:spPr>
-        <p:txBody>
-          <a:bodyPr rtlCol="0" anchor="ctr"/>
-          <a:lstStyle/>
-          <a:p>
-            <a:endParaRPr lang="en-US"/>
-          </a:p>
-        </p:txBody>
-      </p:sp>
-      <p:sp>
-        <p:nvSpPr>
-          <p:cNvPr id="6" name="Freeform: Shape 5">
-            <a:extLst>
-              <a:ext uri="{FF2B5EF4-FFF2-40B4-BE49-F238E27FC236}">
-                <a16:creationId xmlns:a16="http://schemas.microsoft.com/office/drawing/2014/main" id="{407BB61C-22CA-4824-9E49-9F3B1B7F3780}"/>
-              </a:ext>
-            </a:extLst>
-          </p:cNvPr>
-          <p:cNvSpPr/>
-          <p:nvPr/>
-        </p:nvSpPr>
-        <p:spPr>
-          <a:xfrm>
-            <a:off x="607218" y="2850737"/>
-            <a:ext cx="228600" cy="228600"/>
-          </a:xfrm>
-          <a:custGeom>
-            <a:avLst/>
-            <a:gdLst>
-              <a:gd name="connsiteX0" fmla="*/ 222218 w 228600"/>
-              <a:gd name="connsiteY0" fmla="*/ 114681 h 228600"/>
-              <a:gd name="connsiteX1" fmla="*/ 114681 w 228600"/>
-              <a:gd name="connsiteY1" fmla="*/ 222218 h 228600"/>
-              <a:gd name="connsiteX2" fmla="*/ 7144 w 228600"/>
-              <a:gd name="connsiteY2" fmla="*/ 114681 h 228600"/>
-              <a:gd name="connsiteX3" fmla="*/ 114681 w 228600"/>
-              <a:gd name="connsiteY3" fmla="*/ 7144 h 228600"/>
-              <a:gd name="connsiteX4" fmla="*/ 222218 w 228600"/>
-              <a:gd name="connsiteY4" fmla="*/ 114681 h 228600"/>
-            </a:gdLst>
-            <a:ahLst/>
-            <a:cxnLst>
-              <a:cxn ang="0">
-                <a:pos x="connsiteX0" y="connsiteY0"/>
-              </a:cxn>
-              <a:cxn ang="0">
-                <a:pos x="connsiteX1" y="connsiteY1"/>
-              </a:cxn>
-              <a:cxn ang="0">
-                <a:pos x="connsiteX2" y="connsiteY2"/>
-              </a:cxn>
-              <a:cxn ang="0">
-                <a:pos x="connsiteX3" y="connsiteY3"/>
-              </a:cxn>
-              <a:cxn ang="0">
-                <a:pos x="connsiteX4" y="connsiteY4"/>
-              </a:cxn>
-            </a:cxnLst>
-            <a:rect l="l" t="t" r="r" b="b"/>
-            <a:pathLst>
-              <a:path w="228600" h="228600">
-                <a:moveTo>
-                  <a:pt x="222218" y="114681"/>
-                </a:moveTo>
-                <a:cubicBezTo>
-                  <a:pt x="222218" y="174072"/>
-                  <a:pt x="174072" y="222218"/>
-                  <a:pt x="114681" y="222218"/>
-                </a:cubicBezTo>
-                <a:cubicBezTo>
-                  <a:pt x="55290" y="222218"/>
-                  <a:pt x="7144" y="174072"/>
-                  <a:pt x="7144" y="114681"/>
-                </a:cubicBezTo>
-                <a:cubicBezTo>
-                  <a:pt x="7144" y="55290"/>
-                  <a:pt x="55290" y="7144"/>
-                  <a:pt x="114681" y="7144"/>
-                </a:cubicBezTo>
-                <a:cubicBezTo>
-                  <a:pt x="174072" y="7144"/>
-                  <a:pt x="222218" y="55290"/>
-                  <a:pt x="222218" y="114681"/>
-                </a:cubicBezTo>
-                <a:close/>
-              </a:path>
-            </a:pathLst>
-          </a:custGeom>
-          <a:solidFill>
-            <a:srgbClr val="FFC947"/>
-          </a:solidFill>
-          <a:ln w="9525" cap="flat">
-            <a:noFill/>
-            <a:prstDash val="solid"/>
-            <a:miter/>
-          </a:ln>
-        </p:spPr>
-        <p:txBody>
-          <a:bodyPr rtlCol="0" anchor="ctr"/>
-          <a:lstStyle/>
-          <a:p>
-            <a:endParaRPr lang="en-US"/>
-          </a:p>
-        </p:txBody>
-      </p:sp>
-      <p:sp>
-        <p:nvSpPr>
-          <p:cNvPr id="7" name="Freeform: Shape 6">
-            <a:extLst>
-              <a:ext uri="{FF2B5EF4-FFF2-40B4-BE49-F238E27FC236}">
-                <a16:creationId xmlns:a16="http://schemas.microsoft.com/office/drawing/2014/main" id="{EDA546CF-914A-4426-B11D-3919F41A59EA}"/>
-              </a:ext>
-            </a:extLst>
-          </p:cNvPr>
-          <p:cNvSpPr/>
-          <p:nvPr/>
-        </p:nvSpPr>
-        <p:spPr>
-          <a:xfrm>
-            <a:off x="8958453" y="378618"/>
-            <a:ext cx="228600" cy="228600"/>
-          </a:xfrm>
-          <a:custGeom>
-            <a:avLst/>
-            <a:gdLst>
-              <a:gd name="connsiteX0" fmla="*/ 222218 w 228600"/>
-              <a:gd name="connsiteY0" fmla="*/ 114681 h 228600"/>
-              <a:gd name="connsiteX1" fmla="*/ 114681 w 228600"/>
-              <a:gd name="connsiteY1" fmla="*/ 222218 h 228600"/>
-              <a:gd name="connsiteX2" fmla="*/ 7144 w 228600"/>
-              <a:gd name="connsiteY2" fmla="*/ 114681 h 228600"/>
-              <a:gd name="connsiteX3" fmla="*/ 114681 w 228600"/>
-              <a:gd name="connsiteY3" fmla="*/ 7144 h 228600"/>
-              <a:gd name="connsiteX4" fmla="*/ 222218 w 228600"/>
-              <a:gd name="connsiteY4" fmla="*/ 114681 h 228600"/>
-            </a:gdLst>
-            <a:ahLst/>
-            <a:cxnLst>
-              <a:cxn ang="0">
-                <a:pos x="connsiteX0" y="connsiteY0"/>
-              </a:cxn>
-              <a:cxn ang="0">
-                <a:pos x="connsiteX1" y="connsiteY1"/>
-              </a:cxn>
-              <a:cxn ang="0">
-                <a:pos x="connsiteX2" y="connsiteY2"/>
-              </a:cxn>
-              <a:cxn ang="0">
-                <a:pos x="connsiteX3" y="connsiteY3"/>
-              </a:cxn>
-              <a:cxn ang="0">
-                <a:pos x="connsiteX4" y="connsiteY4"/>
-              </a:cxn>
-            </a:cxnLst>
-            <a:rect l="l" t="t" r="r" b="b"/>
-            <a:pathLst>
-              <a:path w="228600" h="228600">
-                <a:moveTo>
-                  <a:pt x="222218" y="114681"/>
-                </a:moveTo>
-                <a:cubicBezTo>
-                  <a:pt x="222218" y="174072"/>
-                  <a:pt x="174072" y="222218"/>
-                  <a:pt x="114681" y="222218"/>
-                </a:cubicBezTo>
-                <a:cubicBezTo>
-                  <a:pt x="55290" y="222218"/>
-                  <a:pt x="7144" y="174072"/>
-                  <a:pt x="7144" y="114681"/>
-                </a:cubicBezTo>
-                <a:cubicBezTo>
-                  <a:pt x="7144" y="55290"/>
-                  <a:pt x="55290" y="7144"/>
-                  <a:pt x="114681" y="7144"/>
-                </a:cubicBezTo>
-                <a:cubicBezTo>
-                  <a:pt x="174072" y="7144"/>
-                  <a:pt x="222218" y="55290"/>
-                  <a:pt x="222218" y="114681"/>
-                </a:cubicBezTo>
-                <a:close/>
-              </a:path>
-            </a:pathLst>
-          </a:custGeom>
-          <a:solidFill>
-            <a:srgbClr val="FFC947"/>
-          </a:solidFill>
-          <a:ln w="9525" cap="flat">
-            <a:noFill/>
-            <a:prstDash val="solid"/>
-            <a:miter/>
-          </a:ln>
-        </p:spPr>
-        <p:txBody>
-          <a:bodyPr rtlCol="0" anchor="ctr"/>
-          <a:lstStyle/>
-          <a:p>
-            <a:endParaRPr lang="en-US"/>
-          </a:p>
-        </p:txBody>
-      </p:sp>
-      <p:sp>
-        <p:nvSpPr>
-          <p:cNvPr id="8" name="Freeform: Shape 7">
-            <a:extLst>
-              <a:ext uri="{FF2B5EF4-FFF2-40B4-BE49-F238E27FC236}">
-                <a16:creationId xmlns:a16="http://schemas.microsoft.com/office/drawing/2014/main" id="{1FCD6B85-82E9-410C-8E59-64B9481EDCF1}"/>
-              </a:ext>
-            </a:extLst>
-          </p:cNvPr>
-          <p:cNvSpPr/>
-          <p:nvPr/>
-        </p:nvSpPr>
-        <p:spPr>
-          <a:xfrm>
-            <a:off x="11210829" y="2655760"/>
-            <a:ext cx="228600" cy="228600"/>
-          </a:xfrm>
-          <a:custGeom>
-            <a:avLst/>
-            <a:gdLst>
-              <a:gd name="connsiteX0" fmla="*/ 222218 w 228600"/>
-              <a:gd name="connsiteY0" fmla="*/ 114681 h 228600"/>
-              <a:gd name="connsiteX1" fmla="*/ 114680 w 228600"/>
-              <a:gd name="connsiteY1" fmla="*/ 222218 h 228600"/>
-              <a:gd name="connsiteX2" fmla="*/ 7142 w 228600"/>
-              <a:gd name="connsiteY2" fmla="*/ 114681 h 228600"/>
-              <a:gd name="connsiteX3" fmla="*/ 114680 w 228600"/>
-              <a:gd name="connsiteY3" fmla="*/ 7144 h 228600"/>
-              <a:gd name="connsiteX4" fmla="*/ 222218 w 228600"/>
-              <a:gd name="connsiteY4" fmla="*/ 114681 h 228600"/>
-            </a:gdLst>
-            <a:ahLst/>
-            <a:cxnLst>
-              <a:cxn ang="0">
-                <a:pos x="connsiteX0" y="connsiteY0"/>
-              </a:cxn>
-              <a:cxn ang="0">
-                <a:pos x="connsiteX1" y="connsiteY1"/>
-              </a:cxn>
-              <a:cxn ang="0">
-                <a:pos x="connsiteX2" y="connsiteY2"/>
-              </a:cxn>
-              <a:cxn ang="0">
-                <a:pos x="connsiteX3" y="connsiteY3"/>
-              </a:cxn>
-              <a:cxn ang="0">
-                <a:pos x="connsiteX4" y="connsiteY4"/>
-              </a:cxn>
-            </a:cxnLst>
-            <a:rect l="l" t="t" r="r" b="b"/>
-            <a:pathLst>
-              <a:path w="228600" h="228600">
-                <a:moveTo>
-                  <a:pt x="222218" y="114681"/>
-                </a:moveTo>
-                <a:cubicBezTo>
-                  <a:pt x="222218" y="174072"/>
-                  <a:pt x="174072" y="222218"/>
-                  <a:pt x="114680" y="222218"/>
-                </a:cubicBezTo>
-                <a:cubicBezTo>
-                  <a:pt x="55288" y="222218"/>
-                  <a:pt x="7142" y="174072"/>
-                  <a:pt x="7142" y="114681"/>
-                </a:cubicBezTo>
-                <a:cubicBezTo>
-                  <a:pt x="7142" y="55290"/>
-                  <a:pt x="55288" y="7144"/>
-                  <a:pt x="114680" y="7144"/>
-                </a:cubicBezTo>
-                <a:cubicBezTo>
-                  <a:pt x="174072" y="7144"/>
-                  <a:pt x="222218" y="55290"/>
-                  <a:pt x="222218" y="114681"/>
-                </a:cubicBezTo>
-                <a:close/>
-              </a:path>
-            </a:pathLst>
-          </a:custGeom>
-          <a:solidFill>
-            <a:srgbClr val="FFC947"/>
-          </a:solidFill>
-          <a:ln w="9525" cap="flat">
-            <a:noFill/>
-            <a:prstDash val="solid"/>
-            <a:miter/>
-          </a:ln>
-        </p:spPr>
-        <p:txBody>
-          <a:bodyPr rtlCol="0" anchor="ctr"/>
-          <a:lstStyle/>
-          <a:p>
-            <a:endParaRPr lang="en-US"/>
-          </a:p>
-        </p:txBody>
-      </p:sp>
-      <p:sp>
-        <p:nvSpPr>
-          <p:cNvPr id="9" name="Freeform: Shape 8">
-            <a:extLst>
-              <a:ext uri="{FF2B5EF4-FFF2-40B4-BE49-F238E27FC236}">
-                <a16:creationId xmlns:a16="http://schemas.microsoft.com/office/drawing/2014/main" id="{E3E8262C-BC44-4675-B7C1-A150CE5D2971}"/>
-              </a:ext>
-            </a:extLst>
-          </p:cNvPr>
-          <p:cNvSpPr/>
-          <p:nvPr/>
-        </p:nvSpPr>
-        <p:spPr>
-          <a:xfrm>
-            <a:off x="11357514" y="593788"/>
-            <a:ext cx="228600" cy="228600"/>
-          </a:xfrm>
-          <a:custGeom>
-            <a:avLst/>
-            <a:gdLst>
-              <a:gd name="connsiteX0" fmla="*/ 222218 w 228600"/>
-              <a:gd name="connsiteY0" fmla="*/ 114681 h 228600"/>
-              <a:gd name="connsiteX1" fmla="*/ 114680 w 228600"/>
-              <a:gd name="connsiteY1" fmla="*/ 222218 h 228600"/>
-              <a:gd name="connsiteX2" fmla="*/ 7143 w 228600"/>
-              <a:gd name="connsiteY2" fmla="*/ 114681 h 228600"/>
-              <a:gd name="connsiteX3" fmla="*/ 114680 w 228600"/>
-              <a:gd name="connsiteY3" fmla="*/ 7144 h 228600"/>
-              <a:gd name="connsiteX4" fmla="*/ 222218 w 228600"/>
-              <a:gd name="connsiteY4" fmla="*/ 114681 h 228600"/>
-            </a:gdLst>
-            <a:ahLst/>
-            <a:cxnLst>
-              <a:cxn ang="0">
-                <a:pos x="connsiteX0" y="connsiteY0"/>
-              </a:cxn>
-              <a:cxn ang="0">
-                <a:pos x="connsiteX1" y="connsiteY1"/>
-              </a:cxn>
-              <a:cxn ang="0">
-                <a:pos x="connsiteX2" y="connsiteY2"/>
-              </a:cxn>
-              <a:cxn ang="0">
-                <a:pos x="connsiteX3" y="connsiteY3"/>
-              </a:cxn>
-              <a:cxn ang="0">
-                <a:pos x="connsiteX4" y="connsiteY4"/>
-              </a:cxn>
-            </a:cxnLst>
-            <a:rect l="l" t="t" r="r" b="b"/>
-            <a:pathLst>
-              <a:path w="228600" h="228600">
-                <a:moveTo>
-                  <a:pt x="222218" y="114681"/>
-                </a:moveTo>
-                <a:cubicBezTo>
-                  <a:pt x="222218" y="174072"/>
-                  <a:pt x="174072" y="222218"/>
-                  <a:pt x="114680" y="222218"/>
-                </a:cubicBezTo>
-                <a:cubicBezTo>
-                  <a:pt x="55289" y="222218"/>
-                  <a:pt x="7143" y="174072"/>
-                  <a:pt x="7143" y="114681"/>
-                </a:cubicBezTo>
-                <a:cubicBezTo>
-                  <a:pt x="7143" y="55290"/>
-                  <a:pt x="55289" y="7144"/>
-                  <a:pt x="114680" y="7144"/>
-                </a:cubicBezTo>
-                <a:cubicBezTo>
-                  <a:pt x="174072" y="7144"/>
-                  <a:pt x="222218" y="55290"/>
-                  <a:pt x="222218" y="114681"/>
-                </a:cubicBezTo>
-                <a:close/>
-              </a:path>
-            </a:pathLst>
-          </a:custGeom>
-          <a:solidFill>
-            <a:srgbClr val="FFC947"/>
-          </a:solidFill>
-          <a:ln w="9525" cap="flat">
-            <a:noFill/>
-            <a:prstDash val="solid"/>
-            <a:miter/>
-          </a:ln>
-        </p:spPr>
-        <p:txBody>
-          <a:bodyPr rtlCol="0" anchor="ctr"/>
-          <a:lstStyle/>
-          <a:p>
-            <a:endParaRPr lang="en-US"/>
-          </a:p>
-        </p:txBody>
-      </p:sp>
-      <p:sp>
-        <p:nvSpPr>
-          <p:cNvPr id="10" name="Freeform: Shape 9">
-            <a:extLst>
-              <a:ext uri="{FF2B5EF4-FFF2-40B4-BE49-F238E27FC236}">
-                <a16:creationId xmlns:a16="http://schemas.microsoft.com/office/drawing/2014/main" id="{3D22F762-F471-4FEB-B5A0-651DE466D74A}"/>
-              </a:ext>
-            </a:extLst>
-          </p:cNvPr>
-          <p:cNvSpPr/>
-          <p:nvPr/>
-        </p:nvSpPr>
-        <p:spPr>
-          <a:xfrm>
-            <a:off x="6815137" y="6248114"/>
-            <a:ext cx="228600" cy="228600"/>
-          </a:xfrm>
-          <a:custGeom>
-            <a:avLst/>
-            <a:gdLst>
-              <a:gd name="connsiteX0" fmla="*/ 222218 w 228600"/>
-              <a:gd name="connsiteY0" fmla="*/ 114681 h 228600"/>
-              <a:gd name="connsiteX1" fmla="*/ 114681 w 228600"/>
-              <a:gd name="connsiteY1" fmla="*/ 222218 h 228600"/>
-              <a:gd name="connsiteX2" fmla="*/ 7144 w 228600"/>
-              <a:gd name="connsiteY2" fmla="*/ 114681 h 228600"/>
-              <a:gd name="connsiteX3" fmla="*/ 114681 w 228600"/>
-              <a:gd name="connsiteY3" fmla="*/ 7144 h 228600"/>
-              <a:gd name="connsiteX4" fmla="*/ 222218 w 228600"/>
-              <a:gd name="connsiteY4" fmla="*/ 114681 h 228600"/>
-            </a:gdLst>
-            <a:ahLst/>
-            <a:cxnLst>
-              <a:cxn ang="0">
-                <a:pos x="connsiteX0" y="connsiteY0"/>
-              </a:cxn>
-              <a:cxn ang="0">
-                <a:pos x="connsiteX1" y="connsiteY1"/>
-              </a:cxn>
-              <a:cxn ang="0">
-                <a:pos x="connsiteX2" y="connsiteY2"/>
-              </a:cxn>
-              <a:cxn ang="0">
-                <a:pos x="connsiteX3" y="connsiteY3"/>
-              </a:cxn>
-              <a:cxn ang="0">
-                <a:pos x="connsiteX4" y="connsiteY4"/>
-              </a:cxn>
-            </a:cxnLst>
-            <a:rect l="l" t="t" r="r" b="b"/>
-            <a:pathLst>
-              <a:path w="228600" h="228600">
-                <a:moveTo>
-                  <a:pt x="222218" y="114681"/>
-                </a:moveTo>
-                <a:cubicBezTo>
-                  <a:pt x="222218" y="174072"/>
-                  <a:pt x="174073" y="222218"/>
-                  <a:pt x="114681" y="222218"/>
-                </a:cubicBezTo>
-                <a:cubicBezTo>
-                  <a:pt x="55290" y="222218"/>
-                  <a:pt x="7144" y="174072"/>
-                  <a:pt x="7144" y="114681"/>
-                </a:cubicBezTo>
-                <a:cubicBezTo>
-                  <a:pt x="7144" y="55290"/>
-                  <a:pt x="55290" y="7144"/>
-                  <a:pt x="114681" y="7144"/>
-                </a:cubicBezTo>
-                <a:cubicBezTo>
-                  <a:pt x="174073" y="7144"/>
-                  <a:pt x="222218" y="55290"/>
-                  <a:pt x="222218" y="114681"/>
-                </a:cubicBezTo>
-                <a:close/>
-              </a:path>
-            </a:pathLst>
-          </a:custGeom>
-          <a:solidFill>
-            <a:srgbClr val="FFC947"/>
-          </a:solidFill>
-          <a:ln w="9525" cap="flat">
-            <a:noFill/>
-            <a:prstDash val="solid"/>
-            <a:miter/>
-          </a:ln>
-        </p:spPr>
-        <p:txBody>
-          <a:bodyPr rtlCol="0" anchor="ctr"/>
-          <a:lstStyle/>
-          <a:p>
-            <a:endParaRPr lang="en-US"/>
-          </a:p>
-        </p:txBody>
-      </p:sp>
-      <p:sp>
-        <p:nvSpPr>
-          <p:cNvPr id="11" name="Freeform: Shape 10">
-            <a:extLst>
-              <a:ext uri="{FF2B5EF4-FFF2-40B4-BE49-F238E27FC236}">
-                <a16:creationId xmlns:a16="http://schemas.microsoft.com/office/drawing/2014/main" id="{4FFD4216-B852-4A6F-9B63-3CFF51456115}"/>
-              </a:ext>
-            </a:extLst>
-          </p:cNvPr>
-          <p:cNvSpPr/>
-          <p:nvPr/>
-        </p:nvSpPr>
-        <p:spPr>
-          <a:xfrm>
-            <a:off x="646557" y="6248114"/>
-            <a:ext cx="228600" cy="228600"/>
-          </a:xfrm>
-          <a:custGeom>
-            <a:avLst/>
-            <a:gdLst>
-              <a:gd name="connsiteX0" fmla="*/ 222218 w 228600"/>
-              <a:gd name="connsiteY0" fmla="*/ 114681 h 228600"/>
-              <a:gd name="connsiteX1" fmla="*/ 114681 w 228600"/>
-              <a:gd name="connsiteY1" fmla="*/ 222218 h 228600"/>
-              <a:gd name="connsiteX2" fmla="*/ 7144 w 228600"/>
-              <a:gd name="connsiteY2" fmla="*/ 114681 h 228600"/>
-              <a:gd name="connsiteX3" fmla="*/ 114681 w 228600"/>
-              <a:gd name="connsiteY3" fmla="*/ 7144 h 228600"/>
-              <a:gd name="connsiteX4" fmla="*/ 222218 w 228600"/>
-              <a:gd name="connsiteY4" fmla="*/ 114681 h 228600"/>
-            </a:gdLst>
-            <a:ahLst/>
-            <a:cxnLst>
-              <a:cxn ang="0">
-                <a:pos x="connsiteX0" y="connsiteY0"/>
-              </a:cxn>
-              <a:cxn ang="0">
-                <a:pos x="connsiteX1" y="connsiteY1"/>
-              </a:cxn>
-              <a:cxn ang="0">
-                <a:pos x="connsiteX2" y="connsiteY2"/>
-              </a:cxn>
-              <a:cxn ang="0">
-                <a:pos x="connsiteX3" y="connsiteY3"/>
-              </a:cxn>
-              <a:cxn ang="0">
-                <a:pos x="connsiteX4" y="connsiteY4"/>
-              </a:cxn>
-            </a:cxnLst>
-            <a:rect l="l" t="t" r="r" b="b"/>
-            <a:pathLst>
-              <a:path w="228600" h="228600">
-                <a:moveTo>
-                  <a:pt x="222218" y="114681"/>
-                </a:moveTo>
-                <a:cubicBezTo>
-                  <a:pt x="222218" y="174072"/>
-                  <a:pt x="174072" y="222218"/>
-                  <a:pt x="114681" y="222218"/>
-                </a:cubicBezTo>
-                <a:cubicBezTo>
-                  <a:pt x="55290" y="222218"/>
-                  <a:pt x="7144" y="174072"/>
-                  <a:pt x="7144" y="114681"/>
-                </a:cubicBezTo>
-                <a:cubicBezTo>
-                  <a:pt x="7144" y="55290"/>
-                  <a:pt x="55290" y="7144"/>
-                  <a:pt x="114681" y="7144"/>
-                </a:cubicBezTo>
-                <a:cubicBezTo>
-                  <a:pt x="174072" y="7144"/>
-                  <a:pt x="222218" y="55290"/>
-                  <a:pt x="222218" y="114681"/>
-                </a:cubicBezTo>
-                <a:close/>
-              </a:path>
-            </a:pathLst>
-          </a:custGeom>
-          <a:solidFill>
-            <a:srgbClr val="FFC947"/>
-          </a:solidFill>
-          <a:ln w="9525" cap="flat">
-            <a:noFill/>
-            <a:prstDash val="solid"/>
-            <a:miter/>
-          </a:ln>
-        </p:spPr>
-        <p:txBody>
-          <a:bodyPr rtlCol="0" anchor="ctr"/>
-          <a:lstStyle/>
-          <a:p>
-            <a:endParaRPr lang="en-US"/>
-          </a:p>
-        </p:txBody>
-      </p:sp>
-      <p:sp>
-        <p:nvSpPr>
-          <p:cNvPr id="12" name="Freeform: Shape 11">
-            <a:extLst>
-              <a:ext uri="{FF2B5EF4-FFF2-40B4-BE49-F238E27FC236}">
-                <a16:creationId xmlns:a16="http://schemas.microsoft.com/office/drawing/2014/main" id="{309D5100-7807-4B85-8FDA-6A93CB7262D3}"/>
-              </a:ext>
-            </a:extLst>
-          </p:cNvPr>
-          <p:cNvSpPr/>
-          <p:nvPr/>
-        </p:nvSpPr>
-        <p:spPr>
-          <a:xfrm>
-            <a:off x="11357514" y="5301900"/>
-            <a:ext cx="228600" cy="228600"/>
-          </a:xfrm>
-          <a:custGeom>
-            <a:avLst/>
-            <a:gdLst>
-              <a:gd name="connsiteX0" fmla="*/ 222218 w 228600"/>
-              <a:gd name="connsiteY0" fmla="*/ 114681 h 228600"/>
-              <a:gd name="connsiteX1" fmla="*/ 114680 w 228600"/>
-              <a:gd name="connsiteY1" fmla="*/ 222218 h 228600"/>
-              <a:gd name="connsiteX2" fmla="*/ 7143 w 228600"/>
-              <a:gd name="connsiteY2" fmla="*/ 114681 h 228600"/>
-              <a:gd name="connsiteX3" fmla="*/ 114680 w 228600"/>
-              <a:gd name="connsiteY3" fmla="*/ 7144 h 228600"/>
-              <a:gd name="connsiteX4" fmla="*/ 222218 w 228600"/>
-              <a:gd name="connsiteY4" fmla="*/ 114681 h 228600"/>
-            </a:gdLst>
-            <a:ahLst/>
-            <a:cxnLst>
-              <a:cxn ang="0">
-                <a:pos x="connsiteX0" y="connsiteY0"/>
-              </a:cxn>
-              <a:cxn ang="0">
-                <a:pos x="connsiteX1" y="connsiteY1"/>
-              </a:cxn>
-              <a:cxn ang="0">
-                <a:pos x="connsiteX2" y="connsiteY2"/>
-              </a:cxn>
-              <a:cxn ang="0">
-                <a:pos x="connsiteX3" y="connsiteY3"/>
-              </a:cxn>
-              <a:cxn ang="0">
-                <a:pos x="connsiteX4" y="connsiteY4"/>
-              </a:cxn>
-            </a:cxnLst>
-            <a:rect l="l" t="t" r="r" b="b"/>
-            <a:pathLst>
-              <a:path w="228600" h="228600">
-                <a:moveTo>
-                  <a:pt x="222218" y="114681"/>
-                </a:moveTo>
-                <a:cubicBezTo>
-                  <a:pt x="222218" y="174072"/>
-                  <a:pt x="174072" y="222218"/>
-                  <a:pt x="114680" y="222218"/>
-                </a:cubicBezTo>
-                <a:cubicBezTo>
-                  <a:pt x="55289" y="222218"/>
-                  <a:pt x="7143" y="174072"/>
-                  <a:pt x="7143" y="114681"/>
-                </a:cubicBezTo>
-                <a:cubicBezTo>
-                  <a:pt x="7143" y="55290"/>
-                  <a:pt x="55289" y="7144"/>
-                  <a:pt x="114680" y="7144"/>
-                </a:cubicBezTo>
-                <a:cubicBezTo>
-                  <a:pt x="174072" y="7144"/>
-                  <a:pt x="222218" y="55290"/>
-                  <a:pt x="222218" y="114681"/>
-                </a:cubicBezTo>
-                <a:close/>
-              </a:path>
-            </a:pathLst>
-          </a:custGeom>
-          <a:solidFill>
-            <a:srgbClr val="FFC947"/>
-          </a:solidFill>
-          <a:ln w="9525" cap="flat">
-            <a:noFill/>
-            <a:prstDash val="solid"/>
-            <a:miter/>
-          </a:ln>
-        </p:spPr>
-        <p:txBody>
-          <a:bodyPr rtlCol="0" anchor="ctr"/>
-          <a:lstStyle/>
-          <a:p>
-            <a:endParaRPr lang="en-US"/>
-          </a:p>
-        </p:txBody>
-      </p:sp>
-      <p:sp>
-        <p:nvSpPr>
-          <p:cNvPr id="49" name="TextBox 48">
-            <a:extLst>
-              <a:ext uri="{FF2B5EF4-FFF2-40B4-BE49-F238E27FC236}">
-                <a16:creationId xmlns:a16="http://schemas.microsoft.com/office/drawing/2014/main" id="{0E0C35A2-2367-49FB-94AE-53E03758A8B2}"/>
-              </a:ext>
-            </a:extLst>
-          </p:cNvPr>
-          <p:cNvSpPr txBox="1"/>
-          <p:nvPr/>
-        </p:nvSpPr>
-        <p:spPr>
-          <a:xfrm>
-            <a:off x="4852983" y="69933"/>
-            <a:ext cx="2727991" cy="1015663"/>
-          </a:xfrm>
-          <a:prstGeom prst="rect">
-            <a:avLst/>
-          </a:prstGeom>
-          <a:noFill/>
-        </p:spPr>
-        <p:txBody>
-          <a:bodyPr wrap="none" rtlCol="0">
-            <a:spAutoFit/>
-          </a:bodyPr>
-          <a:lstStyle/>
-          <a:p>
-            <a:pPr algn="ctr"/>
-            <a:r>
-              <a:rPr lang="en-US" sz="6000" b="1" dirty="0" err="1">
-                <a:solidFill>
-                  <a:schemeClr val="accent1"/>
-                </a:solidFill>
-                <a:latin typeface="+mj-lt"/>
-              </a:rPr>
-              <a:t>Thiết</a:t>
-            </a:r>
-            <a:r>
-              <a:rPr lang="en-US" sz="6000" b="1" dirty="0">
-                <a:solidFill>
-                  <a:schemeClr val="accent2"/>
-                </a:solidFill>
-                <a:latin typeface="+mj-lt"/>
-              </a:rPr>
-              <a:t> </a:t>
-            </a:r>
-            <a:r>
-              <a:rPr lang="en-US" sz="6000" b="1" dirty="0" err="1">
-                <a:solidFill>
-                  <a:schemeClr val="accent2"/>
-                </a:solidFill>
-                <a:latin typeface="+mj-lt"/>
-              </a:rPr>
-              <a:t>kế</a:t>
-            </a:r>
-            <a:endParaRPr lang="en-US" sz="6000" b="1" dirty="0">
-              <a:solidFill>
-                <a:schemeClr val="accent2"/>
-              </a:solidFill>
-              <a:latin typeface="+mj-lt"/>
-            </a:endParaRPr>
-          </a:p>
-        </p:txBody>
-      </p:sp>
-      <p:pic>
-        <p:nvPicPr>
-          <p:cNvPr id="5122" name="Picture 2">
-            <a:extLst>
-              <a:ext uri="{FF2B5EF4-FFF2-40B4-BE49-F238E27FC236}">
-                <a16:creationId xmlns:a16="http://schemas.microsoft.com/office/drawing/2014/main" id="{90AB5CEC-9732-5C44-EC32-EBFDDACA6A87}"/>
-              </a:ext>
-            </a:extLst>
-          </p:cNvPr>
-          <p:cNvPicPr>
-            <a:picLocks noChangeAspect="1" noChangeArrowheads="1"/>
-          </p:cNvPicPr>
-          <p:nvPr/>
-        </p:nvPicPr>
-        <p:blipFill>
-          <a:blip r:embed="rId2">
-            <a:extLst>
-              <a:ext uri="{28A0092B-C50C-407E-A947-70E740481C1C}">
-                <a14:useLocalDpi xmlns:a14="http://schemas.microsoft.com/office/drawing/2010/main" val="0"/>
-              </a:ext>
-            </a:extLst>
-          </a:blip>
-          <a:srcRect/>
-          <a:stretch>
-            <a:fillRect/>
-          </a:stretch>
-        </p:blipFill>
-        <p:spPr bwMode="auto">
-          <a:xfrm>
-            <a:off x="894455" y="1085596"/>
-            <a:ext cx="10403090" cy="4686808"/>
-          </a:xfrm>
-          <a:prstGeom prst="rect">
-            <a:avLst/>
-          </a:prstGeom>
-          <a:noFill/>
-          <a:extLst>
-            <a:ext uri="{909E8E84-426E-40DD-AFC4-6F175D3DCCD1}">
-              <a14:hiddenFill xmlns:a14="http://schemas.microsoft.com/office/drawing/2010/main">
-                <a:solidFill>
-                  <a:srgbClr val="FFFFFF"/>
-                </a:solidFill>
-              </a14:hiddenFill>
-            </a:ext>
-          </a:extLst>
-        </p:spPr>
-      </p:pic>
-    </p:spTree>
-    <p:extLst>
-      <p:ext uri="{BB962C8B-B14F-4D97-AF65-F5344CB8AC3E}">
-        <p14:creationId xmlns:p14="http://schemas.microsoft.com/office/powerpoint/2010/main" val="348816971"/>
+        <p14:creationId xmlns:p14="http://schemas.microsoft.com/office/powerpoint/2010/main" val="4230394310"/>
       </p:ext>
     </p:extLst>
   </p:cSld>
